--- a/Projet kasa.pptx
+++ b/Projet kasa.pptx
@@ -149,7 +149,7 @@
   <pc:docChgLst>
     <pc:chgData name="Romain Roguet" userId="7f6897c862d2ccb3" providerId="LiveId" clId="{A64FCBA7-90F5-47EC-A932-D6CE830A1D7E}"/>
     <pc:docChg chg="custSel addSld delSld modSld sldOrd">
-      <pc:chgData name="Romain Roguet" userId="7f6897c862d2ccb3" providerId="LiveId" clId="{A64FCBA7-90F5-47EC-A932-D6CE830A1D7E}" dt="2022-11-01T15:53:36.091" v="938" actId="20577"/>
+      <pc:chgData name="Romain Roguet" userId="7f6897c862d2ccb3" providerId="LiveId" clId="{A64FCBA7-90F5-47EC-A932-D6CE830A1D7E}" dt="2022-11-03T09:28:36.481" v="963" actId="1076"/>
       <pc:docMkLst>
         <pc:docMk/>
       </pc:docMkLst>
@@ -284,7 +284,7 @@
         </pc:sldMkLst>
       </pc:sldChg>
       <pc:sldChg chg="addSp delSp modSp new mod modNotesTx">
-        <pc:chgData name="Romain Roguet" userId="7f6897c862d2ccb3" providerId="LiveId" clId="{A64FCBA7-90F5-47EC-A932-D6CE830A1D7E}" dt="2022-11-01T15:45:23.654" v="832" actId="113"/>
+        <pc:chgData name="Romain Roguet" userId="7f6897c862d2ccb3" providerId="LiveId" clId="{A64FCBA7-90F5-47EC-A932-D6CE830A1D7E}" dt="2022-11-03T09:20:26.131" v="961" actId="14100"/>
         <pc:sldMkLst>
           <pc:docMk/>
           <pc:sldMk cId="2628974930" sldId="274"/>
@@ -346,7 +346,7 @@
           </ac:graphicFrameMkLst>
         </pc:graphicFrameChg>
         <pc:graphicFrameChg chg="add mod modGraphic">
-          <ac:chgData name="Romain Roguet" userId="7f6897c862d2ccb3" providerId="LiveId" clId="{A64FCBA7-90F5-47EC-A932-D6CE830A1D7E}" dt="2022-11-01T15:44:58.782" v="822" actId="20577"/>
+          <ac:chgData name="Romain Roguet" userId="7f6897c862d2ccb3" providerId="LiveId" clId="{A64FCBA7-90F5-47EC-A932-D6CE830A1D7E}" dt="2022-11-03T09:20:22.386" v="960" actId="20577"/>
           <ac:graphicFrameMkLst>
             <pc:docMk/>
             <pc:sldMk cId="2628974930" sldId="274"/>
@@ -362,7 +362,7 @@
           </ac:picMkLst>
         </pc:picChg>
         <pc:picChg chg="add mod">
-          <ac:chgData name="Romain Roguet" userId="7f6897c862d2ccb3" providerId="LiveId" clId="{A64FCBA7-90F5-47EC-A932-D6CE830A1D7E}" dt="2022-11-01T15:35:55.270" v="628" actId="1035"/>
+          <ac:chgData name="Romain Roguet" userId="7f6897c862d2ccb3" providerId="LiveId" clId="{A64FCBA7-90F5-47EC-A932-D6CE830A1D7E}" dt="2022-11-03T09:20:26.131" v="961" actId="14100"/>
           <ac:picMkLst>
             <pc:docMk/>
             <pc:sldMk cId="2628974930" sldId="274"/>
@@ -554,8 +554,8 @@
           </ac:picMkLst>
         </pc:picChg>
       </pc:sldChg>
-      <pc:sldChg chg="delSp modSp add mod">
-        <pc:chgData name="Romain Roguet" userId="7f6897c862d2ccb3" providerId="LiveId" clId="{A64FCBA7-90F5-47EC-A932-D6CE830A1D7E}" dt="2022-11-01T15:45:56.772" v="842" actId="478"/>
+      <pc:sldChg chg="addSp delSp modSp add mod">
+        <pc:chgData name="Romain Roguet" userId="7f6897c862d2ccb3" providerId="LiveId" clId="{A64FCBA7-90F5-47EC-A932-D6CE830A1D7E}" dt="2022-11-03T09:28:36.481" v="963" actId="1076"/>
         <pc:sldMkLst>
           <pc:docMk/>
           <pc:sldMk cId="14306512" sldId="277"/>
@@ -568,6 +568,14 @@
             <ac:spMk id="2" creationId="{239187CC-2B35-158C-087E-865C0C88DC06}"/>
           </ac:spMkLst>
         </pc:spChg>
+        <pc:picChg chg="add mod">
+          <ac:chgData name="Romain Roguet" userId="7f6897c862d2ccb3" providerId="LiveId" clId="{A64FCBA7-90F5-47EC-A932-D6CE830A1D7E}" dt="2022-11-03T09:28:36.481" v="963" actId="1076"/>
+          <ac:picMkLst>
+            <pc:docMk/>
+            <pc:sldMk cId="14306512" sldId="277"/>
+            <ac:picMk id="5" creationId="{1492B26E-5053-0A08-C050-F01C9CBBF99A}"/>
+          </ac:picMkLst>
+        </pc:picChg>
         <pc:picChg chg="del">
           <ac:chgData name="Romain Roguet" userId="7f6897c862d2ccb3" providerId="LiveId" clId="{A64FCBA7-90F5-47EC-A932-D6CE830A1D7E}" dt="2022-11-01T15:45:56.772" v="842" actId="478"/>
           <ac:picMkLst>
@@ -3791,7 +3799,7 @@
                 <a:srgbClr val="00B0F0"/>
               </a:solidFill>
             </a:rPr>
-            <a:t>     </a:t>
+            <a:t>  </a:t>
           </a:r>
           <a:r>
             <a:rPr lang="fr-FR" dirty="0" err="1">
@@ -4253,7 +4261,7 @@
       <dgm:spPr/>
     </dgm:pt>
     <dgm:pt modelId="{5DD9F829-8CAE-4332-998A-B4BFEF3A6824}" type="pres">
-      <dgm:prSet presAssocID="{AF3A87B9-E8B5-4CBA-AAFD-4DB6D9B6F0D6}" presName="rootText3" presStyleLbl="asst1" presStyleIdx="0" presStyleCnt="1">
+      <dgm:prSet presAssocID="{AF3A87B9-E8B5-4CBA-AAFD-4DB6D9B6F0D6}" presName="rootText3" presStyleLbl="asst1" presStyleIdx="0" presStyleCnt="1" custScaleX="77414">
         <dgm:presLayoutVars>
           <dgm:chPref val="3"/>
         </dgm:presLayoutVars>
@@ -5263,8 +5271,8 @@
       </dsp:nvSpPr>
       <dsp:spPr>
         <a:xfrm>
-          <a:off x="1750246" y="2555529"/>
-          <a:ext cx="1223797" cy="109267"/>
+          <a:off x="1794001" y="2548015"/>
+          <a:ext cx="1254736" cy="112030"/>
         </a:xfrm>
         <a:custGeom>
           <a:avLst/>
@@ -5275,13 +5283,13 @@
           <a:pathLst>
             <a:path>
               <a:moveTo>
-                <a:pt x="0" y="109267"/>
+                <a:pt x="0" y="112030"/>
               </a:moveTo>
               <a:lnTo>
-                <a:pt x="1223797" y="109267"/>
+                <a:pt x="1254736" y="112030"/>
               </a:lnTo>
               <a:lnTo>
-                <a:pt x="1223797" y="0"/>
+                <a:pt x="1254736" y="0"/>
               </a:lnTo>
             </a:path>
           </a:pathLst>
@@ -5321,8 +5329,8 @@
       </dsp:nvSpPr>
       <dsp:spPr>
         <a:xfrm>
-          <a:off x="5946123" y="3228618"/>
-          <a:ext cx="349656" cy="375880"/>
+          <a:off x="5893529" y="3238120"/>
+          <a:ext cx="358496" cy="385383"/>
         </a:xfrm>
         <a:custGeom>
           <a:avLst/>
@@ -5336,13 +5344,13 @@
                 <a:pt x="0" y="0"/>
               </a:moveTo>
               <a:lnTo>
-                <a:pt x="174828" y="0"/>
+                <a:pt x="179248" y="0"/>
               </a:lnTo>
               <a:lnTo>
-                <a:pt x="174828" y="375880"/>
+                <a:pt x="179248" y="385383"/>
               </a:lnTo>
               <a:lnTo>
-                <a:pt x="349656" y="375880"/>
+                <a:pt x="358496" y="385383"/>
               </a:lnTo>
             </a:path>
           </a:pathLst>
@@ -5382,8 +5390,8 @@
       </dsp:nvSpPr>
       <dsp:spPr>
         <a:xfrm>
-          <a:off x="5946123" y="2852737"/>
-          <a:ext cx="349656" cy="375880"/>
+          <a:off x="5893529" y="2852737"/>
+          <a:ext cx="358496" cy="385383"/>
         </a:xfrm>
         <a:custGeom>
           <a:avLst/>
@@ -5394,16 +5402,16 @@
           <a:pathLst>
             <a:path>
               <a:moveTo>
-                <a:pt x="0" y="375880"/>
+                <a:pt x="0" y="385383"/>
               </a:moveTo>
               <a:lnTo>
-                <a:pt x="174828" y="375880"/>
+                <a:pt x="179248" y="385383"/>
               </a:lnTo>
               <a:lnTo>
-                <a:pt x="174828" y="0"/>
+                <a:pt x="179248" y="0"/>
               </a:lnTo>
               <a:lnTo>
-                <a:pt x="349656" y="0"/>
+                <a:pt x="358496" y="0"/>
               </a:lnTo>
             </a:path>
           </a:pathLst>
@@ -5443,8 +5451,8 @@
       </dsp:nvSpPr>
       <dsp:spPr>
         <a:xfrm>
-          <a:off x="1750246" y="2664797"/>
-          <a:ext cx="2447595" cy="563821"/>
+          <a:off x="1794001" y="2660045"/>
+          <a:ext cx="2307047" cy="578074"/>
         </a:xfrm>
         <a:custGeom>
           <a:avLst/>
@@ -5458,13 +5466,13 @@
                 <a:pt x="0" y="0"/>
               </a:moveTo>
               <a:lnTo>
-                <a:pt x="2272766" y="0"/>
+                <a:pt x="2127799" y="0"/>
               </a:lnTo>
               <a:lnTo>
-                <a:pt x="2272766" y="563821"/>
+                <a:pt x="2127799" y="578074"/>
               </a:lnTo>
               <a:lnTo>
-                <a:pt x="2447595" y="563821"/>
+                <a:pt x="2307047" y="578074"/>
               </a:lnTo>
             </a:path>
           </a:pathLst>
@@ -5504,8 +5512,8 @@
       </dsp:nvSpPr>
       <dsp:spPr>
         <a:xfrm>
-          <a:off x="5946123" y="2055256"/>
-          <a:ext cx="349656" cy="91440"/>
+          <a:off x="5893529" y="2036250"/>
+          <a:ext cx="358496" cy="91440"/>
         </a:xfrm>
         <a:custGeom>
           <a:avLst/>
@@ -5519,7 +5527,7 @@
                 <a:pt x="0" y="45720"/>
               </a:moveTo>
               <a:lnTo>
-                <a:pt x="349656" y="45720"/>
+                <a:pt x="358496" y="45720"/>
               </a:lnTo>
             </a:path>
           </a:pathLst>
@@ -5559,8 +5567,8 @@
       </dsp:nvSpPr>
       <dsp:spPr>
         <a:xfrm>
-          <a:off x="1750246" y="2100976"/>
-          <a:ext cx="2447595" cy="563821"/>
+          <a:off x="1794001" y="2081970"/>
+          <a:ext cx="2307047" cy="578074"/>
         </a:xfrm>
         <a:custGeom>
           <a:avLst/>
@@ -5571,16 +5579,16 @@
           <a:pathLst>
             <a:path>
               <a:moveTo>
-                <a:pt x="0" y="563821"/>
+                <a:pt x="0" y="578074"/>
               </a:moveTo>
               <a:lnTo>
-                <a:pt x="2272766" y="563821"/>
+                <a:pt x="2127799" y="578074"/>
               </a:lnTo>
               <a:lnTo>
-                <a:pt x="2272766" y="0"/>
+                <a:pt x="2127799" y="0"/>
               </a:lnTo>
               <a:lnTo>
-                <a:pt x="2447595" y="0"/>
+                <a:pt x="2307047" y="0"/>
               </a:lnTo>
             </a:path>
           </a:pathLst>
@@ -5620,8 +5628,8 @@
       </dsp:nvSpPr>
       <dsp:spPr>
         <a:xfrm>
-          <a:off x="1964" y="2398184"/>
-          <a:ext cx="1748282" cy="533226"/>
+          <a:off x="1521" y="2386692"/>
+          <a:ext cx="1792480" cy="546706"/>
         </a:xfrm>
         <a:prstGeom prst="rect">
           <a:avLst/>
@@ -5662,12 +5670,12 @@
         </a:fontRef>
       </dsp:style>
       <dsp:txBody>
-        <a:bodyPr spcFirstLastPara="0" vert="horz" wrap="square" lIns="11430" tIns="11430" rIns="11430" bIns="11430" numCol="1" spcCol="1270" anchor="ctr" anchorCtr="0">
+        <a:bodyPr spcFirstLastPara="0" vert="horz" wrap="square" lIns="12065" tIns="12065" rIns="12065" bIns="12065" numCol="1" spcCol="1270" anchor="ctr" anchorCtr="0">
           <a:noAutofit/>
         </a:bodyPr>
         <a:lstStyle/>
         <a:p>
-          <a:pPr marL="0" lvl="0" indent="0" algn="ctr" defTabSz="800100">
+          <a:pPr marL="0" lvl="0" indent="0" algn="ctr" defTabSz="844550">
             <a:lnSpc>
               <a:spcPct val="90000"/>
             </a:lnSpc>
@@ -5680,22 +5688,22 @@
             <a:buNone/>
           </a:pPr>
           <a:r>
-            <a:rPr lang="fr-FR" sz="1800" kern="1200" dirty="0"/>
+            <a:rPr lang="fr-FR" sz="1900" kern="1200" dirty="0"/>
             <a:t>Serveur</a:t>
           </a:r>
           <a:br>
-            <a:rPr lang="fr-FR" sz="1800" kern="1200" dirty="0"/>
+            <a:rPr lang="fr-FR" sz="1900" kern="1200" dirty="0"/>
           </a:br>
           <a:r>
-            <a:rPr lang="fr-FR" sz="1800" kern="1200" dirty="0" err="1"/>
+            <a:rPr lang="fr-FR" sz="1900" kern="1200" dirty="0" err="1"/>
             <a:t>Front-end</a:t>
           </a:r>
-          <a:endParaRPr lang="fr-FR" sz="1800" kern="1200" dirty="0"/>
+          <a:endParaRPr lang="fr-FR" sz="1900" kern="1200" dirty="0"/>
         </a:p>
       </dsp:txBody>
       <dsp:txXfrm>
-        <a:off x="1964" y="2398184"/>
-        <a:ext cx="1748282" cy="533226"/>
+        <a:off x="1521" y="2386692"/>
+        <a:ext cx="1792480" cy="546706"/>
       </dsp:txXfrm>
     </dsp:sp>
     <dsp:sp modelId="{1D421F0B-2252-433C-A401-F62B0E23CD6E}">
@@ -5705,8 +5713,8 @@
       </dsp:nvSpPr>
       <dsp:spPr>
         <a:xfrm>
-          <a:off x="4197841" y="1834363"/>
-          <a:ext cx="1748282" cy="533226"/>
+          <a:off x="4101049" y="1808617"/>
+          <a:ext cx="1792480" cy="546706"/>
         </a:xfrm>
         <a:prstGeom prst="rect">
           <a:avLst/>
@@ -5747,12 +5755,12 @@
         </a:fontRef>
       </dsp:style>
       <dsp:txBody>
-        <a:bodyPr spcFirstLastPara="0" vert="horz" wrap="square" lIns="11430" tIns="11430" rIns="11430" bIns="11430" numCol="1" spcCol="1270" anchor="ctr" anchorCtr="0">
+        <a:bodyPr spcFirstLastPara="0" vert="horz" wrap="square" lIns="12065" tIns="12065" rIns="12065" bIns="12065" numCol="1" spcCol="1270" anchor="ctr" anchorCtr="0">
           <a:noAutofit/>
         </a:bodyPr>
         <a:lstStyle/>
         <a:p>
-          <a:pPr marL="0" lvl="0" indent="0" algn="ctr" defTabSz="800100">
+          <a:pPr marL="0" lvl="0" indent="0" algn="ctr" defTabSz="844550">
             <a:lnSpc>
               <a:spcPct val="90000"/>
             </a:lnSpc>
@@ -5765,14 +5773,14 @@
             <a:buNone/>
           </a:pPr>
           <a:r>
-            <a:rPr lang="fr-FR" sz="1800" kern="1200" dirty="0"/>
+            <a:rPr lang="fr-FR" sz="1900" kern="1200" dirty="0"/>
             <a:t>Public</a:t>
           </a:r>
         </a:p>
       </dsp:txBody>
       <dsp:txXfrm>
-        <a:off x="4197841" y="1834363"/>
-        <a:ext cx="1748282" cy="533226"/>
+        <a:off x="4101049" y="1808617"/>
+        <a:ext cx="1792480" cy="546706"/>
       </dsp:txXfrm>
     </dsp:sp>
     <dsp:sp modelId="{3D27D2D7-3649-4A92-81C4-B934344CA764}">
@@ -5782,8 +5790,8 @@
       </dsp:nvSpPr>
       <dsp:spPr>
         <a:xfrm>
-          <a:off x="6295780" y="1834363"/>
-          <a:ext cx="1748282" cy="533226"/>
+          <a:off x="6252025" y="1808617"/>
+          <a:ext cx="1792480" cy="546706"/>
         </a:xfrm>
         <a:prstGeom prst="rect">
           <a:avLst/>
@@ -5824,12 +5832,12 @@
         </a:fontRef>
       </dsp:style>
       <dsp:txBody>
-        <a:bodyPr spcFirstLastPara="0" vert="horz" wrap="square" lIns="11430" tIns="11430" rIns="11430" bIns="11430" numCol="1" spcCol="1270" anchor="ctr" anchorCtr="0">
+        <a:bodyPr spcFirstLastPara="0" vert="horz" wrap="square" lIns="12065" tIns="12065" rIns="12065" bIns="12065" numCol="1" spcCol="1270" anchor="ctr" anchorCtr="0">
           <a:noAutofit/>
         </a:bodyPr>
         <a:lstStyle/>
         <a:p>
-          <a:pPr marL="0" lvl="0" indent="0" algn="ctr" defTabSz="800100">
+          <a:pPr marL="0" lvl="0" indent="0" algn="ctr" defTabSz="844550">
             <a:lnSpc>
               <a:spcPct val="90000"/>
             </a:lnSpc>
@@ -5842,14 +5850,14 @@
             <a:buNone/>
           </a:pPr>
           <a:r>
-            <a:rPr lang="fr-FR" sz="1800" kern="1200" dirty="0"/>
+            <a:rPr lang="fr-FR" sz="1900" kern="1200" dirty="0"/>
             <a:t>Index.html</a:t>
           </a:r>
         </a:p>
       </dsp:txBody>
       <dsp:txXfrm>
-        <a:off x="6295780" y="1834363"/>
-        <a:ext cx="1748282" cy="533226"/>
+        <a:off x="6252025" y="1808617"/>
+        <a:ext cx="1792480" cy="546706"/>
       </dsp:txXfrm>
     </dsp:sp>
     <dsp:sp modelId="{083C9D7D-30E9-4A35-ABDB-1C1A46E2B333}">
@@ -5859,8 +5867,8 @@
       </dsp:nvSpPr>
       <dsp:spPr>
         <a:xfrm>
-          <a:off x="4197841" y="2962005"/>
-          <a:ext cx="1748282" cy="533226"/>
+          <a:off x="4101049" y="2964767"/>
+          <a:ext cx="1792480" cy="546706"/>
         </a:xfrm>
         <a:prstGeom prst="rect">
           <a:avLst/>
@@ -5901,12 +5909,12 @@
         </a:fontRef>
       </dsp:style>
       <dsp:txBody>
-        <a:bodyPr spcFirstLastPara="0" vert="horz" wrap="square" lIns="11430" tIns="11430" rIns="11430" bIns="11430" numCol="1" spcCol="1270" anchor="ctr" anchorCtr="0">
+        <a:bodyPr spcFirstLastPara="0" vert="horz" wrap="square" lIns="12065" tIns="12065" rIns="12065" bIns="12065" numCol="1" spcCol="1270" anchor="ctr" anchorCtr="0">
           <a:noAutofit/>
         </a:bodyPr>
         <a:lstStyle/>
         <a:p>
-          <a:pPr marL="0" lvl="0" indent="0" algn="ctr" defTabSz="800100">
+          <a:pPr marL="0" lvl="0" indent="0" algn="ctr" defTabSz="844550">
             <a:lnSpc>
               <a:spcPct val="90000"/>
             </a:lnSpc>
@@ -5919,14 +5927,14 @@
             <a:buNone/>
           </a:pPr>
           <a:r>
-            <a:rPr lang="fr-FR" sz="1800" kern="1200" dirty="0"/>
+            <a:rPr lang="fr-FR" sz="1900" kern="1200" dirty="0"/>
             <a:t>Src</a:t>
           </a:r>
         </a:p>
       </dsp:txBody>
       <dsp:txXfrm>
-        <a:off x="4197841" y="2962005"/>
-        <a:ext cx="1748282" cy="533226"/>
+        <a:off x="4101049" y="2964767"/>
+        <a:ext cx="1792480" cy="546706"/>
       </dsp:txXfrm>
     </dsp:sp>
     <dsp:sp modelId="{74CA4326-958B-47BC-9C61-D6F1983846CB}">
@@ -5936,8 +5944,8 @@
       </dsp:nvSpPr>
       <dsp:spPr>
         <a:xfrm>
-          <a:off x="6295780" y="2586124"/>
-          <a:ext cx="1748282" cy="533226"/>
+          <a:off x="6252025" y="2579384"/>
+          <a:ext cx="1792480" cy="546706"/>
         </a:xfrm>
         <a:prstGeom prst="rect">
           <a:avLst/>
@@ -5978,12 +5986,12 @@
         </a:fontRef>
       </dsp:style>
       <dsp:txBody>
-        <a:bodyPr spcFirstLastPara="0" vert="horz" wrap="square" lIns="11430" tIns="11430" rIns="11430" bIns="11430" numCol="1" spcCol="1270" anchor="ctr" anchorCtr="0">
+        <a:bodyPr spcFirstLastPara="0" vert="horz" wrap="square" lIns="12065" tIns="12065" rIns="12065" bIns="12065" numCol="1" spcCol="1270" anchor="ctr" anchorCtr="0">
           <a:noAutofit/>
         </a:bodyPr>
         <a:lstStyle/>
         <a:p>
-          <a:pPr marL="0" lvl="0" indent="0" algn="ctr" defTabSz="800100">
+          <a:pPr marL="0" lvl="0" indent="0" algn="ctr" defTabSz="844550">
             <a:lnSpc>
               <a:spcPct val="90000"/>
             </a:lnSpc>
@@ -5996,14 +6004,14 @@
             <a:buNone/>
           </a:pPr>
           <a:r>
-            <a:rPr lang="fr-FR" sz="1800" kern="1200" dirty="0"/>
+            <a:rPr lang="fr-FR" sz="1900" kern="1200" dirty="0"/>
             <a:t>Index.js</a:t>
           </a:r>
         </a:p>
       </dsp:txBody>
       <dsp:txXfrm>
-        <a:off x="6295780" y="2586124"/>
-        <a:ext cx="1748282" cy="533226"/>
+        <a:off x="6252025" y="2579384"/>
+        <a:ext cx="1792480" cy="546706"/>
       </dsp:txXfrm>
     </dsp:sp>
     <dsp:sp modelId="{B37A7F40-1B85-4F86-9D39-F9D279FE50FC}">
@@ -6013,8 +6021,8 @@
       </dsp:nvSpPr>
       <dsp:spPr>
         <a:xfrm>
-          <a:off x="6295780" y="3337885"/>
-          <a:ext cx="1748282" cy="533226"/>
+          <a:off x="6252025" y="3350150"/>
+          <a:ext cx="1792480" cy="546706"/>
         </a:xfrm>
         <a:prstGeom prst="rect">
           <a:avLst/>
@@ -6055,12 +6063,12 @@
         </a:fontRef>
       </dsp:style>
       <dsp:txBody>
-        <a:bodyPr spcFirstLastPara="0" vert="horz" wrap="square" lIns="11430" tIns="11430" rIns="11430" bIns="11430" numCol="1" spcCol="1270" anchor="ctr" anchorCtr="0">
+        <a:bodyPr spcFirstLastPara="0" vert="horz" wrap="square" lIns="12065" tIns="12065" rIns="12065" bIns="12065" numCol="1" spcCol="1270" anchor="ctr" anchorCtr="0">
           <a:noAutofit/>
         </a:bodyPr>
         <a:lstStyle/>
         <a:p>
-          <a:pPr marL="0" lvl="0" indent="0" algn="ctr" defTabSz="800100">
+          <a:pPr marL="0" lvl="0" indent="0" algn="ctr" defTabSz="844550">
             <a:lnSpc>
               <a:spcPct val="90000"/>
             </a:lnSpc>
@@ -6073,14 +6081,14 @@
             <a:buNone/>
           </a:pPr>
           <a:r>
-            <a:rPr lang="fr-FR" sz="1800" kern="1200" dirty="0"/>
+            <a:rPr lang="fr-FR" sz="1900" kern="1200" dirty="0"/>
             <a:t>App.js</a:t>
           </a:r>
         </a:p>
       </dsp:txBody>
       <dsp:txXfrm>
-        <a:off x="6295780" y="3337885"/>
-        <a:ext cx="1748282" cy="533226"/>
+        <a:off x="6252025" y="3350150"/>
+        <a:ext cx="1792480" cy="546706"/>
       </dsp:txXfrm>
     </dsp:sp>
     <dsp:sp modelId="{5DD9F829-8CAE-4332-998A-B4BFEF3A6824}">
@@ -6090,8 +6098,8 @@
       </dsp:nvSpPr>
       <dsp:spPr>
         <a:xfrm>
-          <a:off x="2099903" y="2022303"/>
-          <a:ext cx="1748282" cy="533226"/>
+          <a:off x="2354922" y="2001309"/>
+          <a:ext cx="1387630" cy="546706"/>
         </a:xfrm>
         <a:prstGeom prst="rect">
           <a:avLst/>
@@ -6120,12 +6128,12 @@
         </a:fontRef>
       </dsp:style>
       <dsp:txBody>
-        <a:bodyPr spcFirstLastPara="0" vert="horz" wrap="square" lIns="11430" tIns="11430" rIns="11430" bIns="11430" numCol="1" spcCol="1270" anchor="ctr" anchorCtr="0">
+        <a:bodyPr spcFirstLastPara="0" vert="horz" wrap="square" lIns="12065" tIns="12065" rIns="12065" bIns="12065" numCol="1" spcCol="1270" anchor="ctr" anchorCtr="0">
           <a:noAutofit/>
         </a:bodyPr>
         <a:lstStyle/>
         <a:p>
-          <a:pPr marL="0" lvl="0" indent="0" algn="l" defTabSz="800100">
+          <a:pPr marL="0" lvl="0" indent="0" algn="l" defTabSz="844550">
             <a:lnSpc>
               <a:spcPct val="90000"/>
             </a:lnSpc>
@@ -6138,22 +6146,22 @@
             <a:buNone/>
           </a:pPr>
           <a:r>
-            <a:rPr lang="fr-FR" sz="1800" kern="1200" dirty="0">
+            <a:rPr lang="fr-FR" sz="1900" kern="1200" dirty="0">
               <a:solidFill>
                 <a:srgbClr val="00B0F0"/>
               </a:solidFill>
             </a:rPr>
-            <a:t>     </a:t>
+            <a:t>  </a:t>
           </a:r>
           <a:r>
-            <a:rPr lang="fr-FR" sz="1800" kern="1200" dirty="0" err="1">
+            <a:rPr lang="fr-FR" sz="1900" kern="1200" dirty="0" err="1">
               <a:solidFill>
                 <a:srgbClr val="00B0F0"/>
               </a:solidFill>
             </a:rPr>
             <a:t>React</a:t>
           </a:r>
-          <a:endParaRPr lang="fr-FR" sz="1800" kern="1200" dirty="0">
+          <a:endParaRPr lang="fr-FR" sz="1900" kern="1200" dirty="0">
             <a:solidFill>
               <a:srgbClr val="00B0F0"/>
             </a:solidFill>
@@ -6161,8 +6169,8 @@
         </a:p>
       </dsp:txBody>
       <dsp:txXfrm>
-        <a:off x="2099903" y="2022303"/>
-        <a:ext cx="1748282" cy="533226"/>
+        <a:off x="2354922" y="2001309"/>
+        <a:ext cx="1387630" cy="546706"/>
       </dsp:txXfrm>
     </dsp:sp>
   </dsp:spTree>
@@ -11058,7 +11066,7 @@
           <a:p>
             <a:fld id="{466DFA7E-443A-491A-A640-8C4DDCE0247A}" type="datetime1">
               <a:rPr lang="fr-FR" smtClean="0"/>
-              <a:t>01/11/2022</a:t>
+              <a:t>03/11/2022</a:t>
             </a:fld>
             <a:endParaRPr lang="fr-FR"/>
           </a:p>
@@ -11238,7 +11246,7 @@
             <a:pPr rtl="0"/>
             <a:fld id="{0BA29FF0-33D4-40EA-B065-6E756912E795}" type="datetime1">
               <a:rPr lang="fr-FR" noProof="0" smtClean="0"/>
-              <a:t>01/11/2022</a:t>
+              <a:t>03/11/2022</a:t>
             </a:fld>
             <a:endParaRPr lang="fr-FR" noProof="0"/>
           </a:p>
@@ -13331,7 +13339,7 @@
             <a:pPr rtl="0"/>
             <a:fld id="{30E8CDFA-B6C5-430C-8049-C960D5587F9E}" type="datetime1">
               <a:rPr lang="fr-FR" noProof="0" smtClean="0"/>
-              <a:t>01/11/2022</a:t>
+              <a:t>03/11/2022</a:t>
             </a:fld>
             <a:endParaRPr lang="fr-FR" noProof="0"/>
           </a:p>
@@ -13513,7 +13521,7 @@
             <a:pPr rtl="0"/>
             <a:fld id="{A48AD5BE-4846-4E65-9E43-3104B01DFF13}" type="datetime1">
               <a:rPr lang="fr-FR" noProof="0" smtClean="0"/>
-              <a:t>01/11/2022</a:t>
+              <a:t>03/11/2022</a:t>
             </a:fld>
             <a:endParaRPr lang="fr-FR" noProof="0"/>
           </a:p>
@@ -13695,7 +13703,7 @@
             <a:pPr rtl="0"/>
             <a:fld id="{ED8A8EF7-2A71-4AA3-8ECB-8BB64F1C9580}" type="datetime1">
               <a:rPr lang="fr-FR" noProof="0" smtClean="0"/>
-              <a:t>01/11/2022</a:t>
+              <a:t>03/11/2022</a:t>
             </a:fld>
             <a:endParaRPr lang="fr-FR" noProof="0"/>
           </a:p>
@@ -13867,7 +13875,7 @@
             <a:pPr rtl="0"/>
             <a:fld id="{AD78B19D-B010-49CB-8E8B-9A0B22D4BF0A}" type="datetime1">
               <a:rPr lang="fr-FR" noProof="0" smtClean="0"/>
-              <a:t>01/11/2022</a:t>
+              <a:t>03/11/2022</a:t>
             </a:fld>
             <a:endParaRPr lang="fr-FR" noProof="0"/>
           </a:p>
@@ -14183,7 +14191,7 @@
             <a:pPr rtl="0"/>
             <a:fld id="{F6EC8566-2F30-4981-A653-CA8DE5CA399F}" type="datetime1">
               <a:rPr lang="fr-FR" noProof="0" smtClean="0"/>
-              <a:t>01/11/2022</a:t>
+              <a:t>03/11/2022</a:t>
             </a:fld>
             <a:endParaRPr lang="fr-FR" noProof="0"/>
           </a:p>
@@ -14571,7 +14579,7 @@
             <a:pPr rtl="0"/>
             <a:fld id="{01046C02-4351-45D4-878E-F8128DA6182B}" type="datetime1">
               <a:rPr lang="fr-FR" noProof="0" smtClean="0"/>
-              <a:t>01/11/2022</a:t>
+              <a:t>03/11/2022</a:t>
             </a:fld>
             <a:endParaRPr lang="fr-FR" noProof="0"/>
           </a:p>
@@ -15006,7 +15014,7 @@
             <a:pPr rtl="0"/>
             <a:fld id="{C1EB43B8-F7BD-499E-BA8C-5DB2035AA36E}" type="datetime1">
               <a:rPr lang="fr-FR" noProof="0" smtClean="0"/>
-              <a:t>01/11/2022</a:t>
+              <a:t>03/11/2022</a:t>
             </a:fld>
             <a:endParaRPr lang="fr-FR" noProof="0"/>
           </a:p>
@@ -15127,7 +15135,7 @@
             <a:pPr rtl="0"/>
             <a:fld id="{E4E539BE-F72B-4132-981F-162B41DD2C20}" type="datetime1">
               <a:rPr lang="fr-FR" noProof="0" smtClean="0"/>
-              <a:t>01/11/2022</a:t>
+              <a:t>03/11/2022</a:t>
             </a:fld>
             <a:endParaRPr lang="fr-FR" noProof="0"/>
           </a:p>
@@ -15225,7 +15233,7 @@
             <a:pPr rtl="0"/>
             <a:fld id="{0AB1491A-67B9-4AD7-AD1B-054B207CEF91}" type="datetime1">
               <a:rPr lang="fr-FR" noProof="0" smtClean="0"/>
-              <a:t>01/11/2022</a:t>
+              <a:t>03/11/2022</a:t>
             </a:fld>
             <a:endParaRPr lang="fr-FR" noProof="0"/>
           </a:p>
@@ -15577,7 +15585,7 @@
             <a:pPr rtl="0"/>
             <a:fld id="{F6AA93E7-EC1E-43FA-812E-1F41EC4B5B61}" type="datetime1">
               <a:rPr lang="fr-FR" noProof="0" smtClean="0"/>
-              <a:t>01/11/2022</a:t>
+              <a:t>03/11/2022</a:t>
             </a:fld>
             <a:endParaRPr lang="fr-FR" noProof="0"/>
           </a:p>
@@ -16005,7 +16013,7 @@
             <a:pPr rtl="0"/>
             <a:fld id="{058F7BBA-1C54-40D3-AA7B-48B3B61F0C04}" type="datetime1">
               <a:rPr lang="fr-FR" noProof="0" smtClean="0"/>
-              <a:t>01/11/2022</a:t>
+              <a:t>03/11/2022</a:t>
             </a:fld>
             <a:endParaRPr lang="fr-FR" noProof="0"/>
           </a:p>
@@ -16287,7 +16295,7 @@
             <a:pPr rtl="0"/>
             <a:fld id="{073D7D4F-CE7A-4783-BA27-C049E135ED1F}" type="datetime1">
               <a:rPr lang="fr-FR" noProof="0" smtClean="0"/>
-              <a:t>01/11/2022</a:t>
+              <a:t>03/11/2022</a:t>
             </a:fld>
             <a:endParaRPr lang="fr-FR" noProof="0"/>
           </a:p>
@@ -19164,7 +19172,7 @@
             <p:ph idx="1"/>
             <p:extLst>
               <p:ext uri="{D42A27DB-BD31-4B8C-83A1-F6EECF244321}">
-                <p14:modId xmlns:p14="http://schemas.microsoft.com/office/powerpoint/2010/main" val="2742302182"/>
+                <p14:modId xmlns:p14="http://schemas.microsoft.com/office/powerpoint/2010/main" val="799842828"/>
               </p:ext>
             </p:extLst>
           </p:nvPr>
@@ -19208,7 +19216,7 @@
         </p:blipFill>
         <p:spPr bwMode="auto">
           <a:xfrm>
-            <a:off x="3210791" y="2682061"/>
+            <a:off x="3319132" y="2492458"/>
             <a:ext cx="500494" cy="435212"/>
           </a:xfrm>
           <a:prstGeom prst="rect">
@@ -19564,6 +19572,36 @@
           </a:p>
         </p:txBody>
       </p:sp>
+      <p:pic>
+        <p:nvPicPr>
+          <p:cNvPr id="5" name="Image 4">
+            <a:extLst>
+              <a:ext uri="{FF2B5EF4-FFF2-40B4-BE49-F238E27FC236}">
+                <a16:creationId xmlns:a16="http://schemas.microsoft.com/office/drawing/2014/main" id="{1492B26E-5053-0A08-C050-F01C9CBBF99A}"/>
+              </a:ext>
+            </a:extLst>
+          </p:cNvPr>
+          <p:cNvPicPr>
+            <a:picLocks noChangeAspect="1"/>
+          </p:cNvPicPr>
+          <p:nvPr/>
+        </p:nvPicPr>
+        <p:blipFill>
+          <a:blip r:embed="rId3"/>
+          <a:stretch>
+            <a:fillRect/>
+          </a:stretch>
+        </p:blipFill>
+        <p:spPr>
+          <a:xfrm>
+            <a:off x="2852737" y="1446119"/>
+            <a:ext cx="6486525" cy="4629150"/>
+          </a:xfrm>
+          <a:prstGeom prst="rect">
+            <a:avLst/>
+          </a:prstGeom>
+        </p:spPr>
+      </p:pic>
     </p:spTree>
     <p:extLst>
       <p:ext uri="{BB962C8B-B14F-4D97-AF65-F5344CB8AC3E}">
@@ -20643,20 +20681,20 @@
 </file>
 
 <file path=customXml/item1.xml><?xml version="1.0" encoding="utf-8"?>
-<p:properties xmlns:p="http://schemas.microsoft.com/office/2006/metadata/properties" xmlns:xsi="http://www.w3.org/2001/XMLSchema-instance" xmlns:pc="http://schemas.microsoft.com/office/infopath/2007/PartnerControls">
-  <documentManagement>
-    <MediaServiceKeyPoints xmlns="71af3243-3dd4-4a8d-8c0d-dd76da1f02a5" xsi:nil="true"/>
-  </documentManagement>
-</p:properties>
-</file>
-
-<file path=customXml/item2.xml><?xml version="1.0" encoding="utf-8"?>
 <?mso-contentType ?>
 <FormTemplates xmlns="http://schemas.microsoft.com/sharepoint/v3/contenttype/forms">
   <Display>DocumentLibraryForm</Display>
   <Edit>DocumentLibraryForm</Edit>
   <New>DocumentLibraryForm</New>
 </FormTemplates>
+</file>
+
+<file path=customXml/item2.xml><?xml version="1.0" encoding="utf-8"?>
+<p:properties xmlns:p="http://schemas.microsoft.com/office/2006/metadata/properties" xmlns:xsi="http://www.w3.org/2001/XMLSchema-instance" xmlns:pc="http://schemas.microsoft.com/office/infopath/2007/PartnerControls">
+  <documentManagement>
+    <MediaServiceKeyPoints xmlns="71af3243-3dd4-4a8d-8c0d-dd76da1f02a5" xsi:nil="true"/>
+  </documentManagement>
+</p:properties>
 </file>
 
 <file path=customXml/item3.xml><?xml version="1.0" encoding="utf-8"?>
@@ -20871,19 +20909,19 @@
 </file>
 
 <file path=customXml/itemProps1.xml><?xml version="1.0" encoding="utf-8"?>
+<ds:datastoreItem xmlns:ds="http://schemas.openxmlformats.org/officeDocument/2006/customXml" ds:itemID="{D8D68FF4-BAD0-4642-AF13-8C81E6DA6F2D}">
+  <ds:schemaRefs>
+    <ds:schemaRef ds:uri="http://schemas.microsoft.com/sharepoint/v3/contenttype/forms"/>
+  </ds:schemaRefs>
+</ds:datastoreItem>
+</file>
+
+<file path=customXml/itemProps2.xml><?xml version="1.0" encoding="utf-8"?>
 <ds:datastoreItem xmlns:ds="http://schemas.openxmlformats.org/officeDocument/2006/customXml" ds:itemID="{3E5F63BB-8299-4DC6-BEF4-D74C2867262F}">
   <ds:schemaRefs>
     <ds:schemaRef ds:uri="http://schemas.microsoft.com/office/2006/metadata/properties"/>
     <ds:schemaRef ds:uri="http://schemas.microsoft.com/office/infopath/2007/PartnerControls"/>
     <ds:schemaRef ds:uri="71af3243-3dd4-4a8d-8c0d-dd76da1f02a5"/>
-  </ds:schemaRefs>
-</ds:datastoreItem>
-</file>
-
-<file path=customXml/itemProps2.xml><?xml version="1.0" encoding="utf-8"?>
-<ds:datastoreItem xmlns:ds="http://schemas.openxmlformats.org/officeDocument/2006/customXml" ds:itemID="{D8D68FF4-BAD0-4642-AF13-8C81E6DA6F2D}">
-  <ds:schemaRefs>
-    <ds:schemaRef ds:uri="http://schemas.microsoft.com/sharepoint/v3/contenttype/forms"/>
   </ds:schemaRefs>
 </ds:datastoreItem>
 </file>

--- a/Projet kasa.pptx
+++ b/Projet kasa.pptx
@@ -5,25 +5,26 @@
     <p:sldMasterId id="2147483852" r:id="rId4"/>
   </p:sldMasterIdLst>
   <p:notesMasterIdLst>
-    <p:notesMasterId r:id="rId18"/>
+    <p:notesMasterId r:id="rId19"/>
   </p:notesMasterIdLst>
   <p:handoutMasterIdLst>
-    <p:handoutMasterId r:id="rId19"/>
+    <p:handoutMasterId r:id="rId20"/>
   </p:handoutMasterIdLst>
   <p:sldIdLst>
     <p:sldId id="256" r:id="rId5"/>
     <p:sldId id="261" r:id="rId6"/>
     <p:sldId id="266" r:id="rId7"/>
     <p:sldId id="274" r:id="rId8"/>
-    <p:sldId id="275" r:id="rId9"/>
-    <p:sldId id="276" r:id="rId10"/>
-    <p:sldId id="277" r:id="rId11"/>
-    <p:sldId id="278" r:id="rId12"/>
-    <p:sldId id="279" r:id="rId13"/>
-    <p:sldId id="280" r:id="rId14"/>
-    <p:sldId id="282" r:id="rId15"/>
-    <p:sldId id="281" r:id="rId16"/>
-    <p:sldId id="273" r:id="rId17"/>
+    <p:sldId id="283" r:id="rId9"/>
+    <p:sldId id="275" r:id="rId10"/>
+    <p:sldId id="276" r:id="rId11"/>
+    <p:sldId id="277" r:id="rId12"/>
+    <p:sldId id="278" r:id="rId13"/>
+    <p:sldId id="279" r:id="rId14"/>
+    <p:sldId id="280" r:id="rId15"/>
+    <p:sldId id="282" r:id="rId16"/>
+    <p:sldId id="281" r:id="rId17"/>
+    <p:sldId id="273" r:id="rId18"/>
   </p:sldIdLst>
   <p:sldSz cx="12192000" cy="6858000"/>
   <p:notesSz cx="6858000" cy="9144000"/>
@@ -148,13 +149,28 @@
 <pc:chgInfo xmlns:a="http://schemas.openxmlformats.org/drawingml/2006/main" xmlns:r="http://schemas.openxmlformats.org/officeDocument/2006/relationships" xmlns:ac="http://schemas.microsoft.com/office/drawing/2013/main/command" xmlns:pc="http://schemas.microsoft.com/office/powerpoint/2013/main/command">
   <pc:docChgLst>
     <pc:chgData name="Romain Roguet" userId="7f6897c862d2ccb3" providerId="LiveId" clId="{A64FCBA7-90F5-47EC-A932-D6CE830A1D7E}"/>
-    <pc:docChg chg="custSel addSld delSld modSld sldOrd">
-      <pc:chgData name="Romain Roguet" userId="7f6897c862d2ccb3" providerId="LiveId" clId="{A64FCBA7-90F5-47EC-A932-D6CE830A1D7E}" dt="2022-11-03T09:28:36.481" v="963" actId="1076"/>
+    <pc:docChg chg="undo custSel addSld delSld modSld sldOrd">
+      <pc:chgData name="Romain Roguet" userId="7f6897c862d2ccb3" providerId="LiveId" clId="{A64FCBA7-90F5-47EC-A932-D6CE830A1D7E}" dt="2022-11-24T10:49:05.750" v="2207"/>
       <pc:docMkLst>
         <pc:docMk/>
       </pc:docMkLst>
+      <pc:sldChg chg="modSp">
+        <pc:chgData name="Romain Roguet" userId="7f6897c862d2ccb3" providerId="LiveId" clId="{A64FCBA7-90F5-47EC-A932-D6CE830A1D7E}" dt="2022-11-24T07:32:31.240" v="967" actId="1076"/>
+        <pc:sldMkLst>
+          <pc:docMk/>
+          <pc:sldMk cId="1315813368" sldId="261"/>
+        </pc:sldMkLst>
+        <pc:picChg chg="mod">
+          <ac:chgData name="Romain Roguet" userId="7f6897c862d2ccb3" providerId="LiveId" clId="{A64FCBA7-90F5-47EC-A932-D6CE830A1D7E}" dt="2022-11-24T07:32:31.240" v="967" actId="1076"/>
+          <ac:picMkLst>
+            <pc:docMk/>
+            <pc:sldMk cId="1315813368" sldId="261"/>
+            <ac:picMk id="2050" creationId="{4DDA697A-B9FE-7D84-4F19-9A0031D24B9E}"/>
+          </ac:picMkLst>
+        </pc:picChg>
+      </pc:sldChg>
       <pc:sldChg chg="addSp delSp modSp mod">
-        <pc:chgData name="Romain Roguet" userId="7f6897c862d2ccb3" providerId="LiveId" clId="{A64FCBA7-90F5-47EC-A932-D6CE830A1D7E}" dt="2022-11-01T10:22:09.027" v="177" actId="1076"/>
+        <pc:chgData name="Romain Roguet" userId="7f6897c862d2ccb3" providerId="LiveId" clId="{A64FCBA7-90F5-47EC-A932-D6CE830A1D7E}" dt="2022-11-24T07:32:26.183" v="965" actId="478"/>
         <pc:sldMkLst>
           <pc:docMk/>
           <pc:sldMk cId="4233814536" sldId="266"/>
@@ -175,6 +191,14 @@
             <ac:graphicFrameMk id="76" creationId="{F6689467-90E9-3D40-8EC6-DF4B0D9B384A}"/>
           </ac:graphicFrameMkLst>
         </pc:graphicFrameChg>
+        <pc:picChg chg="add del mod">
+          <ac:chgData name="Romain Roguet" userId="7f6897c862d2ccb3" providerId="LiveId" clId="{A64FCBA7-90F5-47EC-A932-D6CE830A1D7E}" dt="2022-11-24T07:32:26.183" v="965" actId="478"/>
+          <ac:picMkLst>
+            <pc:docMk/>
+            <pc:sldMk cId="4233814536" sldId="266"/>
+            <ac:picMk id="4" creationId="{CF88D4BD-65CD-EEAB-B262-C13CAC99EF0C}"/>
+          </ac:picMkLst>
+        </pc:picChg>
         <pc:picChg chg="del">
           <ac:chgData name="Romain Roguet" userId="7f6897c862d2ccb3" providerId="LiveId" clId="{A64FCBA7-90F5-47EC-A932-D6CE830A1D7E}" dt="2022-11-01T10:21:34.355" v="172" actId="478"/>
           <ac:picMkLst>
@@ -284,7 +308,7 @@
         </pc:sldMkLst>
       </pc:sldChg>
       <pc:sldChg chg="addSp delSp modSp new mod modNotesTx">
-        <pc:chgData name="Romain Roguet" userId="7f6897c862d2ccb3" providerId="LiveId" clId="{A64FCBA7-90F5-47EC-A932-D6CE830A1D7E}" dt="2022-11-03T09:20:26.131" v="961" actId="14100"/>
+        <pc:chgData name="Romain Roguet" userId="7f6897c862d2ccb3" providerId="LiveId" clId="{A64FCBA7-90F5-47EC-A932-D6CE830A1D7E}" dt="2022-11-24T08:35:06.688" v="1009" actId="11529"/>
         <pc:sldMkLst>
           <pc:docMk/>
           <pc:sldMk cId="2628974930" sldId="274"/>
@@ -305,12 +329,44 @@
             <ac:spMk id="3" creationId="{8F15302A-8F68-CBD9-EA18-986380A67F51}"/>
           </ac:spMkLst>
         </pc:spChg>
+        <pc:spChg chg="add mod">
+          <ac:chgData name="Romain Roguet" userId="7f6897c862d2ccb3" providerId="LiveId" clId="{A64FCBA7-90F5-47EC-A932-D6CE830A1D7E}" dt="2022-11-24T08:34:13.921" v="984" actId="20577"/>
+          <ac:spMkLst>
+            <pc:docMk/>
+            <pc:sldMk cId="2628974930" sldId="274"/>
+            <ac:spMk id="3" creationId="{D68015E8-BDF8-8F9A-A21B-44BCC6EFFBC8}"/>
+          </ac:spMkLst>
+        </pc:spChg>
         <pc:spChg chg="mod">
-          <ac:chgData name="Romain Roguet" userId="7f6897c862d2ccb3" providerId="LiveId" clId="{A64FCBA7-90F5-47EC-A932-D6CE830A1D7E}" dt="2022-11-01T10:31:31.028" v="395" actId="404"/>
+          <ac:chgData name="Romain Roguet" userId="7f6897c862d2ccb3" providerId="LiveId" clId="{A64FCBA7-90F5-47EC-A932-D6CE830A1D7E}" dt="2022-11-24T08:32:49.698" v="968" actId="14100"/>
           <ac:spMkLst>
             <pc:docMk/>
             <pc:sldMk cId="2628974930" sldId="274"/>
             <ac:spMk id="4" creationId="{EF54925B-4F9C-1B24-6794-F46D0A26F415}"/>
+          </ac:spMkLst>
+        </pc:spChg>
+        <pc:spChg chg="add mod">
+          <ac:chgData name="Romain Roguet" userId="7f6897c862d2ccb3" providerId="LiveId" clId="{A64FCBA7-90F5-47EC-A932-D6CE830A1D7E}" dt="2022-11-24T08:34:16.892" v="989" actId="20577"/>
+          <ac:spMkLst>
+            <pc:docMk/>
+            <pc:sldMk cId="2628974930" sldId="274"/>
+            <ac:spMk id="6" creationId="{46DE18E8-3450-5D38-4E36-286D9BFE245B}"/>
+          </ac:spMkLst>
+        </pc:spChg>
+        <pc:spChg chg="add mod">
+          <ac:chgData name="Romain Roguet" userId="7f6897c862d2ccb3" providerId="LiveId" clId="{A64FCBA7-90F5-47EC-A932-D6CE830A1D7E}" dt="2022-11-24T08:34:21.096" v="997" actId="20577"/>
+          <ac:spMkLst>
+            <pc:docMk/>
+            <pc:sldMk cId="2628974930" sldId="274"/>
+            <ac:spMk id="7" creationId="{4143A376-A8DE-96D8-5EFF-C2D25F4320CD}"/>
+          </ac:spMkLst>
+        </pc:spChg>
+        <pc:spChg chg="add mod">
+          <ac:chgData name="Romain Roguet" userId="7f6897c862d2ccb3" providerId="LiveId" clId="{A64FCBA7-90F5-47EC-A932-D6CE830A1D7E}" dt="2022-11-24T08:34:31.286" v="1005" actId="20577"/>
+          <ac:spMkLst>
+            <pc:docMk/>
+            <pc:sldMk cId="2628974930" sldId="274"/>
+            <ac:spMk id="8" creationId="{224BFD0A-E721-D199-7EC9-44D89A50463F}"/>
           </ac:spMkLst>
         </pc:spChg>
         <pc:spChg chg="add del mod">
@@ -369,6 +425,38 @@
             <ac:picMk id="4100" creationId="{094977B2-A196-1E28-A7F0-20BCB7F240B5}"/>
           </ac:picMkLst>
         </pc:picChg>
+        <pc:cxnChg chg="add">
+          <ac:chgData name="Romain Roguet" userId="7f6897c862d2ccb3" providerId="LiveId" clId="{A64FCBA7-90F5-47EC-A932-D6CE830A1D7E}" dt="2022-11-24T08:34:38.752" v="1006" actId="11529"/>
+          <ac:cxnSpMkLst>
+            <pc:docMk/>
+            <pc:sldMk cId="2628974930" sldId="274"/>
+            <ac:cxnSpMk id="10" creationId="{6268C6FD-371A-0730-B8B6-9FA4BC668F48}"/>
+          </ac:cxnSpMkLst>
+        </pc:cxnChg>
+        <pc:cxnChg chg="add">
+          <ac:chgData name="Romain Roguet" userId="7f6897c862d2ccb3" providerId="LiveId" clId="{A64FCBA7-90F5-47EC-A932-D6CE830A1D7E}" dt="2022-11-24T08:34:51.559" v="1007" actId="11529"/>
+          <ac:cxnSpMkLst>
+            <pc:docMk/>
+            <pc:sldMk cId="2628974930" sldId="274"/>
+            <ac:cxnSpMk id="13" creationId="{B96DD56A-8E26-0D00-4294-2E787145AF63}"/>
+          </ac:cxnSpMkLst>
+        </pc:cxnChg>
+        <pc:cxnChg chg="add">
+          <ac:chgData name="Romain Roguet" userId="7f6897c862d2ccb3" providerId="LiveId" clId="{A64FCBA7-90F5-47EC-A932-D6CE830A1D7E}" dt="2022-11-24T08:34:59.471" v="1008" actId="11529"/>
+          <ac:cxnSpMkLst>
+            <pc:docMk/>
+            <pc:sldMk cId="2628974930" sldId="274"/>
+            <ac:cxnSpMk id="15" creationId="{BC04E35F-F2D1-9F52-E91C-C498169640B4}"/>
+          </ac:cxnSpMkLst>
+        </pc:cxnChg>
+        <pc:cxnChg chg="add">
+          <ac:chgData name="Romain Roguet" userId="7f6897c862d2ccb3" providerId="LiveId" clId="{A64FCBA7-90F5-47EC-A932-D6CE830A1D7E}" dt="2022-11-24T08:35:06.688" v="1009" actId="11529"/>
+          <ac:cxnSpMkLst>
+            <pc:docMk/>
+            <pc:sldMk cId="2628974930" sldId="274"/>
+            <ac:cxnSpMk id="17" creationId="{768E9A5E-CC9C-FFB0-4F16-2D4656BCC758}"/>
+          </ac:cxnSpMkLst>
+        </pc:cxnChg>
       </pc:sldChg>
       <pc:sldChg chg="new del">
         <pc:chgData name="Romain Roguet" userId="7f6897c862d2ccb3" providerId="LiveId" clId="{A64FCBA7-90F5-47EC-A932-D6CE830A1D7E}" dt="2022-11-01T10:38:05.001" v="410" actId="47"/>
@@ -638,8 +726,8 @@
           </ac:picMkLst>
         </pc:picChg>
       </pc:sldChg>
-      <pc:sldChg chg="addSp modSp add mod modNotesTx">
-        <pc:chgData name="Romain Roguet" userId="7f6897c862d2ccb3" providerId="LiveId" clId="{A64FCBA7-90F5-47EC-A932-D6CE830A1D7E}" dt="2022-11-01T15:53:34.510" v="937" actId="20577"/>
+      <pc:sldChg chg="addSp delSp modSp add del mod modNotesTx">
+        <pc:chgData name="Romain Roguet" userId="7f6897c862d2ccb3" providerId="LiveId" clId="{A64FCBA7-90F5-47EC-A932-D6CE830A1D7E}" dt="2022-11-24T10:15:32.224" v="1089" actId="1076"/>
         <pc:sldMkLst>
           <pc:docMk/>
           <pc:sldMk cId="2617203633" sldId="280"/>
@@ -652,17 +740,25 @@
             <ac:spMk id="2" creationId="{239187CC-2B35-158C-087E-865C0C88DC06}"/>
           </ac:spMkLst>
         </pc:spChg>
-        <pc:picChg chg="add mod">
-          <ac:chgData name="Romain Roguet" userId="7f6897c862d2ccb3" providerId="LiveId" clId="{A64FCBA7-90F5-47EC-A932-D6CE830A1D7E}" dt="2022-11-01T15:52:43.564" v="928" actId="1076"/>
+        <pc:picChg chg="add del mod">
+          <ac:chgData name="Romain Roguet" userId="7f6897c862d2ccb3" providerId="LiveId" clId="{A64FCBA7-90F5-47EC-A932-D6CE830A1D7E}" dt="2022-11-24T10:14:29.395" v="1085" actId="478"/>
           <ac:picMkLst>
             <pc:docMk/>
             <pc:sldMk cId="2617203633" sldId="280"/>
             <ac:picMk id="5" creationId="{46261145-2A94-20E6-AAF7-B9C21D6EB264}"/>
           </ac:picMkLst>
         </pc:picChg>
+        <pc:picChg chg="add mod">
+          <ac:chgData name="Romain Roguet" userId="7f6897c862d2ccb3" providerId="LiveId" clId="{A64FCBA7-90F5-47EC-A932-D6CE830A1D7E}" dt="2022-11-24T10:15:32.224" v="1089" actId="1076"/>
+          <ac:picMkLst>
+            <pc:docMk/>
+            <pc:sldMk cId="2617203633" sldId="280"/>
+            <ac:picMk id="6" creationId="{EF4C6DBF-FD12-D41A-6F76-AE80E975AEB8}"/>
+          </ac:picMkLst>
+        </pc:picChg>
       </pc:sldChg>
-      <pc:sldChg chg="addSp modSp add mod">
-        <pc:chgData name="Romain Roguet" userId="7f6897c862d2ccb3" providerId="LiveId" clId="{A64FCBA7-90F5-47EC-A932-D6CE830A1D7E}" dt="2022-11-01T15:53:21.020" v="934" actId="1076"/>
+      <pc:sldChg chg="addSp delSp modSp add mod">
+        <pc:chgData name="Romain Roguet" userId="7f6897c862d2ccb3" providerId="LiveId" clId="{A64FCBA7-90F5-47EC-A932-D6CE830A1D7E}" dt="2022-11-24T10:16:33.080" v="1095" actId="1076"/>
         <pc:sldMkLst>
           <pc:docMk/>
           <pc:sldMk cId="1780866632" sldId="281"/>
@@ -675,21 +771,37 @@
             <ac:spMk id="2" creationId="{239187CC-2B35-158C-087E-865C0C88DC06}"/>
           </ac:spMkLst>
         </pc:spChg>
-        <pc:picChg chg="add mod">
-          <ac:chgData name="Romain Roguet" userId="7f6897c862d2ccb3" providerId="LiveId" clId="{A64FCBA7-90F5-47EC-A932-D6CE830A1D7E}" dt="2022-11-01T15:53:21.020" v="934" actId="1076"/>
+        <pc:picChg chg="add del mod">
+          <ac:chgData name="Romain Roguet" userId="7f6897c862d2ccb3" providerId="LiveId" clId="{A64FCBA7-90F5-47EC-A932-D6CE830A1D7E}" dt="2022-11-24T10:16:18.243" v="1093" actId="478"/>
           <ac:picMkLst>
             <pc:docMk/>
             <pc:sldMk cId="1780866632" sldId="281"/>
             <ac:picMk id="5" creationId="{9907928B-0B1A-6FF2-743B-AD8B2A03CD63}"/>
           </ac:picMkLst>
         </pc:picChg>
+        <pc:picChg chg="add mod">
+          <ac:chgData name="Romain Roguet" userId="7f6897c862d2ccb3" providerId="LiveId" clId="{A64FCBA7-90F5-47EC-A932-D6CE830A1D7E}" dt="2022-11-24T10:16:33.080" v="1095" actId="1076"/>
+          <ac:picMkLst>
+            <pc:docMk/>
+            <pc:sldMk cId="1780866632" sldId="281"/>
+            <ac:picMk id="6" creationId="{702FCFE0-687A-EAE5-3149-C43726983DCD}"/>
+          </ac:picMkLst>
+        </pc:picChg>
       </pc:sldChg>
       <pc:sldChg chg="addSp delSp modSp add mod modNotesTx">
-        <pc:chgData name="Romain Roguet" userId="7f6897c862d2ccb3" providerId="LiveId" clId="{A64FCBA7-90F5-47EC-A932-D6CE830A1D7E}" dt="2022-11-01T15:53:36.091" v="938" actId="20577"/>
+        <pc:chgData name="Romain Roguet" userId="7f6897c862d2ccb3" providerId="LiveId" clId="{A64FCBA7-90F5-47EC-A932-D6CE830A1D7E}" dt="2022-11-24T10:16:14.360" v="1092" actId="1076"/>
         <pc:sldMkLst>
           <pc:docMk/>
           <pc:sldMk cId="2234992036" sldId="282"/>
         </pc:sldMkLst>
+        <pc:picChg chg="add mod">
+          <ac:chgData name="Romain Roguet" userId="7f6897c862d2ccb3" providerId="LiveId" clId="{A64FCBA7-90F5-47EC-A932-D6CE830A1D7E}" dt="2022-11-24T10:16:14.360" v="1092" actId="1076"/>
+          <ac:picMkLst>
+            <pc:docMk/>
+            <pc:sldMk cId="2234992036" sldId="282"/>
+            <ac:picMk id="5" creationId="{03401D20-18B0-4EB1-0EB3-D92ED3936F54}"/>
+          </ac:picMkLst>
+        </pc:picChg>
         <pc:picChg chg="del">
           <ac:chgData name="Romain Roguet" userId="7f6897c862d2ccb3" providerId="LiveId" clId="{A64FCBA7-90F5-47EC-A932-D6CE830A1D7E}" dt="2022-11-01T15:52:54.072" v="930" actId="478"/>
           <ac:picMkLst>
@@ -698,12 +810,145 @@
             <ac:picMk id="5" creationId="{46261145-2A94-20E6-AAF7-B9C21D6EB264}"/>
           </ac:picMkLst>
         </pc:picChg>
-        <pc:picChg chg="add mod">
-          <ac:chgData name="Romain Roguet" userId="7f6897c862d2ccb3" providerId="LiveId" clId="{A64FCBA7-90F5-47EC-A932-D6CE830A1D7E}" dt="2022-11-01T15:53:07.037" v="932" actId="1076"/>
+        <pc:picChg chg="add del mod">
+          <ac:chgData name="Romain Roguet" userId="7f6897c862d2ccb3" providerId="LiveId" clId="{A64FCBA7-90F5-47EC-A932-D6CE830A1D7E}" dt="2022-11-24T10:14:31.385" v="1086" actId="478"/>
           <ac:picMkLst>
             <pc:docMk/>
             <pc:sldMk cId="2234992036" sldId="282"/>
             <ac:picMk id="6" creationId="{6763DBE7-A3D7-4CB0-A0D5-2EF02CAF2745}"/>
+          </ac:picMkLst>
+        </pc:picChg>
+      </pc:sldChg>
+      <pc:sldChg chg="add del">
+        <pc:chgData name="Romain Roguet" userId="7f6897c862d2ccb3" providerId="LiveId" clId="{A64FCBA7-90F5-47EC-A932-D6CE830A1D7E}" dt="2022-11-24T08:35:39.019" v="1011" actId="47"/>
+        <pc:sldMkLst>
+          <pc:docMk/>
+          <pc:sldMk cId="777974016" sldId="283"/>
+        </pc:sldMkLst>
+      </pc:sldChg>
+      <pc:sldChg chg="new del">
+        <pc:chgData name="Romain Roguet" userId="7f6897c862d2ccb3" providerId="LiveId" clId="{A64FCBA7-90F5-47EC-A932-D6CE830A1D7E}" dt="2022-11-24T08:35:47.750" v="1013" actId="47"/>
+        <pc:sldMkLst>
+          <pc:docMk/>
+          <pc:sldMk cId="1085544171" sldId="283"/>
+        </pc:sldMkLst>
+      </pc:sldChg>
+      <pc:sldChg chg="addSp delSp modSp new mod modAnim modNotesTx">
+        <pc:chgData name="Romain Roguet" userId="7f6897c862d2ccb3" providerId="LiveId" clId="{A64FCBA7-90F5-47EC-A932-D6CE830A1D7E}" dt="2022-11-24T10:49:05.750" v="2207"/>
+        <pc:sldMkLst>
+          <pc:docMk/>
+          <pc:sldMk cId="2009757191" sldId="283"/>
+        </pc:sldMkLst>
+        <pc:spChg chg="del mod">
+          <ac:chgData name="Romain Roguet" userId="7f6897c862d2ccb3" providerId="LiveId" clId="{A64FCBA7-90F5-47EC-A932-D6CE830A1D7E}" dt="2022-11-24T10:33:25.395" v="1724" actId="478"/>
+          <ac:spMkLst>
+            <pc:docMk/>
+            <pc:sldMk cId="2009757191" sldId="283"/>
+            <ac:spMk id="2" creationId="{934D688E-69DD-5EDE-4D09-E556B67EE02E}"/>
+          </ac:spMkLst>
+        </pc:spChg>
+        <pc:spChg chg="del">
+          <ac:chgData name="Romain Roguet" userId="7f6897c862d2ccb3" providerId="LiveId" clId="{A64FCBA7-90F5-47EC-A932-D6CE830A1D7E}" dt="2022-11-24T08:36:46.014" v="1082" actId="478"/>
+          <ac:spMkLst>
+            <pc:docMk/>
+            <pc:sldMk cId="2009757191" sldId="283"/>
+            <ac:spMk id="3" creationId="{155A41E3-484D-A010-F75D-57BFABB28D9C}"/>
+          </ac:spMkLst>
+        </pc:spChg>
+        <pc:spChg chg="add del mod">
+          <ac:chgData name="Romain Roguet" userId="7f6897c862d2ccb3" providerId="LiveId" clId="{A64FCBA7-90F5-47EC-A932-D6CE830A1D7E}" dt="2022-11-24T10:24:34.367" v="1617"/>
+          <ac:spMkLst>
+            <pc:docMk/>
+            <pc:sldMk cId="2009757191" sldId="283"/>
+            <ac:spMk id="6" creationId="{B8FA980D-FC32-C74D-01E7-5E4DAC5B68E4}"/>
+          </ac:spMkLst>
+        </pc:spChg>
+        <pc:spChg chg="add mod">
+          <ac:chgData name="Romain Roguet" userId="7f6897c862d2ccb3" providerId="LiveId" clId="{A64FCBA7-90F5-47EC-A932-D6CE830A1D7E}" dt="2022-11-24T10:33:30.664" v="1736" actId="20577"/>
+          <ac:spMkLst>
+            <pc:docMk/>
+            <pc:sldMk cId="2009757191" sldId="283"/>
+            <ac:spMk id="7" creationId="{E1B1E6DF-2B97-8E82-E3B6-E602B2FC28A3}"/>
+          </ac:spMkLst>
+        </pc:spChg>
+        <pc:spChg chg="add del mod">
+          <ac:chgData name="Romain Roguet" userId="7f6897c862d2ccb3" providerId="LiveId" clId="{A64FCBA7-90F5-47EC-A932-D6CE830A1D7E}" dt="2022-11-24T10:37:19.216" v="1810"/>
+          <ac:spMkLst>
+            <pc:docMk/>
+            <pc:sldMk cId="2009757191" sldId="283"/>
+            <ac:spMk id="9" creationId="{BAAF72D3-65E3-6ABF-F2DC-61BA7C958F45}"/>
+          </ac:spMkLst>
+        </pc:spChg>
+        <pc:spChg chg="add mod">
+          <ac:chgData name="Romain Roguet" userId="7f6897c862d2ccb3" providerId="LiveId" clId="{A64FCBA7-90F5-47EC-A932-D6CE830A1D7E}" dt="2022-11-24T10:38:25.199" v="1951" actId="1076"/>
+          <ac:spMkLst>
+            <pc:docMk/>
+            <pc:sldMk cId="2009757191" sldId="283"/>
+            <ac:spMk id="10" creationId="{A788305F-2510-A2CA-4C48-14DC37BF2A21}"/>
+          </ac:spMkLst>
+        </pc:spChg>
+        <pc:spChg chg="add mod">
+          <ac:chgData name="Romain Roguet" userId="7f6897c862d2ccb3" providerId="LiveId" clId="{A64FCBA7-90F5-47EC-A932-D6CE830A1D7E}" dt="2022-11-24T10:38:38.519" v="1954" actId="20577"/>
+          <ac:spMkLst>
+            <pc:docMk/>
+            <pc:sldMk cId="2009757191" sldId="283"/>
+            <ac:spMk id="11" creationId="{3CF6C828-8478-637E-1BCC-138AAE2B3901}"/>
+          </ac:spMkLst>
+        </pc:spChg>
+        <pc:spChg chg="add mod">
+          <ac:chgData name="Romain Roguet" userId="7f6897c862d2ccb3" providerId="LiveId" clId="{A64FCBA7-90F5-47EC-A932-D6CE830A1D7E}" dt="2022-11-24T10:39:22.456" v="1999" actId="1076"/>
+          <ac:spMkLst>
+            <pc:docMk/>
+            <pc:sldMk cId="2009757191" sldId="283"/>
+            <ac:spMk id="12" creationId="{C64218CF-ACC8-9B8B-E4E6-5C252206229D}"/>
+          </ac:spMkLst>
+        </pc:spChg>
+        <pc:spChg chg="add mod">
+          <ac:chgData name="Romain Roguet" userId="7f6897c862d2ccb3" providerId="LiveId" clId="{A64FCBA7-90F5-47EC-A932-D6CE830A1D7E}" dt="2022-11-24T10:40:27.437" v="2084" actId="20577"/>
+          <ac:spMkLst>
+            <pc:docMk/>
+            <pc:sldMk cId="2009757191" sldId="283"/>
+            <ac:spMk id="13" creationId="{BAD1E055-3687-F827-ECE2-D943B4394D0E}"/>
+          </ac:spMkLst>
+        </pc:spChg>
+        <pc:spChg chg="add mod">
+          <ac:chgData name="Romain Roguet" userId="7f6897c862d2ccb3" providerId="LiveId" clId="{A64FCBA7-90F5-47EC-A932-D6CE830A1D7E}" dt="2022-11-24T10:48:51.856" v="2201" actId="1076"/>
+          <ac:spMkLst>
+            <pc:docMk/>
+            <pc:sldMk cId="2009757191" sldId="283"/>
+            <ac:spMk id="14" creationId="{BCAE2539-26F7-486C-A8E5-C64F46DA2BF9}"/>
+          </ac:spMkLst>
+        </pc:spChg>
+        <pc:spChg chg="add mod">
+          <ac:chgData name="Romain Roguet" userId="7f6897c862d2ccb3" providerId="LiveId" clId="{A64FCBA7-90F5-47EC-A932-D6CE830A1D7E}" dt="2022-11-24T10:45:20.816" v="2178" actId="1076"/>
+          <ac:spMkLst>
+            <pc:docMk/>
+            <pc:sldMk cId="2009757191" sldId="283"/>
+            <ac:spMk id="15" creationId="{F3944273-93E0-E0FD-B3CE-41DB62A506A3}"/>
+          </ac:spMkLst>
+        </pc:spChg>
+        <pc:picChg chg="add del mod ord">
+          <ac:chgData name="Romain Roguet" userId="7f6897c862d2ccb3" providerId="LiveId" clId="{A64FCBA7-90F5-47EC-A932-D6CE830A1D7E}" dt="2022-11-24T10:24:19.915" v="1585" actId="478"/>
+          <ac:picMkLst>
+            <pc:docMk/>
+            <pc:sldMk cId="2009757191" sldId="283"/>
+            <ac:picMk id="5" creationId="{D3DD0733-4865-AA42-2DAF-07517CEB2FDB}"/>
+          </ac:picMkLst>
+        </pc:picChg>
+        <pc:picChg chg="add mod ord">
+          <ac:chgData name="Romain Roguet" userId="7f6897c862d2ccb3" providerId="LiveId" clId="{A64FCBA7-90F5-47EC-A932-D6CE830A1D7E}" dt="2022-11-24T10:38:21.248" v="1950" actId="1076"/>
+          <ac:picMkLst>
+            <pc:docMk/>
+            <pc:sldMk cId="2009757191" sldId="283"/>
+            <ac:picMk id="8" creationId="{D779FF44-DC67-0B3E-A2BF-260582A605D8}"/>
+          </ac:picMkLst>
+        </pc:picChg>
+        <pc:picChg chg="add mod modCrop">
+          <ac:chgData name="Romain Roguet" userId="7f6897c862d2ccb3" providerId="LiveId" clId="{A64FCBA7-90F5-47EC-A932-D6CE830A1D7E}" dt="2022-11-24T10:49:04.472" v="2206" actId="1076"/>
+          <ac:picMkLst>
+            <pc:docMk/>
+            <pc:sldMk cId="2009757191" sldId="283"/>
+            <ac:picMk id="16" creationId="{318CDABD-B71F-2BFA-A43E-93BE3FDE646E}"/>
           </ac:picMkLst>
         </pc:picChg>
       </pc:sldChg>
@@ -11066,7 +11311,7 @@
           <a:p>
             <a:fld id="{466DFA7E-443A-491A-A640-8C4DDCE0247A}" type="datetime1">
               <a:rPr lang="fr-FR" smtClean="0"/>
-              <a:t>03/11/2022</a:t>
+              <a:t>24/11/2022</a:t>
             </a:fld>
             <a:endParaRPr lang="fr-FR"/>
           </a:p>
@@ -11246,7 +11491,7 @@
             <a:pPr rtl="0"/>
             <a:fld id="{0BA29FF0-33D4-40EA-B065-6E756912E795}" type="datetime1">
               <a:rPr lang="fr-FR" noProof="0" smtClean="0"/>
-              <a:t>03/11/2022</a:t>
+              <a:t>24/11/2022</a:t>
             </a:fld>
             <a:endParaRPr lang="fr-FR" noProof="0"/>
           </a:p>
@@ -11677,7 +11922,7 @@
     </p:spTree>
     <p:extLst>
       <p:ext uri="{BB962C8B-B14F-4D97-AF65-F5344CB8AC3E}">
-        <p14:creationId xmlns:p14="http://schemas.microsoft.com/office/powerpoint/2010/main" val="3728340031"/>
+        <p14:creationId xmlns:p14="http://schemas.microsoft.com/office/powerpoint/2010/main" val="1991923125"/>
       </p:ext>
     </p:extLst>
   </p:cSld>
@@ -11762,6 +12007,91 @@
     </p:spTree>
     <p:extLst>
       <p:ext uri="{BB962C8B-B14F-4D97-AF65-F5344CB8AC3E}">
+        <p14:creationId xmlns:p14="http://schemas.microsoft.com/office/powerpoint/2010/main" val="3728340031"/>
+      </p:ext>
+    </p:extLst>
+  </p:cSld>
+  <p:clrMapOvr>
+    <a:masterClrMapping/>
+  </p:clrMapOvr>
+</p:notes>
+</file>
+
+<file path=ppt/notesSlides/notesSlide12.xml><?xml version="1.0" encoding="utf-8"?>
+<p:notes xmlns:a="http://schemas.openxmlformats.org/drawingml/2006/main" xmlns:r="http://schemas.openxmlformats.org/officeDocument/2006/relationships" xmlns:p="http://schemas.openxmlformats.org/presentationml/2006/main">
+  <p:cSld>
+    <p:spTree>
+      <p:nvGrpSpPr>
+        <p:cNvPr id="1" name=""/>
+        <p:cNvGrpSpPr/>
+        <p:nvPr/>
+      </p:nvGrpSpPr>
+      <p:grpSpPr>
+        <a:xfrm>
+          <a:off x="0" y="0"/>
+          <a:ext cx="0" cy="0"/>
+          <a:chOff x="0" y="0"/>
+          <a:chExt cx="0" cy="0"/>
+        </a:xfrm>
+      </p:grpSpPr>
+      <p:sp>
+        <p:nvSpPr>
+          <p:cNvPr id="2" name="Espace réservé de l'image des diapositives 1"/>
+          <p:cNvSpPr>
+            <a:spLocks noGrp="1" noRot="1" noChangeAspect="1"/>
+          </p:cNvSpPr>
+          <p:nvPr>
+            <p:ph type="sldImg"/>
+          </p:nvPr>
+        </p:nvSpPr>
+        <p:spPr/>
+      </p:sp>
+      <p:sp>
+        <p:nvSpPr>
+          <p:cNvPr id="3" name="Espace réservé des notes 2"/>
+          <p:cNvSpPr>
+            <a:spLocks noGrp="1"/>
+          </p:cNvSpPr>
+          <p:nvPr>
+            <p:ph type="body" idx="1"/>
+          </p:nvPr>
+        </p:nvSpPr>
+        <p:spPr/>
+        <p:txBody>
+          <a:bodyPr/>
+          <a:lstStyle/>
+          <a:p>
+            <a:endParaRPr lang="fr-FR" b="1" dirty="0"/>
+          </a:p>
+        </p:txBody>
+      </p:sp>
+      <p:sp>
+        <p:nvSpPr>
+          <p:cNvPr id="4" name="Espace réservé du numéro de diapositive 3"/>
+          <p:cNvSpPr>
+            <a:spLocks noGrp="1"/>
+          </p:cNvSpPr>
+          <p:nvPr>
+            <p:ph type="sldNum" sz="quarter" idx="5"/>
+          </p:nvPr>
+        </p:nvSpPr>
+        <p:spPr/>
+        <p:txBody>
+          <a:bodyPr/>
+          <a:lstStyle/>
+          <a:p>
+            <a:pPr rtl="0"/>
+            <a:fld id="{D2D76E09-41B7-FE4E-B099-04DFD58B8CF1}" type="slidenum">
+              <a:rPr lang="fr-FR" noProof="0" smtClean="0"/>
+              <a:t>12</a:t>
+            </a:fld>
+            <a:endParaRPr lang="fr-FR" noProof="0"/>
+          </a:p>
+        </p:txBody>
+      </p:sp>
+    </p:spTree>
+    <p:extLst>
+      <p:ext uri="{BB962C8B-B14F-4D97-AF65-F5344CB8AC3E}">
         <p14:creationId xmlns:p14="http://schemas.microsoft.com/office/powerpoint/2010/main" val="2424988664"/>
       </p:ext>
     </p:extLst>
@@ -11772,7 +12102,7 @@
 </p:notes>
 </file>
 
-<file path=ppt/notesSlides/notesSlide12.xml><?xml version="1.0" encoding="utf-8"?>
+<file path=ppt/notesSlides/notesSlide13.xml><?xml version="1.0" encoding="utf-8"?>
 <p:notes xmlns:a="http://schemas.openxmlformats.org/drawingml/2006/main" xmlns:r="http://schemas.openxmlformats.org/officeDocument/2006/relationships" xmlns:p="http://schemas.openxmlformats.org/presentationml/2006/main">
   <p:cSld>
     <p:spTree>
@@ -11879,7 +12209,7 @@
             <a:pPr rtl="0"/>
             <a:fld id="{D2D76E09-41B7-FE4E-B099-04DFD58B8CF1}" type="slidenum">
               <a:rPr lang="fr-FR" noProof="0" smtClean="0"/>
-              <a:t>12</a:t>
+              <a:t>13</a:t>
             </a:fld>
             <a:endParaRPr lang="fr-FR" noProof="0"/>
           </a:p>
@@ -11898,7 +12228,7 @@
 </p:notes>
 </file>
 
-<file path=ppt/notesSlides/notesSlide13.xml><?xml version="1.0" encoding="utf-8"?>
+<file path=ppt/notesSlides/notesSlide14.xml><?xml version="1.0" encoding="utf-8"?>
 <p:notes xmlns:a="http://schemas.openxmlformats.org/drawingml/2006/main" xmlns:r="http://schemas.openxmlformats.org/officeDocument/2006/relationships" xmlns:p="http://schemas.openxmlformats.org/presentationml/2006/main">
   <p:cSld>
     <p:spTree>
@@ -11964,7 +12294,7 @@
             <a:pPr rtl="0"/>
             <a:fld id="{D2D76E09-41B7-FE4E-B099-04DFD58B8CF1}" type="slidenum">
               <a:rPr lang="fr-FR" noProof="0" smtClean="0"/>
-              <a:t>13</a:t>
+              <a:t>14</a:t>
             </a:fld>
             <a:endParaRPr lang="fr-FR" noProof="0"/>
           </a:p>
@@ -12399,6 +12729,389 @@
           <a:lstStyle/>
           <a:p>
             <a:r>
+              <a:rPr lang="fr-FR" b="0" i="0" dirty="0" err="1">
+                <a:solidFill>
+                  <a:srgbClr val="333333"/>
+                </a:solidFill>
+                <a:effectLst/>
+                <a:latin typeface="proxima-nova"/>
+              </a:rPr>
+              <a:t>React</a:t>
+            </a:r>
+            <a:r>
+              <a:rPr lang="fr-FR" b="0" i="0" dirty="0">
+                <a:solidFill>
+                  <a:srgbClr val="333333"/>
+                </a:solidFill>
+                <a:effectLst/>
+                <a:latin typeface="proxima-nova"/>
+              </a:rPr>
+              <a:t> est une bibliothèque JavaScript </a:t>
+            </a:r>
+            <a:r>
+              <a:rPr lang="fr-FR" b="0" i="0" u="none" strike="noStrike" dirty="0">
+                <a:solidFill>
+                  <a:srgbClr val="0099CC"/>
+                </a:solidFill>
+                <a:effectLst/>
+                <a:latin typeface="proxima-nova"/>
+              </a:rPr>
+              <a:t>open-source </a:t>
+            </a:r>
+            <a:r>
+              <a:rPr lang="fr-FR" b="0" i="0" dirty="0">
+                <a:solidFill>
+                  <a:srgbClr val="333333"/>
+                </a:solidFill>
+                <a:effectLst/>
+                <a:latin typeface="proxima-nova"/>
+              </a:rPr>
+              <a:t>qui est utilisée pour construire des interfaces utilisateur spécifiquement pour des applications d'une seule page. Elle est utilisée pour gérer la couche d'affichage des applications web et mobiles. </a:t>
+            </a:r>
+            <a:r>
+              <a:rPr lang="fr-FR" b="0" i="0" dirty="0" err="1">
+                <a:solidFill>
+                  <a:srgbClr val="333333"/>
+                </a:solidFill>
+                <a:effectLst/>
+                <a:latin typeface="proxima-nova"/>
+              </a:rPr>
+              <a:t>React</a:t>
+            </a:r>
+            <a:r>
+              <a:rPr lang="fr-FR" b="0" i="0" dirty="0">
+                <a:solidFill>
+                  <a:srgbClr val="333333"/>
+                </a:solidFill>
+                <a:effectLst/>
+                <a:latin typeface="proxima-nova"/>
+              </a:rPr>
+              <a:t> nous permet également de créer des composants d'interface utilisateur réutilisables.</a:t>
+            </a:r>
+          </a:p>
+          <a:p>
+            <a:endParaRPr lang="fr-FR" b="0" i="0" dirty="0">
+              <a:solidFill>
+                <a:srgbClr val="333333"/>
+              </a:solidFill>
+              <a:effectLst/>
+              <a:latin typeface="proxima-nova"/>
+            </a:endParaRPr>
+          </a:p>
+          <a:p>
+            <a:r>
+              <a:rPr lang="fr-FR" b="0" i="0" dirty="0">
+                <a:solidFill>
+                  <a:srgbClr val="FFFFFF"/>
+                </a:solidFill>
+                <a:effectLst/>
+                <a:latin typeface="proxima-nova"/>
+              </a:rPr>
+              <a:t>Utilise le DOM virtuel qui est un objet JavaScript. Cela améliorera les performances des applications, puisque le DOM virtuel JavaScript est plus rapide que le DOM normal.</a:t>
+            </a:r>
+          </a:p>
+          <a:p>
+            <a:endParaRPr lang="fr-FR" b="0" i="0" dirty="0">
+              <a:solidFill>
+                <a:srgbClr val="FFFFFF"/>
+              </a:solidFill>
+              <a:effectLst/>
+              <a:latin typeface="proxima-nova"/>
+            </a:endParaRPr>
+          </a:p>
+          <a:p>
+            <a:r>
+              <a:rPr lang="fr-FR" b="0" i="0" dirty="0">
+                <a:solidFill>
+                  <a:srgbClr val="333333"/>
+                </a:solidFill>
+                <a:effectLst/>
+                <a:latin typeface="proxima-nova"/>
+              </a:rPr>
+              <a:t>L'objectif principal de </a:t>
+            </a:r>
+            <a:r>
+              <a:rPr lang="fr-FR" b="0" i="0" dirty="0" err="1">
+                <a:solidFill>
+                  <a:srgbClr val="333333"/>
+                </a:solidFill>
+                <a:effectLst/>
+                <a:latin typeface="proxima-nova"/>
+              </a:rPr>
+              <a:t>React</a:t>
+            </a:r>
+            <a:r>
+              <a:rPr lang="fr-FR" b="0" i="0" dirty="0">
+                <a:solidFill>
+                  <a:srgbClr val="333333"/>
+                </a:solidFill>
+                <a:effectLst/>
+                <a:latin typeface="proxima-nova"/>
+              </a:rPr>
+              <a:t> est d'être rapide, évolutif et simple.</a:t>
+            </a:r>
+          </a:p>
+          <a:p>
+            <a:endParaRPr lang="fr-FR" b="0" i="0" dirty="0">
+              <a:solidFill>
+                <a:srgbClr val="333333"/>
+              </a:solidFill>
+              <a:effectLst/>
+              <a:latin typeface="proxima-nova"/>
+            </a:endParaRPr>
+          </a:p>
+          <a:p>
+            <a:r>
+              <a:rPr lang="fr-FR" b="1" i="0" dirty="0">
+                <a:solidFill>
+                  <a:srgbClr val="333333"/>
+                </a:solidFill>
+                <a:effectLst/>
+                <a:latin typeface="proxima-nova"/>
+              </a:rPr>
+              <a:t>Création : </a:t>
+            </a:r>
+            <a:r>
+              <a:rPr lang="fr-FR" b="0" i="0" u="none" strike="noStrike" dirty="0" err="1">
+                <a:solidFill>
+                  <a:srgbClr val="1A1A1A"/>
+                </a:solidFill>
+                <a:effectLst/>
+                <a:latin typeface="-apple-system"/>
+                <a:hlinkClick r:id="rId3"/>
+              </a:rPr>
+              <a:t>Create</a:t>
+            </a:r>
+            <a:r>
+              <a:rPr lang="fr-FR" b="0" i="0" u="none" strike="noStrike" dirty="0">
+                <a:solidFill>
+                  <a:srgbClr val="1A1A1A"/>
+                </a:solidFill>
+                <a:effectLst/>
+                <a:latin typeface="-apple-system"/>
+                <a:hlinkClick r:id="rId3"/>
+              </a:rPr>
+              <a:t> </a:t>
+            </a:r>
+            <a:r>
+              <a:rPr lang="fr-FR" b="0" i="0" u="none" strike="noStrike" dirty="0" err="1">
+                <a:solidFill>
+                  <a:srgbClr val="1A1A1A"/>
+                </a:solidFill>
+                <a:effectLst/>
+                <a:latin typeface="-apple-system"/>
+                <a:hlinkClick r:id="rId3"/>
+              </a:rPr>
+              <a:t>React</a:t>
+            </a:r>
+            <a:r>
+              <a:rPr lang="fr-FR" b="0" i="0" u="none" strike="noStrike" dirty="0">
+                <a:solidFill>
+                  <a:srgbClr val="1A1A1A"/>
+                </a:solidFill>
+                <a:effectLst/>
+                <a:latin typeface="-apple-system"/>
+                <a:hlinkClick r:id="rId3"/>
+              </a:rPr>
+              <a:t> App</a:t>
+            </a:r>
+            <a:r>
+              <a:rPr lang="fr-FR" b="0" i="0" dirty="0">
+                <a:solidFill>
+                  <a:srgbClr val="000000"/>
+                </a:solidFill>
+                <a:effectLst/>
+                <a:latin typeface="-apple-system"/>
+              </a:rPr>
+              <a:t> est un environnement confortable pour </a:t>
+            </a:r>
+            <a:r>
+              <a:rPr lang="fr-FR" b="1" i="0" dirty="0">
+                <a:solidFill>
+                  <a:srgbClr val="000000"/>
+                </a:solidFill>
+                <a:effectLst/>
+                <a:latin typeface="-apple-system"/>
+              </a:rPr>
+              <a:t>apprendre </a:t>
+            </a:r>
+            <a:r>
+              <a:rPr lang="fr-FR" b="1" i="0" dirty="0" err="1">
+                <a:solidFill>
+                  <a:srgbClr val="000000"/>
+                </a:solidFill>
+                <a:effectLst/>
+                <a:latin typeface="-apple-system"/>
+              </a:rPr>
+              <a:t>React</a:t>
+            </a:r>
+            <a:r>
+              <a:rPr lang="fr-FR" b="0" i="0" dirty="0">
+                <a:solidFill>
+                  <a:srgbClr val="000000"/>
+                </a:solidFill>
+                <a:effectLst/>
+                <a:latin typeface="-apple-system"/>
+              </a:rPr>
+              <a:t>, et constitue la meilleure option pour démarrer </a:t>
+            </a:r>
+            <a:r>
+              <a:rPr lang="fr-FR" b="1" i="0" dirty="0">
+                <a:solidFill>
+                  <a:srgbClr val="000000"/>
+                </a:solidFill>
+                <a:effectLst/>
+                <a:latin typeface="-apple-system"/>
+              </a:rPr>
+              <a:t>une nouvelle </a:t>
+            </a:r>
+            <a:r>
+              <a:rPr lang="fr-FR" b="1" i="0" u="none" strike="noStrike" dirty="0">
+                <a:solidFill>
+                  <a:srgbClr val="1A1A1A"/>
+                </a:solidFill>
+                <a:effectLst/>
+                <a:latin typeface="-apple-system"/>
+                <a:hlinkClick r:id="rId4"/>
+              </a:rPr>
+              <a:t>application web </a:t>
+            </a:r>
+            <a:r>
+              <a:rPr lang="fr-FR" b="1" i="0" u="none" strike="noStrike" dirty="0" err="1">
+                <a:solidFill>
+                  <a:srgbClr val="1A1A1A"/>
+                </a:solidFill>
+                <a:effectLst/>
+                <a:latin typeface="-apple-system"/>
+                <a:hlinkClick r:id="rId4"/>
+              </a:rPr>
+              <a:t>monopage</a:t>
+            </a:r>
+            <a:r>
+              <a:rPr lang="fr-FR" b="0" i="0" dirty="0">
+                <a:solidFill>
+                  <a:srgbClr val="000000"/>
+                </a:solidFill>
+                <a:effectLst/>
+                <a:latin typeface="-apple-system"/>
+              </a:rPr>
+              <a:t> en </a:t>
+            </a:r>
+            <a:r>
+              <a:rPr lang="fr-FR" b="0" i="0" dirty="0" err="1">
+                <a:solidFill>
+                  <a:srgbClr val="000000"/>
+                </a:solidFill>
+                <a:effectLst/>
+                <a:latin typeface="-apple-system"/>
+              </a:rPr>
+              <a:t>React</a:t>
+            </a:r>
+            <a:r>
+              <a:rPr lang="fr-FR" b="0" i="0" dirty="0">
+                <a:solidFill>
+                  <a:srgbClr val="000000"/>
+                </a:solidFill>
+                <a:effectLst/>
+                <a:latin typeface="-apple-system"/>
+              </a:rPr>
+              <a:t>.</a:t>
+            </a:r>
+            <a:endParaRPr lang="fr-FR" b="1" i="0" dirty="0">
+              <a:solidFill>
+                <a:srgbClr val="333333"/>
+              </a:solidFill>
+              <a:effectLst/>
+              <a:latin typeface="proxima-nova"/>
+            </a:endParaRPr>
+          </a:p>
+          <a:p>
+            <a:endParaRPr lang="fr-FR" dirty="0"/>
+          </a:p>
+        </p:txBody>
+      </p:sp>
+      <p:sp>
+        <p:nvSpPr>
+          <p:cNvPr id="4" name="Espace réservé du numéro de diapositive 3"/>
+          <p:cNvSpPr>
+            <a:spLocks noGrp="1"/>
+          </p:cNvSpPr>
+          <p:nvPr>
+            <p:ph type="sldNum" sz="quarter" idx="5"/>
+          </p:nvPr>
+        </p:nvSpPr>
+        <p:spPr/>
+        <p:txBody>
+          <a:bodyPr/>
+          <a:lstStyle/>
+          <a:p>
+            <a:pPr rtl="0"/>
+            <a:fld id="{D2D76E09-41B7-FE4E-B099-04DFD58B8CF1}" type="slidenum">
+              <a:rPr lang="fr-FR" noProof="0" smtClean="0"/>
+              <a:t>5</a:t>
+            </a:fld>
+            <a:endParaRPr lang="fr-FR" noProof="0"/>
+          </a:p>
+        </p:txBody>
+      </p:sp>
+    </p:spTree>
+    <p:extLst>
+      <p:ext uri="{BB962C8B-B14F-4D97-AF65-F5344CB8AC3E}">
+        <p14:creationId xmlns:p14="http://schemas.microsoft.com/office/powerpoint/2010/main" val="346837858"/>
+      </p:ext>
+    </p:extLst>
+  </p:cSld>
+  <p:clrMapOvr>
+    <a:masterClrMapping/>
+  </p:clrMapOvr>
+</p:notes>
+</file>
+
+<file path=ppt/notesSlides/notesSlide6.xml><?xml version="1.0" encoding="utf-8"?>
+<p:notes xmlns:a="http://schemas.openxmlformats.org/drawingml/2006/main" xmlns:r="http://schemas.openxmlformats.org/officeDocument/2006/relationships" xmlns:p="http://schemas.openxmlformats.org/presentationml/2006/main">
+  <p:cSld>
+    <p:spTree>
+      <p:nvGrpSpPr>
+        <p:cNvPr id="1" name=""/>
+        <p:cNvGrpSpPr/>
+        <p:nvPr/>
+      </p:nvGrpSpPr>
+      <p:grpSpPr>
+        <a:xfrm>
+          <a:off x="0" y="0"/>
+          <a:ext cx="0" cy="0"/>
+          <a:chOff x="0" y="0"/>
+          <a:chExt cx="0" cy="0"/>
+        </a:xfrm>
+      </p:grpSpPr>
+      <p:sp>
+        <p:nvSpPr>
+          <p:cNvPr id="2" name="Espace réservé de l'image des diapositives 1"/>
+          <p:cNvSpPr>
+            <a:spLocks noGrp="1" noRot="1" noChangeAspect="1"/>
+          </p:cNvSpPr>
+          <p:nvPr>
+            <p:ph type="sldImg"/>
+          </p:nvPr>
+        </p:nvSpPr>
+        <p:spPr/>
+      </p:sp>
+      <p:sp>
+        <p:nvSpPr>
+          <p:cNvPr id="3" name="Espace réservé des notes 2"/>
+          <p:cNvSpPr>
+            <a:spLocks noGrp="1"/>
+          </p:cNvSpPr>
+          <p:nvPr>
+            <p:ph type="body" idx="1"/>
+          </p:nvPr>
+        </p:nvSpPr>
+        <p:spPr/>
+        <p:txBody>
+          <a:bodyPr/>
+          <a:lstStyle/>
+          <a:p>
+            <a:r>
               <a:rPr lang="fr-FR" b="0" i="0" dirty="0">
                 <a:solidFill>
                   <a:srgbClr val="000000"/>
@@ -12494,7 +13207,7 @@
             <a:pPr rtl="0"/>
             <a:fld id="{D2D76E09-41B7-FE4E-B099-04DFD58B8CF1}" type="slidenum">
               <a:rPr lang="fr-FR" noProof="0" smtClean="0"/>
-              <a:t>5</a:t>
+              <a:t>6</a:t>
             </a:fld>
             <a:endParaRPr lang="fr-FR" noProof="0"/>
           </a:p>
@@ -12504,132 +13217,6 @@
     <p:extLst>
       <p:ext uri="{BB962C8B-B14F-4D97-AF65-F5344CB8AC3E}">
         <p14:creationId xmlns:p14="http://schemas.microsoft.com/office/powerpoint/2010/main" val="2967359039"/>
-      </p:ext>
-    </p:extLst>
-  </p:cSld>
-  <p:clrMapOvr>
-    <a:masterClrMapping/>
-  </p:clrMapOvr>
-</p:notes>
-</file>
-
-<file path=ppt/notesSlides/notesSlide6.xml><?xml version="1.0" encoding="utf-8"?>
-<p:notes xmlns:a="http://schemas.openxmlformats.org/drawingml/2006/main" xmlns:r="http://schemas.openxmlformats.org/officeDocument/2006/relationships" xmlns:p="http://schemas.openxmlformats.org/presentationml/2006/main">
-  <p:cSld>
-    <p:spTree>
-      <p:nvGrpSpPr>
-        <p:cNvPr id="1" name=""/>
-        <p:cNvGrpSpPr/>
-        <p:nvPr/>
-      </p:nvGrpSpPr>
-      <p:grpSpPr>
-        <a:xfrm>
-          <a:off x="0" y="0"/>
-          <a:ext cx="0" cy="0"/>
-          <a:chOff x="0" y="0"/>
-          <a:chExt cx="0" cy="0"/>
-        </a:xfrm>
-      </p:grpSpPr>
-      <p:sp>
-        <p:nvSpPr>
-          <p:cNvPr id="2" name="Espace réservé de l'image des diapositives 1"/>
-          <p:cNvSpPr>
-            <a:spLocks noGrp="1" noRot="1" noChangeAspect="1"/>
-          </p:cNvSpPr>
-          <p:nvPr>
-            <p:ph type="sldImg"/>
-          </p:nvPr>
-        </p:nvSpPr>
-        <p:spPr/>
-      </p:sp>
-      <p:sp>
-        <p:nvSpPr>
-          <p:cNvPr id="3" name="Espace réservé des notes 2"/>
-          <p:cNvSpPr>
-            <a:spLocks noGrp="1"/>
-          </p:cNvSpPr>
-          <p:nvPr>
-            <p:ph type="body" idx="1"/>
-          </p:nvPr>
-        </p:nvSpPr>
-        <p:spPr/>
-        <p:txBody>
-          <a:bodyPr/>
-          <a:lstStyle/>
-          <a:p>
-            <a:r>
-              <a:rPr lang="fr-FR" b="0" i="0" dirty="0">
-                <a:solidFill>
-                  <a:srgbClr val="000000"/>
-                </a:solidFill>
-                <a:effectLst/>
-                <a:latin typeface="Nunito" pitchFamily="2" charset="0"/>
-              </a:rPr>
-              <a:t>Le fichier </a:t>
-            </a:r>
-            <a:r>
-              <a:rPr lang="fr-FR" dirty="0"/>
-              <a:t>src/index.js</a:t>
-            </a:r>
-            <a:r>
-              <a:rPr lang="fr-FR" b="0" i="0" dirty="0">
-                <a:solidFill>
-                  <a:srgbClr val="000000"/>
-                </a:solidFill>
-                <a:effectLst/>
-                <a:latin typeface="Nunito" pitchFamily="2" charset="0"/>
-              </a:rPr>
-              <a:t> va permettre de récupérer nos composants et les afficher dans la </a:t>
-            </a:r>
-            <a:r>
-              <a:rPr lang="fr-FR" b="1" dirty="0"/>
-              <a:t>div root</a:t>
-            </a:r>
-            <a:r>
-              <a:rPr lang="fr-FR" b="1" i="0" dirty="0">
-                <a:solidFill>
-                  <a:srgbClr val="000000"/>
-                </a:solidFill>
-                <a:effectLst/>
-                <a:latin typeface="Nunito" pitchFamily="2" charset="0"/>
-              </a:rPr>
-              <a:t> de </a:t>
-            </a:r>
-            <a:r>
-              <a:rPr lang="fr-FR" b="1" dirty="0"/>
-              <a:t>public/index.html</a:t>
-            </a:r>
-          </a:p>
-        </p:txBody>
-      </p:sp>
-      <p:sp>
-        <p:nvSpPr>
-          <p:cNvPr id="4" name="Espace réservé du numéro de diapositive 3"/>
-          <p:cNvSpPr>
-            <a:spLocks noGrp="1"/>
-          </p:cNvSpPr>
-          <p:nvPr>
-            <p:ph type="sldNum" sz="quarter" idx="5"/>
-          </p:nvPr>
-        </p:nvSpPr>
-        <p:spPr/>
-        <p:txBody>
-          <a:bodyPr/>
-          <a:lstStyle/>
-          <a:p>
-            <a:pPr rtl="0"/>
-            <a:fld id="{D2D76E09-41B7-FE4E-B099-04DFD58B8CF1}" type="slidenum">
-              <a:rPr lang="fr-FR" noProof="0" smtClean="0"/>
-              <a:t>6</a:t>
-            </a:fld>
-            <a:endParaRPr lang="fr-FR" noProof="0"/>
-          </a:p>
-        </p:txBody>
-      </p:sp>
-    </p:spTree>
-    <p:extLst>
-      <p:ext uri="{BB962C8B-B14F-4D97-AF65-F5344CB8AC3E}">
-        <p14:creationId xmlns:p14="http://schemas.microsoft.com/office/powerpoint/2010/main" val="3917557245"/>
       </p:ext>
     </p:extLst>
   </p:cSld>
@@ -12755,7 +13342,7 @@
     </p:spTree>
     <p:extLst>
       <p:ext uri="{BB962C8B-B14F-4D97-AF65-F5344CB8AC3E}">
-        <p14:creationId xmlns:p14="http://schemas.microsoft.com/office/powerpoint/2010/main" val="1806964566"/>
+        <p14:creationId xmlns:p14="http://schemas.microsoft.com/office/powerpoint/2010/main" val="3917557245"/>
       </p:ext>
     </p:extLst>
   </p:cSld>
@@ -12809,7 +13396,48 @@
           <a:bodyPr/>
           <a:lstStyle/>
           <a:p>
-            <a:endParaRPr lang="fr-FR" b="1" dirty="0"/>
+            <a:r>
+              <a:rPr lang="fr-FR" b="0" i="0" dirty="0">
+                <a:solidFill>
+                  <a:srgbClr val="000000"/>
+                </a:solidFill>
+                <a:effectLst/>
+                <a:latin typeface="Nunito" pitchFamily="2" charset="0"/>
+              </a:rPr>
+              <a:t>Le fichier </a:t>
+            </a:r>
+            <a:r>
+              <a:rPr lang="fr-FR" dirty="0"/>
+              <a:t>src/index.js</a:t>
+            </a:r>
+            <a:r>
+              <a:rPr lang="fr-FR" b="0" i="0" dirty="0">
+                <a:solidFill>
+                  <a:srgbClr val="000000"/>
+                </a:solidFill>
+                <a:effectLst/>
+                <a:latin typeface="Nunito" pitchFamily="2" charset="0"/>
+              </a:rPr>
+              <a:t> va permettre de récupérer nos composants et les afficher dans la </a:t>
+            </a:r>
+            <a:r>
+              <a:rPr lang="fr-FR" b="1" dirty="0"/>
+              <a:t>div root</a:t>
+            </a:r>
+            <a:r>
+              <a:rPr lang="fr-FR" b="1" i="0" dirty="0">
+                <a:solidFill>
+                  <a:srgbClr val="000000"/>
+                </a:solidFill>
+                <a:effectLst/>
+                <a:latin typeface="Nunito" pitchFamily="2" charset="0"/>
+              </a:rPr>
+              <a:t> de </a:t>
+            </a:r>
+            <a:r>
+              <a:rPr lang="fr-FR" b="1" dirty="0"/>
+              <a:t>public/index.html</a:t>
+            </a:r>
           </a:p>
         </p:txBody>
       </p:sp>
@@ -12840,7 +13468,7 @@
     </p:spTree>
     <p:extLst>
       <p:ext uri="{BB962C8B-B14F-4D97-AF65-F5344CB8AC3E}">
-        <p14:creationId xmlns:p14="http://schemas.microsoft.com/office/powerpoint/2010/main" val="2366823321"/>
+        <p14:creationId xmlns:p14="http://schemas.microsoft.com/office/powerpoint/2010/main" val="1806964566"/>
       </p:ext>
     </p:extLst>
   </p:cSld>
@@ -12925,7 +13553,7 @@
     </p:spTree>
     <p:extLst>
       <p:ext uri="{BB962C8B-B14F-4D97-AF65-F5344CB8AC3E}">
-        <p14:creationId xmlns:p14="http://schemas.microsoft.com/office/powerpoint/2010/main" val="1991923125"/>
+        <p14:creationId xmlns:p14="http://schemas.microsoft.com/office/powerpoint/2010/main" val="2366823321"/>
       </p:ext>
     </p:extLst>
   </p:cSld>
@@ -13339,7 +13967,7 @@
             <a:pPr rtl="0"/>
             <a:fld id="{30E8CDFA-B6C5-430C-8049-C960D5587F9E}" type="datetime1">
               <a:rPr lang="fr-FR" noProof="0" smtClean="0"/>
-              <a:t>03/11/2022</a:t>
+              <a:t>24/11/2022</a:t>
             </a:fld>
             <a:endParaRPr lang="fr-FR" noProof="0"/>
           </a:p>
@@ -13521,7 +14149,7 @@
             <a:pPr rtl="0"/>
             <a:fld id="{A48AD5BE-4846-4E65-9E43-3104B01DFF13}" type="datetime1">
               <a:rPr lang="fr-FR" noProof="0" smtClean="0"/>
-              <a:t>03/11/2022</a:t>
+              <a:t>24/11/2022</a:t>
             </a:fld>
             <a:endParaRPr lang="fr-FR" noProof="0"/>
           </a:p>
@@ -13703,7 +14331,7 @@
             <a:pPr rtl="0"/>
             <a:fld id="{ED8A8EF7-2A71-4AA3-8ECB-8BB64F1C9580}" type="datetime1">
               <a:rPr lang="fr-FR" noProof="0" smtClean="0"/>
-              <a:t>03/11/2022</a:t>
+              <a:t>24/11/2022</a:t>
             </a:fld>
             <a:endParaRPr lang="fr-FR" noProof="0"/>
           </a:p>
@@ -13875,7 +14503,7 @@
             <a:pPr rtl="0"/>
             <a:fld id="{AD78B19D-B010-49CB-8E8B-9A0B22D4BF0A}" type="datetime1">
               <a:rPr lang="fr-FR" noProof="0" smtClean="0"/>
-              <a:t>03/11/2022</a:t>
+              <a:t>24/11/2022</a:t>
             </a:fld>
             <a:endParaRPr lang="fr-FR" noProof="0"/>
           </a:p>
@@ -14191,7 +14819,7 @@
             <a:pPr rtl="0"/>
             <a:fld id="{F6EC8566-2F30-4981-A653-CA8DE5CA399F}" type="datetime1">
               <a:rPr lang="fr-FR" noProof="0" smtClean="0"/>
-              <a:t>03/11/2022</a:t>
+              <a:t>24/11/2022</a:t>
             </a:fld>
             <a:endParaRPr lang="fr-FR" noProof="0"/>
           </a:p>
@@ -14579,7 +15207,7 @@
             <a:pPr rtl="0"/>
             <a:fld id="{01046C02-4351-45D4-878E-F8128DA6182B}" type="datetime1">
               <a:rPr lang="fr-FR" noProof="0" smtClean="0"/>
-              <a:t>03/11/2022</a:t>
+              <a:t>24/11/2022</a:t>
             </a:fld>
             <a:endParaRPr lang="fr-FR" noProof="0"/>
           </a:p>
@@ -15014,7 +15642,7 @@
             <a:pPr rtl="0"/>
             <a:fld id="{C1EB43B8-F7BD-499E-BA8C-5DB2035AA36E}" type="datetime1">
               <a:rPr lang="fr-FR" noProof="0" smtClean="0"/>
-              <a:t>03/11/2022</a:t>
+              <a:t>24/11/2022</a:t>
             </a:fld>
             <a:endParaRPr lang="fr-FR" noProof="0"/>
           </a:p>
@@ -15135,7 +15763,7 @@
             <a:pPr rtl="0"/>
             <a:fld id="{E4E539BE-F72B-4132-981F-162B41DD2C20}" type="datetime1">
               <a:rPr lang="fr-FR" noProof="0" smtClean="0"/>
-              <a:t>03/11/2022</a:t>
+              <a:t>24/11/2022</a:t>
             </a:fld>
             <a:endParaRPr lang="fr-FR" noProof="0"/>
           </a:p>
@@ -15233,7 +15861,7 @@
             <a:pPr rtl="0"/>
             <a:fld id="{0AB1491A-67B9-4AD7-AD1B-054B207CEF91}" type="datetime1">
               <a:rPr lang="fr-FR" noProof="0" smtClean="0"/>
-              <a:t>03/11/2022</a:t>
+              <a:t>24/11/2022</a:t>
             </a:fld>
             <a:endParaRPr lang="fr-FR" noProof="0"/>
           </a:p>
@@ -15585,7 +16213,7 @@
             <a:pPr rtl="0"/>
             <a:fld id="{F6AA93E7-EC1E-43FA-812E-1F41EC4B5B61}" type="datetime1">
               <a:rPr lang="fr-FR" noProof="0" smtClean="0"/>
-              <a:t>03/11/2022</a:t>
+              <a:t>24/11/2022</a:t>
             </a:fld>
             <a:endParaRPr lang="fr-FR" noProof="0"/>
           </a:p>
@@ -16013,7 +16641,7 @@
             <a:pPr rtl="0"/>
             <a:fld id="{058F7BBA-1C54-40D3-AA7B-48B3B61F0C04}" type="datetime1">
               <a:rPr lang="fr-FR" noProof="0" smtClean="0"/>
-              <a:t>03/11/2022</a:t>
+              <a:t>24/11/2022</a:t>
             </a:fld>
             <a:endParaRPr lang="fr-FR" noProof="0"/>
           </a:p>
@@ -16295,7 +16923,7 @@
             <a:pPr rtl="0"/>
             <a:fld id="{073D7D4F-CE7A-4783-BA27-C049E135ED1F}" type="datetime1">
               <a:rPr lang="fr-FR" noProof="0" smtClean="0"/>
-              <a:t>03/11/2022</a:t>
+              <a:t>24/11/2022</a:t>
             </a:fld>
             <a:endParaRPr lang="fr-FR" noProof="0"/>
           </a:p>
@@ -17286,7 +17914,7 @@
         <p:spPr>
           <a:xfrm>
             <a:off x="224118" y="0"/>
-            <a:ext cx="11483788" cy="1609344"/>
+            <a:ext cx="10058400" cy="1609344"/>
           </a:xfrm>
         </p:spPr>
         <p:txBody>
@@ -17295,7 +17923,7 @@
           <a:p>
             <a:r>
               <a:rPr lang="fr-FR" dirty="0"/>
-              <a:t>Explication src/page/logementdetails.js</a:t>
+              <a:t>Explication src/page/about.js</a:t>
             </a:r>
           </a:p>
         </p:txBody>
@@ -17335,7 +17963,7 @@
           <p:cNvPr id="5" name="Image 4">
             <a:extLst>
               <a:ext uri="{FF2B5EF4-FFF2-40B4-BE49-F238E27FC236}">
-                <a16:creationId xmlns:a16="http://schemas.microsoft.com/office/drawing/2014/main" id="{46261145-2A94-20E6-AAF7-B9C21D6EB264}"/>
+                <a16:creationId xmlns:a16="http://schemas.microsoft.com/office/drawing/2014/main" id="{79FE4741-E30A-8775-3086-0CC9C14474E7}"/>
               </a:ext>
             </a:extLst>
           </p:cNvPr>
@@ -17352,8 +17980,8 @@
         </p:blipFill>
         <p:spPr>
           <a:xfrm>
-            <a:off x="3186819" y="1232637"/>
-            <a:ext cx="5818361" cy="5535716"/>
+            <a:off x="3090862" y="1538287"/>
+            <a:ext cx="6010275" cy="4391025"/>
           </a:xfrm>
           <a:prstGeom prst="rect">
             <a:avLst/>
@@ -17363,7 +17991,7 @@
     </p:spTree>
     <p:extLst>
       <p:ext uri="{BB962C8B-B14F-4D97-AF65-F5344CB8AC3E}">
-        <p14:creationId xmlns:p14="http://schemas.microsoft.com/office/powerpoint/2010/main" val="2617203633"/>
+        <p14:creationId xmlns:p14="http://schemas.microsoft.com/office/powerpoint/2010/main" val="625295816"/>
       </p:ext>
     </p:extLst>
   </p:cSld>
@@ -17458,7 +18086,7 @@
           <p:cNvPr id="6" name="Image 5">
             <a:extLst>
               <a:ext uri="{FF2B5EF4-FFF2-40B4-BE49-F238E27FC236}">
-                <a16:creationId xmlns:a16="http://schemas.microsoft.com/office/drawing/2014/main" id="{6763DBE7-A3D7-4CB0-A0D5-2EF02CAF2745}"/>
+                <a16:creationId xmlns:a16="http://schemas.microsoft.com/office/drawing/2014/main" id="{EF4C6DBF-FD12-D41A-6F76-AE80E975AEB8}"/>
               </a:ext>
             </a:extLst>
           </p:cNvPr>
@@ -17475,8 +18103,131 @@
         </p:blipFill>
         <p:spPr>
           <a:xfrm>
-            <a:off x="2824162" y="1378839"/>
-            <a:ext cx="6543675" cy="5124450"/>
+            <a:off x="3163318" y="1225296"/>
+            <a:ext cx="5597589" cy="5532120"/>
+          </a:xfrm>
+          <a:prstGeom prst="rect">
+            <a:avLst/>
+          </a:prstGeom>
+        </p:spPr>
+      </p:pic>
+    </p:spTree>
+    <p:extLst>
+      <p:ext uri="{BB962C8B-B14F-4D97-AF65-F5344CB8AC3E}">
+        <p14:creationId xmlns:p14="http://schemas.microsoft.com/office/powerpoint/2010/main" val="2617203633"/>
+      </p:ext>
+    </p:extLst>
+  </p:cSld>
+  <p:clrMapOvr>
+    <a:masterClrMapping/>
+  </p:clrMapOvr>
+</p:sld>
+</file>
+
+<file path=ppt/slides/slide12.xml><?xml version="1.0" encoding="utf-8"?>
+<p:sld xmlns:a="http://schemas.openxmlformats.org/drawingml/2006/main" xmlns:r="http://schemas.openxmlformats.org/officeDocument/2006/relationships" xmlns:p="http://schemas.openxmlformats.org/presentationml/2006/main">
+  <p:cSld>
+    <p:spTree>
+      <p:nvGrpSpPr>
+        <p:cNvPr id="1" name=""/>
+        <p:cNvGrpSpPr/>
+        <p:nvPr/>
+      </p:nvGrpSpPr>
+      <p:grpSpPr>
+        <a:xfrm>
+          <a:off x="0" y="0"/>
+          <a:ext cx="0" cy="0"/>
+          <a:chOff x="0" y="0"/>
+          <a:chExt cx="0" cy="0"/>
+        </a:xfrm>
+      </p:grpSpPr>
+      <p:sp>
+        <p:nvSpPr>
+          <p:cNvPr id="2" name="Titre 1">
+            <a:extLst>
+              <a:ext uri="{FF2B5EF4-FFF2-40B4-BE49-F238E27FC236}">
+                <a16:creationId xmlns:a16="http://schemas.microsoft.com/office/drawing/2014/main" id="{239187CC-2B35-158C-087E-865C0C88DC06}"/>
+              </a:ext>
+            </a:extLst>
+          </p:cNvPr>
+          <p:cNvSpPr>
+            <a:spLocks noGrp="1"/>
+          </p:cNvSpPr>
+          <p:nvPr>
+            <p:ph type="title"/>
+          </p:nvPr>
+        </p:nvSpPr>
+        <p:spPr>
+          <a:xfrm>
+            <a:off x="224118" y="0"/>
+            <a:ext cx="11483788" cy="1609344"/>
+          </a:xfrm>
+        </p:spPr>
+        <p:txBody>
+          <a:bodyPr/>
+          <a:lstStyle/>
+          <a:p>
+            <a:r>
+              <a:rPr lang="fr-FR" dirty="0"/>
+              <a:t>Explication src/page/logementdetails.js</a:t>
+            </a:r>
+          </a:p>
+        </p:txBody>
+      </p:sp>
+      <p:sp>
+        <p:nvSpPr>
+          <p:cNvPr id="4" name="Espace réservé du numéro de diapositive 3">
+            <a:extLst>
+              <a:ext uri="{FF2B5EF4-FFF2-40B4-BE49-F238E27FC236}">
+                <a16:creationId xmlns:a16="http://schemas.microsoft.com/office/drawing/2014/main" id="{28B4F1E4-2710-D55E-9BCA-03EFA978AC94}"/>
+              </a:ext>
+            </a:extLst>
+          </p:cNvPr>
+          <p:cNvSpPr>
+            <a:spLocks noGrp="1"/>
+          </p:cNvSpPr>
+          <p:nvPr>
+            <p:ph type="sldNum" sz="quarter" idx="12"/>
+          </p:nvPr>
+        </p:nvSpPr>
+        <p:spPr/>
+        <p:txBody>
+          <a:bodyPr/>
+          <a:lstStyle/>
+          <a:p>
+            <a:pPr rtl="0"/>
+            <a:fld id="{4FAB73BC-B049-4115-A692-8D63A059BFB8}" type="slidenum">
+              <a:rPr lang="fr-FR" noProof="0" smtClean="0"/>
+              <a:t>12</a:t>
+            </a:fld>
+            <a:endParaRPr lang="fr-FR" noProof="0"/>
+          </a:p>
+        </p:txBody>
+      </p:sp>
+      <p:pic>
+        <p:nvPicPr>
+          <p:cNvPr id="5" name="Image 4">
+            <a:extLst>
+              <a:ext uri="{FF2B5EF4-FFF2-40B4-BE49-F238E27FC236}">
+                <a16:creationId xmlns:a16="http://schemas.microsoft.com/office/drawing/2014/main" id="{03401D20-18B0-4EB1-0EB3-D92ED3936F54}"/>
+              </a:ext>
+            </a:extLst>
+          </p:cNvPr>
+          <p:cNvPicPr>
+            <a:picLocks noChangeAspect="1"/>
+          </p:cNvPicPr>
+          <p:nvPr/>
+        </p:nvPicPr>
+        <p:blipFill>
+          <a:blip r:embed="rId3"/>
+          <a:stretch>
+            <a:fillRect/>
+          </a:stretch>
+        </p:blipFill>
+        <p:spPr>
+          <a:xfrm>
+            <a:off x="3297555" y="1267417"/>
+            <a:ext cx="5596890" cy="5524098"/>
           </a:xfrm>
           <a:prstGeom prst="rect">
             <a:avLst/>
@@ -17496,7 +18247,7 @@
 </p:sld>
 </file>
 
-<file path=ppt/slides/slide12.xml><?xml version="1.0" encoding="utf-8"?>
+<file path=ppt/slides/slide13.xml><?xml version="1.0" encoding="utf-8"?>
 <p:sld xmlns:a="http://schemas.openxmlformats.org/drawingml/2006/main" xmlns:r="http://schemas.openxmlformats.org/officeDocument/2006/relationships" xmlns:p="http://schemas.openxmlformats.org/presentationml/2006/main">
   <p:cSld>
     <p:spTree>
@@ -17570,7 +18321,7 @@
             <a:pPr rtl="0"/>
             <a:fld id="{4FAB73BC-B049-4115-A692-8D63A059BFB8}" type="slidenum">
               <a:rPr lang="fr-FR" noProof="0" smtClean="0"/>
-              <a:t>12</a:t>
+              <a:t>13</a:t>
             </a:fld>
             <a:endParaRPr lang="fr-FR" noProof="0"/>
           </a:p>
@@ -17578,10 +18329,10 @@
       </p:sp>
       <p:pic>
         <p:nvPicPr>
-          <p:cNvPr id="5" name="Image 4">
+          <p:cNvPr id="6" name="Image 5">
             <a:extLst>
               <a:ext uri="{FF2B5EF4-FFF2-40B4-BE49-F238E27FC236}">
-                <a16:creationId xmlns:a16="http://schemas.microsoft.com/office/drawing/2014/main" id="{9907928B-0B1A-6FF2-743B-AD8B2A03CD63}"/>
+                <a16:creationId xmlns:a16="http://schemas.microsoft.com/office/drawing/2014/main" id="{702FCFE0-687A-EAE5-3149-C43726983DCD}"/>
               </a:ext>
             </a:extLst>
           </p:cNvPr>
@@ -17598,8 +18349,8 @@
         </p:blipFill>
         <p:spPr>
           <a:xfrm>
-            <a:off x="2652712" y="1367409"/>
-            <a:ext cx="6886575" cy="4905375"/>
+            <a:off x="2695575" y="1464564"/>
+            <a:ext cx="6800850" cy="4953000"/>
           </a:xfrm>
           <a:prstGeom prst="rect">
             <a:avLst/>
@@ -17619,7 +18370,7 @@
 </p:sld>
 </file>
 
-<file path=ppt/slides/slide13.xml><?xml version="1.0" encoding="utf-8"?>
+<file path=ppt/slides/slide14.xml><?xml version="1.0" encoding="utf-8"?>
 <p:sld xmlns:a="http://schemas.openxmlformats.org/drawingml/2006/main" xmlns:r="http://schemas.openxmlformats.org/officeDocument/2006/relationships" xmlns:p="http://schemas.openxmlformats.org/presentationml/2006/main">
   <p:cSld>
     <p:bg>
@@ -19109,7 +19860,7 @@
         <p:spPr>
           <a:xfrm>
             <a:off x="8338657" y="1064144"/>
-            <a:ext cx="3853343" cy="3291840"/>
+            <a:ext cx="3853343" cy="755512"/>
           </a:xfrm>
         </p:spPr>
         <p:txBody>
@@ -19234,6 +19985,355 @@
           </a:extLst>
         </p:spPr>
       </p:pic>
+      <p:sp>
+        <p:nvSpPr>
+          <p:cNvPr id="3" name="Rectangle : coins arrondis 2">
+            <a:extLst>
+              <a:ext uri="{FF2B5EF4-FFF2-40B4-BE49-F238E27FC236}">
+                <a16:creationId xmlns:a16="http://schemas.microsoft.com/office/drawing/2014/main" id="{D68015E8-BDF8-8F9A-A21B-44BCC6EFFBC8}"/>
+              </a:ext>
+            </a:extLst>
+          </p:cNvPr>
+          <p:cNvSpPr/>
+          <p:nvPr/>
+        </p:nvSpPr>
+        <p:spPr>
+          <a:xfrm>
+            <a:off x="9223248" y="2816352"/>
+            <a:ext cx="1408176" cy="612648"/>
+          </a:xfrm>
+          <a:prstGeom prst="roundRect">
+            <a:avLst/>
+          </a:prstGeom>
+        </p:spPr>
+        <p:style>
+          <a:lnRef idx="2">
+            <a:schemeClr val="accent1">
+              <a:shade val="50000"/>
+            </a:schemeClr>
+          </a:lnRef>
+          <a:fillRef idx="1">
+            <a:schemeClr val="accent1"/>
+          </a:fillRef>
+          <a:effectRef idx="0">
+            <a:schemeClr val="accent1"/>
+          </a:effectRef>
+          <a:fontRef idx="minor">
+            <a:schemeClr val="lt1"/>
+          </a:fontRef>
+        </p:style>
+        <p:txBody>
+          <a:bodyPr rtlCol="0" anchor="ctr"/>
+          <a:lstStyle/>
+          <a:p>
+            <a:pPr algn="ctr"/>
+            <a:r>
+              <a:rPr lang="fr-FR" dirty="0"/>
+              <a:t>Home</a:t>
+            </a:r>
+          </a:p>
+        </p:txBody>
+      </p:sp>
+      <p:sp>
+        <p:nvSpPr>
+          <p:cNvPr id="6" name="Rectangle : coins arrondis 5">
+            <a:extLst>
+              <a:ext uri="{FF2B5EF4-FFF2-40B4-BE49-F238E27FC236}">
+                <a16:creationId xmlns:a16="http://schemas.microsoft.com/office/drawing/2014/main" id="{46DE18E8-3450-5D38-4E36-286D9BFE245B}"/>
+              </a:ext>
+            </a:extLst>
+          </p:cNvPr>
+          <p:cNvSpPr/>
+          <p:nvPr/>
+        </p:nvSpPr>
+        <p:spPr>
+          <a:xfrm>
+            <a:off x="9223248" y="3502595"/>
+            <a:ext cx="1408176" cy="612648"/>
+          </a:xfrm>
+          <a:prstGeom prst="roundRect">
+            <a:avLst/>
+          </a:prstGeom>
+        </p:spPr>
+        <p:style>
+          <a:lnRef idx="2">
+            <a:schemeClr val="accent1">
+              <a:shade val="50000"/>
+            </a:schemeClr>
+          </a:lnRef>
+          <a:fillRef idx="1">
+            <a:schemeClr val="accent1"/>
+          </a:fillRef>
+          <a:effectRef idx="0">
+            <a:schemeClr val="accent1"/>
+          </a:effectRef>
+          <a:fontRef idx="minor">
+            <a:schemeClr val="lt1"/>
+          </a:fontRef>
+        </p:style>
+        <p:txBody>
+          <a:bodyPr rtlCol="0" anchor="ctr"/>
+          <a:lstStyle/>
+          <a:p>
+            <a:pPr algn="ctr"/>
+            <a:r>
+              <a:rPr lang="fr-FR" dirty="0"/>
+              <a:t>About</a:t>
+            </a:r>
+          </a:p>
+        </p:txBody>
+      </p:sp>
+      <p:sp>
+        <p:nvSpPr>
+          <p:cNvPr id="7" name="Rectangle : coins arrondis 6">
+            <a:extLst>
+              <a:ext uri="{FF2B5EF4-FFF2-40B4-BE49-F238E27FC236}">
+                <a16:creationId xmlns:a16="http://schemas.microsoft.com/office/drawing/2014/main" id="{4143A376-A8DE-96D8-5EFF-C2D25F4320CD}"/>
+              </a:ext>
+            </a:extLst>
+          </p:cNvPr>
+          <p:cNvSpPr/>
+          <p:nvPr/>
+        </p:nvSpPr>
+        <p:spPr>
+          <a:xfrm>
+            <a:off x="9223248" y="4188838"/>
+            <a:ext cx="1408176" cy="612648"/>
+          </a:xfrm>
+          <a:prstGeom prst="roundRect">
+            <a:avLst/>
+          </a:prstGeom>
+        </p:spPr>
+        <p:style>
+          <a:lnRef idx="2">
+            <a:schemeClr val="accent1">
+              <a:shade val="50000"/>
+            </a:schemeClr>
+          </a:lnRef>
+          <a:fillRef idx="1">
+            <a:schemeClr val="accent1"/>
+          </a:fillRef>
+          <a:effectRef idx="0">
+            <a:schemeClr val="accent1"/>
+          </a:effectRef>
+          <a:fontRef idx="minor">
+            <a:schemeClr val="lt1"/>
+          </a:fontRef>
+        </p:style>
+        <p:txBody>
+          <a:bodyPr rtlCol="0" anchor="ctr"/>
+          <a:lstStyle/>
+          <a:p>
+            <a:pPr algn="ctr"/>
+            <a:r>
+              <a:rPr lang="fr-FR" dirty="0"/>
+              <a:t>Logement</a:t>
+            </a:r>
+          </a:p>
+        </p:txBody>
+      </p:sp>
+      <p:sp>
+        <p:nvSpPr>
+          <p:cNvPr id="8" name="Rectangle : coins arrondis 7">
+            <a:extLst>
+              <a:ext uri="{FF2B5EF4-FFF2-40B4-BE49-F238E27FC236}">
+                <a16:creationId xmlns:a16="http://schemas.microsoft.com/office/drawing/2014/main" id="{224BFD0A-E721-D199-7EC9-44D89A50463F}"/>
+              </a:ext>
+            </a:extLst>
+          </p:cNvPr>
+          <p:cNvSpPr/>
+          <p:nvPr/>
+        </p:nvSpPr>
+        <p:spPr>
+          <a:xfrm>
+            <a:off x="9223248" y="4882257"/>
+            <a:ext cx="1408176" cy="612648"/>
+          </a:xfrm>
+          <a:prstGeom prst="roundRect">
+            <a:avLst/>
+          </a:prstGeom>
+        </p:spPr>
+        <p:style>
+          <a:lnRef idx="2">
+            <a:schemeClr val="accent1">
+              <a:shade val="50000"/>
+            </a:schemeClr>
+          </a:lnRef>
+          <a:fillRef idx="1">
+            <a:schemeClr val="accent1"/>
+          </a:fillRef>
+          <a:effectRef idx="0">
+            <a:schemeClr val="accent1"/>
+          </a:effectRef>
+          <a:fontRef idx="minor">
+            <a:schemeClr val="lt1"/>
+          </a:fontRef>
+        </p:style>
+        <p:txBody>
+          <a:bodyPr rtlCol="0" anchor="ctr"/>
+          <a:lstStyle/>
+          <a:p>
+            <a:pPr algn="ctr"/>
+            <a:r>
+              <a:rPr lang="fr-FR" dirty="0" err="1"/>
+              <a:t>Notfound</a:t>
+            </a:r>
+            <a:endParaRPr lang="fr-FR" dirty="0"/>
+          </a:p>
+        </p:txBody>
+      </p:sp>
+      <p:cxnSp>
+        <p:nvCxnSpPr>
+          <p:cNvPr id="10" name="Connecteur droit 9">
+            <a:extLst>
+              <a:ext uri="{FF2B5EF4-FFF2-40B4-BE49-F238E27FC236}">
+                <a16:creationId xmlns:a16="http://schemas.microsoft.com/office/drawing/2014/main" id="{6268C6FD-371A-0730-B8B6-9FA4BC668F48}"/>
+              </a:ext>
+            </a:extLst>
+          </p:cNvPr>
+          <p:cNvCxnSpPr>
+            <a:endCxn id="3" idx="1"/>
+          </p:cNvCxnSpPr>
+          <p:nvPr/>
+        </p:nvCxnSpPr>
+        <p:spPr>
+          <a:xfrm flipV="1">
+            <a:off x="8156862" y="3122676"/>
+            <a:ext cx="1066386" cy="918972"/>
+          </a:xfrm>
+          <a:prstGeom prst="line">
+            <a:avLst/>
+          </a:prstGeom>
+        </p:spPr>
+        <p:style>
+          <a:lnRef idx="1">
+            <a:schemeClr val="accent1"/>
+          </a:lnRef>
+          <a:fillRef idx="0">
+            <a:schemeClr val="accent1"/>
+          </a:fillRef>
+          <a:effectRef idx="0">
+            <a:schemeClr val="accent1"/>
+          </a:effectRef>
+          <a:fontRef idx="minor">
+            <a:schemeClr val="tx1"/>
+          </a:fontRef>
+        </p:style>
+      </p:cxnSp>
+      <p:cxnSp>
+        <p:nvCxnSpPr>
+          <p:cNvPr id="13" name="Connecteur droit 12">
+            <a:extLst>
+              <a:ext uri="{FF2B5EF4-FFF2-40B4-BE49-F238E27FC236}">
+                <a16:creationId xmlns:a16="http://schemas.microsoft.com/office/drawing/2014/main" id="{B96DD56A-8E26-0D00-4294-2E787145AF63}"/>
+              </a:ext>
+            </a:extLst>
+          </p:cNvPr>
+          <p:cNvCxnSpPr>
+            <a:endCxn id="6" idx="1"/>
+          </p:cNvCxnSpPr>
+          <p:nvPr/>
+        </p:nvCxnSpPr>
+        <p:spPr>
+          <a:xfrm flipV="1">
+            <a:off x="8156862" y="3808919"/>
+            <a:ext cx="1066386" cy="232729"/>
+          </a:xfrm>
+          <a:prstGeom prst="line">
+            <a:avLst/>
+          </a:prstGeom>
+        </p:spPr>
+        <p:style>
+          <a:lnRef idx="1">
+            <a:schemeClr val="accent1"/>
+          </a:lnRef>
+          <a:fillRef idx="0">
+            <a:schemeClr val="accent1"/>
+          </a:fillRef>
+          <a:effectRef idx="0">
+            <a:schemeClr val="accent1"/>
+          </a:effectRef>
+          <a:fontRef idx="minor">
+            <a:schemeClr val="tx1"/>
+          </a:fontRef>
+        </p:style>
+      </p:cxnSp>
+      <p:cxnSp>
+        <p:nvCxnSpPr>
+          <p:cNvPr id="15" name="Connecteur droit 14">
+            <a:extLst>
+              <a:ext uri="{FF2B5EF4-FFF2-40B4-BE49-F238E27FC236}">
+                <a16:creationId xmlns:a16="http://schemas.microsoft.com/office/drawing/2014/main" id="{BC04E35F-F2D1-9F52-E91C-C498169640B4}"/>
+              </a:ext>
+            </a:extLst>
+          </p:cNvPr>
+          <p:cNvCxnSpPr>
+            <a:endCxn id="7" idx="1"/>
+          </p:cNvCxnSpPr>
+          <p:nvPr/>
+        </p:nvCxnSpPr>
+        <p:spPr>
+          <a:xfrm>
+            <a:off x="8156862" y="4041648"/>
+            <a:ext cx="1066386" cy="453514"/>
+          </a:xfrm>
+          <a:prstGeom prst="line">
+            <a:avLst/>
+          </a:prstGeom>
+        </p:spPr>
+        <p:style>
+          <a:lnRef idx="1">
+            <a:schemeClr val="accent1"/>
+          </a:lnRef>
+          <a:fillRef idx="0">
+            <a:schemeClr val="accent1"/>
+          </a:fillRef>
+          <a:effectRef idx="0">
+            <a:schemeClr val="accent1"/>
+          </a:effectRef>
+          <a:fontRef idx="minor">
+            <a:schemeClr val="tx1"/>
+          </a:fontRef>
+        </p:style>
+      </p:cxnSp>
+      <p:cxnSp>
+        <p:nvCxnSpPr>
+          <p:cNvPr id="17" name="Connecteur droit 16">
+            <a:extLst>
+              <a:ext uri="{FF2B5EF4-FFF2-40B4-BE49-F238E27FC236}">
+                <a16:creationId xmlns:a16="http://schemas.microsoft.com/office/drawing/2014/main" id="{768E9A5E-CC9C-FFB0-4F16-2D4656BCC758}"/>
+              </a:ext>
+            </a:extLst>
+          </p:cNvPr>
+          <p:cNvCxnSpPr>
+            <a:endCxn id="8" idx="1"/>
+          </p:cNvCxnSpPr>
+          <p:nvPr/>
+        </p:nvCxnSpPr>
+        <p:spPr>
+          <a:xfrm>
+            <a:off x="8156862" y="4041648"/>
+            <a:ext cx="1066386" cy="1146933"/>
+          </a:xfrm>
+          <a:prstGeom prst="line">
+            <a:avLst/>
+          </a:prstGeom>
+        </p:spPr>
+        <p:style>
+          <a:lnRef idx="1">
+            <a:schemeClr val="accent1"/>
+          </a:lnRef>
+          <a:fillRef idx="0">
+            <a:schemeClr val="accent1"/>
+          </a:fillRef>
+          <a:effectRef idx="0">
+            <a:schemeClr val="accent1"/>
+          </a:effectRef>
+          <a:fontRef idx="minor">
+            <a:schemeClr val="tx1"/>
+          </a:fontRef>
+        </p:style>
+      </p:cxnSp>
     </p:spTree>
     <p:extLst>
       <p:ext uri="{BB962C8B-B14F-4D97-AF65-F5344CB8AC3E}">
@@ -19248,6 +20348,911 @@
 </file>
 
 <file path=ppt/slides/slide5.xml><?xml version="1.0" encoding="utf-8"?>
+<p:sld xmlns:a="http://schemas.openxmlformats.org/drawingml/2006/main" xmlns:r="http://schemas.openxmlformats.org/officeDocument/2006/relationships" xmlns:p="http://schemas.openxmlformats.org/presentationml/2006/main">
+  <p:cSld>
+    <p:spTree>
+      <p:nvGrpSpPr>
+        <p:cNvPr id="1" name=""/>
+        <p:cNvGrpSpPr/>
+        <p:nvPr/>
+      </p:nvGrpSpPr>
+      <p:grpSpPr>
+        <a:xfrm>
+          <a:off x="0" y="0"/>
+          <a:ext cx="0" cy="0"/>
+          <a:chOff x="0" y="0"/>
+          <a:chExt cx="0" cy="0"/>
+        </a:xfrm>
+      </p:grpSpPr>
+      <p:pic>
+        <p:nvPicPr>
+          <p:cNvPr id="8" name="Image 7">
+            <a:extLst>
+              <a:ext uri="{FF2B5EF4-FFF2-40B4-BE49-F238E27FC236}">
+                <a16:creationId xmlns:a16="http://schemas.microsoft.com/office/drawing/2014/main" id="{D779FF44-DC67-0B3E-A2BF-260582A605D8}"/>
+              </a:ext>
+            </a:extLst>
+          </p:cNvPr>
+          <p:cNvPicPr>
+            <a:picLocks noChangeAspect="1"/>
+          </p:cNvPicPr>
+          <p:nvPr/>
+        </p:nvPicPr>
+        <p:blipFill>
+          <a:blip r:embed="rId3"/>
+          <a:stretch>
+            <a:fillRect/>
+          </a:stretch>
+        </p:blipFill>
+        <p:spPr>
+          <a:xfrm>
+            <a:off x="-1520326" y="648144"/>
+            <a:ext cx="8901628" cy="6289000"/>
+          </a:xfrm>
+          <a:prstGeom prst="rect">
+            <a:avLst/>
+          </a:prstGeom>
+        </p:spPr>
+      </p:pic>
+      <p:sp>
+        <p:nvSpPr>
+          <p:cNvPr id="4" name="Espace réservé du numéro de diapositive 3">
+            <a:extLst>
+              <a:ext uri="{FF2B5EF4-FFF2-40B4-BE49-F238E27FC236}">
+                <a16:creationId xmlns:a16="http://schemas.microsoft.com/office/drawing/2014/main" id="{42D609BE-E5A6-D226-C909-1F86652EFCF2}"/>
+              </a:ext>
+            </a:extLst>
+          </p:cNvPr>
+          <p:cNvSpPr>
+            <a:spLocks noGrp="1"/>
+          </p:cNvSpPr>
+          <p:nvPr>
+            <p:ph type="sldNum" sz="quarter" idx="12"/>
+          </p:nvPr>
+        </p:nvSpPr>
+        <p:spPr/>
+        <p:txBody>
+          <a:bodyPr/>
+          <a:lstStyle/>
+          <a:p>
+            <a:pPr rtl="0"/>
+            <a:fld id="{4FAB73BC-B049-4115-A692-8D63A059BFB8}" type="slidenum">
+              <a:rPr lang="fr-FR" noProof="0" smtClean="0"/>
+              <a:t>5</a:t>
+            </a:fld>
+            <a:endParaRPr lang="fr-FR" noProof="0"/>
+          </a:p>
+        </p:txBody>
+      </p:sp>
+      <p:sp>
+        <p:nvSpPr>
+          <p:cNvPr id="7" name="Titre 1">
+            <a:extLst>
+              <a:ext uri="{FF2B5EF4-FFF2-40B4-BE49-F238E27FC236}">
+                <a16:creationId xmlns:a16="http://schemas.microsoft.com/office/drawing/2014/main" id="{E1B1E6DF-2B97-8E82-E3B6-E602B2FC28A3}"/>
+              </a:ext>
+            </a:extLst>
+          </p:cNvPr>
+          <p:cNvSpPr txBox="1">
+            <a:spLocks/>
+          </p:cNvSpPr>
+          <p:nvPr/>
+        </p:nvSpPr>
+        <p:spPr>
+          <a:xfrm>
+            <a:off x="399288" y="33528"/>
+            <a:ext cx="10881360" cy="1609344"/>
+          </a:xfrm>
+          <a:prstGeom prst="rect">
+            <a:avLst/>
+          </a:prstGeom>
+        </p:spPr>
+        <p:txBody>
+          <a:bodyPr vert="horz" lIns="91440" tIns="45720" rIns="91440" bIns="45720" rtlCol="0" anchor="ctr">
+            <a:normAutofit/>
+          </a:bodyPr>
+          <a:lstStyle>
+            <a:lvl1pPr algn="l" defTabSz="914400" rtl="0" eaLnBrk="1" latinLnBrk="0" hangingPunct="1">
+              <a:lnSpc>
+                <a:spcPct val="90000"/>
+              </a:lnSpc>
+              <a:spcBef>
+                <a:spcPct val="0"/>
+              </a:spcBef>
+              <a:buNone/>
+              <a:defRPr sz="5400" kern="1200" cap="all" baseline="0">
+                <a:blipFill>
+                  <a:blip r:embed="rId4">
+                    <a:extLst>
+                      <a:ext uri="{28A0092B-C50C-407E-A947-70E740481C1C}">
+                        <a14:useLocalDpi xmlns:a14="http://schemas.microsoft.com/office/drawing/2010/main" val="0"/>
+                      </a:ext>
+                    </a:extLst>
+                  </a:blip>
+                  <a:tile tx="6350" ty="-127000" sx="65000" sy="64000" flip="none" algn="tl"/>
+                </a:blipFill>
+                <a:latin typeface="+mj-lt"/>
+                <a:ea typeface="+mj-ea"/>
+                <a:cs typeface="+mj-cs"/>
+              </a:defRPr>
+            </a:lvl1pPr>
+          </a:lstStyle>
+          <a:p>
+            <a:r>
+              <a:rPr lang="fr-FR" sz="4800" dirty="0"/>
+              <a:t>Qu’est-ce que </a:t>
+            </a:r>
+            <a:r>
+              <a:rPr lang="fr-FR" sz="4800" dirty="0" err="1"/>
+              <a:t>React</a:t>
+            </a:r>
+            <a:r>
+              <a:rPr lang="fr-FR" sz="4800" dirty="0"/>
+              <a:t> ? Pourquoi ?</a:t>
+            </a:r>
+          </a:p>
+        </p:txBody>
+      </p:sp>
+      <p:sp>
+        <p:nvSpPr>
+          <p:cNvPr id="10" name="ZoneTexte 9">
+            <a:extLst>
+              <a:ext uri="{FF2B5EF4-FFF2-40B4-BE49-F238E27FC236}">
+                <a16:creationId xmlns:a16="http://schemas.microsoft.com/office/drawing/2014/main" id="{A788305F-2510-A2CA-4C48-14DC37BF2A21}"/>
+              </a:ext>
+            </a:extLst>
+          </p:cNvPr>
+          <p:cNvSpPr txBox="1"/>
+          <p:nvPr/>
+        </p:nvSpPr>
+        <p:spPr>
+          <a:xfrm>
+            <a:off x="5943173" y="2007852"/>
+            <a:ext cx="4989058" cy="369332"/>
+          </a:xfrm>
+          <a:prstGeom prst="rect">
+            <a:avLst/>
+          </a:prstGeom>
+          <a:noFill/>
+        </p:spPr>
+        <p:txBody>
+          <a:bodyPr wrap="none" rtlCol="0">
+            <a:spAutoFit/>
+          </a:bodyPr>
+          <a:lstStyle/>
+          <a:p>
+            <a:r>
+              <a:rPr lang="fr-FR" dirty="0" err="1"/>
+              <a:t>React</a:t>
+            </a:r>
+            <a:r>
+              <a:rPr lang="fr-FR" dirty="0"/>
+              <a:t> est une bibliothèque JavaScript frontale</a:t>
+            </a:r>
+          </a:p>
+        </p:txBody>
+      </p:sp>
+      <p:sp>
+        <p:nvSpPr>
+          <p:cNvPr id="11" name="ZoneTexte 10">
+            <a:extLst>
+              <a:ext uri="{FF2B5EF4-FFF2-40B4-BE49-F238E27FC236}">
+                <a16:creationId xmlns:a16="http://schemas.microsoft.com/office/drawing/2014/main" id="{3CF6C828-8478-637E-1BCC-138AAE2B3901}"/>
+              </a:ext>
+            </a:extLst>
+          </p:cNvPr>
+          <p:cNvSpPr txBox="1"/>
+          <p:nvPr/>
+        </p:nvSpPr>
+        <p:spPr>
+          <a:xfrm>
+            <a:off x="5943173" y="2684492"/>
+            <a:ext cx="6248827" cy="646331"/>
+          </a:xfrm>
+          <a:prstGeom prst="rect">
+            <a:avLst/>
+          </a:prstGeom>
+          <a:noFill/>
+        </p:spPr>
+        <p:txBody>
+          <a:bodyPr wrap="none" rtlCol="0">
+            <a:spAutoFit/>
+          </a:bodyPr>
+          <a:lstStyle/>
+          <a:p>
+            <a:r>
+              <a:rPr lang="fr-FR" dirty="0"/>
+              <a:t>Créer des interfaces utilisateur spécifiquement pour des </a:t>
+            </a:r>
+            <a:br>
+              <a:rPr lang="fr-FR" dirty="0"/>
+            </a:br>
+            <a:r>
+              <a:rPr lang="fr-FR" dirty="0"/>
+              <a:t>applications </a:t>
+            </a:r>
+            <a:r>
+              <a:rPr lang="fr-FR" dirty="0" err="1"/>
+              <a:t>monopages</a:t>
+            </a:r>
+            <a:r>
+              <a:rPr lang="fr-FR" dirty="0"/>
+              <a:t> ou mobiles</a:t>
+            </a:r>
+          </a:p>
+        </p:txBody>
+      </p:sp>
+      <p:sp>
+        <p:nvSpPr>
+          <p:cNvPr id="12" name="ZoneTexte 11">
+            <a:extLst>
+              <a:ext uri="{FF2B5EF4-FFF2-40B4-BE49-F238E27FC236}">
+                <a16:creationId xmlns:a16="http://schemas.microsoft.com/office/drawing/2014/main" id="{C64218CF-ACC8-9B8B-E4E6-5C252206229D}"/>
+              </a:ext>
+            </a:extLst>
+          </p:cNvPr>
+          <p:cNvSpPr txBox="1"/>
+          <p:nvPr/>
+        </p:nvSpPr>
+        <p:spPr>
+          <a:xfrm>
+            <a:off x="5943173" y="3638131"/>
+            <a:ext cx="5002588" cy="369332"/>
+          </a:xfrm>
+          <a:prstGeom prst="rect">
+            <a:avLst/>
+          </a:prstGeom>
+          <a:noFill/>
+        </p:spPr>
+        <p:txBody>
+          <a:bodyPr wrap="none" rtlCol="0">
+            <a:spAutoFit/>
+          </a:bodyPr>
+          <a:lstStyle/>
+          <a:p>
+            <a:r>
+              <a:rPr lang="fr-FR" dirty="0"/>
+              <a:t>DOM virtuel est plus rapide que DOM normal</a:t>
+            </a:r>
+          </a:p>
+        </p:txBody>
+      </p:sp>
+      <p:sp>
+        <p:nvSpPr>
+          <p:cNvPr id="13" name="ZoneTexte 12">
+            <a:extLst>
+              <a:ext uri="{FF2B5EF4-FFF2-40B4-BE49-F238E27FC236}">
+                <a16:creationId xmlns:a16="http://schemas.microsoft.com/office/drawing/2014/main" id="{BAD1E055-3687-F827-ECE2-D943B4394D0E}"/>
+              </a:ext>
+            </a:extLst>
+          </p:cNvPr>
+          <p:cNvSpPr txBox="1"/>
+          <p:nvPr/>
+        </p:nvSpPr>
+        <p:spPr>
+          <a:xfrm>
+            <a:off x="5943173" y="4372443"/>
+            <a:ext cx="5778774" cy="646331"/>
+          </a:xfrm>
+          <a:prstGeom prst="rect">
+            <a:avLst/>
+          </a:prstGeom>
+          <a:noFill/>
+        </p:spPr>
+        <p:txBody>
+          <a:bodyPr wrap="square" rtlCol="0">
+            <a:spAutoFit/>
+          </a:bodyPr>
+          <a:lstStyle/>
+          <a:p>
+            <a:r>
+              <a:rPr lang="fr-FR" dirty="0"/>
+              <a:t>L’objectif principal de </a:t>
+            </a:r>
+            <a:r>
+              <a:rPr lang="fr-FR" dirty="0" err="1"/>
+              <a:t>React</a:t>
+            </a:r>
+            <a:r>
+              <a:rPr lang="fr-FR" dirty="0"/>
+              <a:t> est d’être rapide, évolutif et simple</a:t>
+            </a:r>
+          </a:p>
+        </p:txBody>
+      </p:sp>
+      <p:sp>
+        <p:nvSpPr>
+          <p:cNvPr id="14" name="Titre 1">
+            <a:extLst>
+              <a:ext uri="{FF2B5EF4-FFF2-40B4-BE49-F238E27FC236}">
+                <a16:creationId xmlns:a16="http://schemas.microsoft.com/office/drawing/2014/main" id="{BCAE2539-26F7-486C-A8E5-C64F46DA2BF9}"/>
+              </a:ext>
+            </a:extLst>
+          </p:cNvPr>
+          <p:cNvSpPr txBox="1">
+            <a:spLocks/>
+          </p:cNvSpPr>
+          <p:nvPr/>
+        </p:nvSpPr>
+        <p:spPr>
+          <a:xfrm>
+            <a:off x="399288" y="19802"/>
+            <a:ext cx="10881360" cy="1609344"/>
+          </a:xfrm>
+          <a:prstGeom prst="rect">
+            <a:avLst/>
+          </a:prstGeom>
+        </p:spPr>
+        <p:txBody>
+          <a:bodyPr vert="horz" lIns="91440" tIns="45720" rIns="91440" bIns="45720" rtlCol="0" anchor="ctr">
+            <a:normAutofit/>
+          </a:bodyPr>
+          <a:lstStyle>
+            <a:lvl1pPr algn="l" defTabSz="914400" rtl="0" eaLnBrk="1" latinLnBrk="0" hangingPunct="1">
+              <a:lnSpc>
+                <a:spcPct val="90000"/>
+              </a:lnSpc>
+              <a:spcBef>
+                <a:spcPct val="0"/>
+              </a:spcBef>
+              <a:buNone/>
+              <a:defRPr sz="5400" kern="1200" cap="all" baseline="0">
+                <a:blipFill>
+                  <a:blip r:embed="rId4">
+                    <a:extLst>
+                      <a:ext uri="{28A0092B-C50C-407E-A947-70E740481C1C}">
+                        <a14:useLocalDpi xmlns:a14="http://schemas.microsoft.com/office/drawing/2010/main" val="0"/>
+                      </a:ext>
+                    </a:extLst>
+                  </a:blip>
+                  <a:tile tx="6350" ty="-127000" sx="65000" sy="64000" flip="none" algn="tl"/>
+                </a:blipFill>
+                <a:latin typeface="+mj-lt"/>
+                <a:ea typeface="+mj-ea"/>
+                <a:cs typeface="+mj-cs"/>
+              </a:defRPr>
+            </a:lvl1pPr>
+          </a:lstStyle>
+          <a:p>
+            <a:r>
+              <a:rPr lang="fr-FR" sz="4800" dirty="0"/>
+              <a:t>Création </a:t>
+            </a:r>
+            <a:r>
+              <a:rPr lang="fr-FR" sz="4800" dirty="0" err="1"/>
+              <a:t>react</a:t>
+            </a:r>
+            <a:r>
+              <a:rPr lang="fr-FR" sz="4800" dirty="0"/>
+              <a:t> app</a:t>
+            </a:r>
+          </a:p>
+        </p:txBody>
+      </p:sp>
+      <p:sp>
+        <p:nvSpPr>
+          <p:cNvPr id="15" name="ZoneTexte 14">
+            <a:extLst>
+              <a:ext uri="{FF2B5EF4-FFF2-40B4-BE49-F238E27FC236}">
+                <a16:creationId xmlns:a16="http://schemas.microsoft.com/office/drawing/2014/main" id="{F3944273-93E0-E0FD-B3CE-41DB62A506A3}"/>
+              </a:ext>
+            </a:extLst>
+          </p:cNvPr>
+          <p:cNvSpPr txBox="1"/>
+          <p:nvPr/>
+        </p:nvSpPr>
+        <p:spPr>
+          <a:xfrm>
+            <a:off x="399288" y="1266108"/>
+            <a:ext cx="4148380" cy="369332"/>
+          </a:xfrm>
+          <a:prstGeom prst="rect">
+            <a:avLst/>
+          </a:prstGeom>
+          <a:noFill/>
+        </p:spPr>
+        <p:txBody>
+          <a:bodyPr wrap="none" rtlCol="0">
+            <a:spAutoFit/>
+          </a:bodyPr>
+          <a:lstStyle/>
+          <a:p>
+            <a:r>
+              <a:rPr lang="fr-FR" dirty="0" err="1"/>
+              <a:t>Npx</a:t>
+            </a:r>
+            <a:r>
+              <a:rPr lang="fr-FR" dirty="0"/>
+              <a:t> </a:t>
+            </a:r>
+            <a:r>
+              <a:rPr lang="fr-FR" dirty="0" err="1"/>
+              <a:t>create</a:t>
+            </a:r>
+            <a:r>
+              <a:rPr lang="fr-FR" dirty="0"/>
+              <a:t>-</a:t>
+            </a:r>
+            <a:r>
+              <a:rPr lang="fr-FR" dirty="0" err="1"/>
+              <a:t>react</a:t>
+            </a:r>
+            <a:r>
+              <a:rPr lang="fr-FR" dirty="0"/>
+              <a:t>-app « nom dossier »</a:t>
+            </a:r>
+          </a:p>
+        </p:txBody>
+      </p:sp>
+      <p:pic>
+        <p:nvPicPr>
+          <p:cNvPr id="16" name="Image 15">
+            <a:extLst>
+              <a:ext uri="{FF2B5EF4-FFF2-40B4-BE49-F238E27FC236}">
+                <a16:creationId xmlns:a16="http://schemas.microsoft.com/office/drawing/2014/main" id="{318CDABD-B71F-2BFA-A43E-93BE3FDE646E}"/>
+              </a:ext>
+            </a:extLst>
+          </p:cNvPr>
+          <p:cNvPicPr>
+            <a:picLocks noChangeAspect="1"/>
+          </p:cNvPicPr>
+          <p:nvPr/>
+        </p:nvPicPr>
+        <p:blipFill rotWithShape="1">
+          <a:blip r:embed="rId5"/>
+          <a:srcRect b="18462"/>
+          <a:stretch/>
+        </p:blipFill>
+        <p:spPr>
+          <a:xfrm>
+            <a:off x="5409281" y="1382180"/>
+            <a:ext cx="5283091" cy="5055106"/>
+          </a:xfrm>
+          <a:prstGeom prst="rect">
+            <a:avLst/>
+          </a:prstGeom>
+        </p:spPr>
+      </p:pic>
+    </p:spTree>
+    <p:extLst>
+      <p:ext uri="{BB962C8B-B14F-4D97-AF65-F5344CB8AC3E}">
+        <p14:creationId xmlns:p14="http://schemas.microsoft.com/office/powerpoint/2010/main" val="2009757191"/>
+      </p:ext>
+    </p:extLst>
+  </p:cSld>
+  <p:clrMapOvr>
+    <a:masterClrMapping/>
+  </p:clrMapOvr>
+  <p:timing>
+    <p:tnLst>
+      <p:par>
+        <p:cTn id="1" dur="indefinite" restart="never" nodeType="tmRoot">
+          <p:childTnLst>
+            <p:seq concurrent="1" nextAc="seek">
+              <p:cTn id="2" dur="indefinite" nodeType="mainSeq">
+                <p:childTnLst>
+                  <p:par>
+                    <p:cTn id="3" fill="hold">
+                      <p:stCondLst>
+                        <p:cond delay="indefinite"/>
+                      </p:stCondLst>
+                      <p:childTnLst>
+                        <p:par>
+                          <p:cTn id="4" fill="hold">
+                            <p:stCondLst>
+                              <p:cond delay="0"/>
+                            </p:stCondLst>
+                            <p:childTnLst>
+                              <p:par>
+                                <p:cTn id="5" presetID="10" presetClass="exit" presetSubtype="0" fill="hold" grpId="0" nodeType="clickEffect">
+                                  <p:stCondLst>
+                                    <p:cond delay="0"/>
+                                  </p:stCondLst>
+                                  <p:childTnLst>
+                                    <p:animEffect transition="out" filter="fade">
+                                      <p:cBhvr>
+                                        <p:cTn id="6" dur="500"/>
+                                        <p:tgtEl>
+                                          <p:spTgt spid="10"/>
+                                        </p:tgtEl>
+                                      </p:cBhvr>
+                                    </p:animEffect>
+                                    <p:set>
+                                      <p:cBhvr>
+                                        <p:cTn id="7" dur="1" fill="hold">
+                                          <p:stCondLst>
+                                            <p:cond delay="499"/>
+                                          </p:stCondLst>
+                                        </p:cTn>
+                                        <p:tgtEl>
+                                          <p:spTgt spid="10"/>
+                                        </p:tgtEl>
+                                        <p:attrNameLst>
+                                          <p:attrName>style.visibility</p:attrName>
+                                        </p:attrNameLst>
+                                      </p:cBhvr>
+                                      <p:to>
+                                        <p:strVal val="hidden"/>
+                                      </p:to>
+                                    </p:set>
+                                  </p:childTnLst>
+                                </p:cTn>
+                              </p:par>
+                              <p:par>
+                                <p:cTn id="8" presetID="10" presetClass="exit" presetSubtype="0" fill="hold" grpId="0" nodeType="withEffect">
+                                  <p:stCondLst>
+                                    <p:cond delay="0"/>
+                                  </p:stCondLst>
+                                  <p:childTnLst>
+                                    <p:animEffect transition="out" filter="fade">
+                                      <p:cBhvr>
+                                        <p:cTn id="9" dur="500"/>
+                                        <p:tgtEl>
+                                          <p:spTgt spid="11"/>
+                                        </p:tgtEl>
+                                      </p:cBhvr>
+                                    </p:animEffect>
+                                    <p:set>
+                                      <p:cBhvr>
+                                        <p:cTn id="10" dur="1" fill="hold">
+                                          <p:stCondLst>
+                                            <p:cond delay="499"/>
+                                          </p:stCondLst>
+                                        </p:cTn>
+                                        <p:tgtEl>
+                                          <p:spTgt spid="11"/>
+                                        </p:tgtEl>
+                                        <p:attrNameLst>
+                                          <p:attrName>style.visibility</p:attrName>
+                                        </p:attrNameLst>
+                                      </p:cBhvr>
+                                      <p:to>
+                                        <p:strVal val="hidden"/>
+                                      </p:to>
+                                    </p:set>
+                                  </p:childTnLst>
+                                </p:cTn>
+                              </p:par>
+                              <p:par>
+                                <p:cTn id="11" presetID="10" presetClass="exit" presetSubtype="0" fill="hold" grpId="0" nodeType="withEffect">
+                                  <p:stCondLst>
+                                    <p:cond delay="0"/>
+                                  </p:stCondLst>
+                                  <p:childTnLst>
+                                    <p:animEffect transition="out" filter="fade">
+                                      <p:cBhvr>
+                                        <p:cTn id="12" dur="500"/>
+                                        <p:tgtEl>
+                                          <p:spTgt spid="12"/>
+                                        </p:tgtEl>
+                                      </p:cBhvr>
+                                    </p:animEffect>
+                                    <p:set>
+                                      <p:cBhvr>
+                                        <p:cTn id="13" dur="1" fill="hold">
+                                          <p:stCondLst>
+                                            <p:cond delay="499"/>
+                                          </p:stCondLst>
+                                        </p:cTn>
+                                        <p:tgtEl>
+                                          <p:spTgt spid="12"/>
+                                        </p:tgtEl>
+                                        <p:attrNameLst>
+                                          <p:attrName>style.visibility</p:attrName>
+                                        </p:attrNameLst>
+                                      </p:cBhvr>
+                                      <p:to>
+                                        <p:strVal val="hidden"/>
+                                      </p:to>
+                                    </p:set>
+                                  </p:childTnLst>
+                                </p:cTn>
+                              </p:par>
+                              <p:par>
+                                <p:cTn id="14" presetID="10" presetClass="exit" presetSubtype="0" fill="hold" grpId="0" nodeType="withEffect">
+                                  <p:stCondLst>
+                                    <p:cond delay="0"/>
+                                  </p:stCondLst>
+                                  <p:childTnLst>
+                                    <p:animEffect transition="out" filter="fade">
+                                      <p:cBhvr>
+                                        <p:cTn id="15" dur="500"/>
+                                        <p:tgtEl>
+                                          <p:spTgt spid="13"/>
+                                        </p:tgtEl>
+                                      </p:cBhvr>
+                                    </p:animEffect>
+                                    <p:set>
+                                      <p:cBhvr>
+                                        <p:cTn id="16" dur="1" fill="hold">
+                                          <p:stCondLst>
+                                            <p:cond delay="499"/>
+                                          </p:stCondLst>
+                                        </p:cTn>
+                                        <p:tgtEl>
+                                          <p:spTgt spid="13"/>
+                                        </p:tgtEl>
+                                        <p:attrNameLst>
+                                          <p:attrName>style.visibility</p:attrName>
+                                        </p:attrNameLst>
+                                      </p:cBhvr>
+                                      <p:to>
+                                        <p:strVal val="hidden"/>
+                                      </p:to>
+                                    </p:set>
+                                  </p:childTnLst>
+                                </p:cTn>
+                              </p:par>
+                              <p:par>
+                                <p:cTn id="17" presetID="10" presetClass="exit" presetSubtype="0" fill="hold" grpId="0" nodeType="withEffect">
+                                  <p:stCondLst>
+                                    <p:cond delay="0"/>
+                                  </p:stCondLst>
+                                  <p:childTnLst>
+                                    <p:animEffect transition="out" filter="fade">
+                                      <p:cBhvr>
+                                        <p:cTn id="18" dur="500"/>
+                                        <p:tgtEl>
+                                          <p:spTgt spid="7"/>
+                                        </p:tgtEl>
+                                      </p:cBhvr>
+                                    </p:animEffect>
+                                    <p:set>
+                                      <p:cBhvr>
+                                        <p:cTn id="19" dur="1" fill="hold">
+                                          <p:stCondLst>
+                                            <p:cond delay="499"/>
+                                          </p:stCondLst>
+                                        </p:cTn>
+                                        <p:tgtEl>
+                                          <p:spTgt spid="7"/>
+                                        </p:tgtEl>
+                                        <p:attrNameLst>
+                                          <p:attrName>style.visibility</p:attrName>
+                                        </p:attrNameLst>
+                                      </p:cBhvr>
+                                      <p:to>
+                                        <p:strVal val="hidden"/>
+                                      </p:to>
+                                    </p:set>
+                                  </p:childTnLst>
+                                </p:cTn>
+                              </p:par>
+                              <p:par>
+                                <p:cTn id="20" presetID="10" presetClass="exit" presetSubtype="0" fill="hold" nodeType="withEffect">
+                                  <p:stCondLst>
+                                    <p:cond delay="0"/>
+                                  </p:stCondLst>
+                                  <p:childTnLst>
+                                    <p:animEffect transition="out" filter="fade">
+                                      <p:cBhvr>
+                                        <p:cTn id="21" dur="500"/>
+                                        <p:tgtEl>
+                                          <p:spTgt spid="8"/>
+                                        </p:tgtEl>
+                                      </p:cBhvr>
+                                    </p:animEffect>
+                                    <p:set>
+                                      <p:cBhvr>
+                                        <p:cTn id="22" dur="1" fill="hold">
+                                          <p:stCondLst>
+                                            <p:cond delay="499"/>
+                                          </p:stCondLst>
+                                        </p:cTn>
+                                        <p:tgtEl>
+                                          <p:spTgt spid="8"/>
+                                        </p:tgtEl>
+                                        <p:attrNameLst>
+                                          <p:attrName>style.visibility</p:attrName>
+                                        </p:attrNameLst>
+                                      </p:cBhvr>
+                                      <p:to>
+                                        <p:strVal val="hidden"/>
+                                      </p:to>
+                                    </p:set>
+                                  </p:childTnLst>
+                                </p:cTn>
+                              </p:par>
+                            </p:childTnLst>
+                          </p:cTn>
+                        </p:par>
+                      </p:childTnLst>
+                    </p:cTn>
+                  </p:par>
+                  <p:par>
+                    <p:cTn id="23" fill="hold">
+                      <p:stCondLst>
+                        <p:cond delay="indefinite"/>
+                      </p:stCondLst>
+                      <p:childTnLst>
+                        <p:par>
+                          <p:cTn id="24" fill="hold">
+                            <p:stCondLst>
+                              <p:cond delay="0"/>
+                            </p:stCondLst>
+                            <p:childTnLst>
+                              <p:par>
+                                <p:cTn id="25" presetID="10" presetClass="entr" presetSubtype="0" fill="hold" grpId="0" nodeType="clickEffect">
+                                  <p:stCondLst>
+                                    <p:cond delay="0"/>
+                                  </p:stCondLst>
+                                  <p:childTnLst>
+                                    <p:set>
+                                      <p:cBhvr>
+                                        <p:cTn id="26" dur="1" fill="hold">
+                                          <p:stCondLst>
+                                            <p:cond delay="0"/>
+                                          </p:stCondLst>
+                                        </p:cTn>
+                                        <p:tgtEl>
+                                          <p:spTgt spid="14"/>
+                                        </p:tgtEl>
+                                        <p:attrNameLst>
+                                          <p:attrName>style.visibility</p:attrName>
+                                        </p:attrNameLst>
+                                      </p:cBhvr>
+                                      <p:to>
+                                        <p:strVal val="visible"/>
+                                      </p:to>
+                                    </p:set>
+                                    <p:animEffect transition="in" filter="fade">
+                                      <p:cBhvr>
+                                        <p:cTn id="27" dur="500"/>
+                                        <p:tgtEl>
+                                          <p:spTgt spid="14"/>
+                                        </p:tgtEl>
+                                      </p:cBhvr>
+                                    </p:animEffect>
+                                  </p:childTnLst>
+                                </p:cTn>
+                              </p:par>
+                            </p:childTnLst>
+                          </p:cTn>
+                        </p:par>
+                      </p:childTnLst>
+                    </p:cTn>
+                  </p:par>
+                  <p:par>
+                    <p:cTn id="28" fill="hold">
+                      <p:stCondLst>
+                        <p:cond delay="indefinite"/>
+                      </p:stCondLst>
+                      <p:childTnLst>
+                        <p:par>
+                          <p:cTn id="29" fill="hold">
+                            <p:stCondLst>
+                              <p:cond delay="0"/>
+                            </p:stCondLst>
+                            <p:childTnLst>
+                              <p:par>
+                                <p:cTn id="30" presetID="10" presetClass="entr" presetSubtype="0" fill="hold" grpId="0" nodeType="clickEffect">
+                                  <p:stCondLst>
+                                    <p:cond delay="0"/>
+                                  </p:stCondLst>
+                                  <p:childTnLst>
+                                    <p:set>
+                                      <p:cBhvr>
+                                        <p:cTn id="31" dur="1" fill="hold">
+                                          <p:stCondLst>
+                                            <p:cond delay="0"/>
+                                          </p:stCondLst>
+                                        </p:cTn>
+                                        <p:tgtEl>
+                                          <p:spTgt spid="15"/>
+                                        </p:tgtEl>
+                                        <p:attrNameLst>
+                                          <p:attrName>style.visibility</p:attrName>
+                                        </p:attrNameLst>
+                                      </p:cBhvr>
+                                      <p:to>
+                                        <p:strVal val="visible"/>
+                                      </p:to>
+                                    </p:set>
+                                    <p:animEffect transition="in" filter="fade">
+                                      <p:cBhvr>
+                                        <p:cTn id="32" dur="500"/>
+                                        <p:tgtEl>
+                                          <p:spTgt spid="15"/>
+                                        </p:tgtEl>
+                                      </p:cBhvr>
+                                    </p:animEffect>
+                                  </p:childTnLst>
+                                </p:cTn>
+                              </p:par>
+                            </p:childTnLst>
+                          </p:cTn>
+                        </p:par>
+                      </p:childTnLst>
+                    </p:cTn>
+                  </p:par>
+                  <p:par>
+                    <p:cTn id="33" fill="hold">
+                      <p:stCondLst>
+                        <p:cond delay="indefinite"/>
+                      </p:stCondLst>
+                      <p:childTnLst>
+                        <p:par>
+                          <p:cTn id="34" fill="hold">
+                            <p:stCondLst>
+                              <p:cond delay="0"/>
+                            </p:stCondLst>
+                            <p:childTnLst>
+                              <p:par>
+                                <p:cTn id="35" presetID="10" presetClass="entr" presetSubtype="0" fill="hold" nodeType="clickEffect">
+                                  <p:stCondLst>
+                                    <p:cond delay="0"/>
+                                  </p:stCondLst>
+                                  <p:childTnLst>
+                                    <p:set>
+                                      <p:cBhvr>
+                                        <p:cTn id="36" dur="1" fill="hold">
+                                          <p:stCondLst>
+                                            <p:cond delay="0"/>
+                                          </p:stCondLst>
+                                        </p:cTn>
+                                        <p:tgtEl>
+                                          <p:spTgt spid="16"/>
+                                        </p:tgtEl>
+                                        <p:attrNameLst>
+                                          <p:attrName>style.visibility</p:attrName>
+                                        </p:attrNameLst>
+                                      </p:cBhvr>
+                                      <p:to>
+                                        <p:strVal val="visible"/>
+                                      </p:to>
+                                    </p:set>
+                                    <p:animEffect transition="in" filter="fade">
+                                      <p:cBhvr>
+                                        <p:cTn id="37" dur="500"/>
+                                        <p:tgtEl>
+                                          <p:spTgt spid="16"/>
+                                        </p:tgtEl>
+                                      </p:cBhvr>
+                                    </p:animEffect>
+                                  </p:childTnLst>
+                                </p:cTn>
+                              </p:par>
+                            </p:childTnLst>
+                          </p:cTn>
+                        </p:par>
+                      </p:childTnLst>
+                    </p:cTn>
+                  </p:par>
+                </p:childTnLst>
+              </p:cTn>
+              <p:prevCondLst>
+                <p:cond evt="onPrev" delay="0">
+                  <p:tgtEl>
+                    <p:sldTgt/>
+                  </p:tgtEl>
+                </p:cond>
+              </p:prevCondLst>
+              <p:nextCondLst>
+                <p:cond evt="onNext" delay="0">
+                  <p:tgtEl>
+                    <p:sldTgt/>
+                  </p:tgtEl>
+                </p:cond>
+              </p:nextCondLst>
+            </p:seq>
+          </p:childTnLst>
+        </p:cTn>
+      </p:par>
+    </p:tnLst>
+    <p:bldLst>
+      <p:bldP spid="7" grpId="0"/>
+      <p:bldP spid="10" grpId="0"/>
+      <p:bldP spid="11" grpId="0"/>
+      <p:bldP spid="12" grpId="0"/>
+      <p:bldP spid="13" grpId="0"/>
+      <p:bldP spid="14" grpId="0"/>
+      <p:bldP spid="15" grpId="0"/>
+    </p:bldLst>
+  </p:timing>
+</p:sld>
+</file>
+
+<file path=ppt/slides/slide6.xml><?xml version="1.0" encoding="utf-8"?>
 <p:sld xmlns:a="http://schemas.openxmlformats.org/drawingml/2006/main" xmlns:r="http://schemas.openxmlformats.org/officeDocument/2006/relationships" xmlns:p="http://schemas.openxmlformats.org/presentationml/2006/main">
   <p:cSld>
     <p:spTree>
@@ -19350,7 +21355,7 @@
             <a:pPr rtl="0"/>
             <a:fld id="{4FAB73BC-B049-4115-A692-8D63A059BFB8}" type="slidenum">
               <a:rPr lang="fr-FR" noProof="0" smtClean="0"/>
-              <a:t>5</a:t>
+              <a:t>6</a:t>
             </a:fld>
             <a:endParaRPr lang="fr-FR" noProof="0"/>
           </a:p>
@@ -19369,7 +21374,7 @@
 </p:sld>
 </file>
 
-<file path=ppt/slides/slide6.xml><?xml version="1.0" encoding="utf-8"?>
+<file path=ppt/slides/slide7.xml><?xml version="1.0" encoding="utf-8"?>
 <p:sld xmlns:a="http://schemas.openxmlformats.org/drawingml/2006/main" xmlns:r="http://schemas.openxmlformats.org/officeDocument/2006/relationships" xmlns:p="http://schemas.openxmlformats.org/presentationml/2006/main">
   <p:cSld>
     <p:spTree>
@@ -19443,7 +21448,7 @@
             <a:pPr rtl="0"/>
             <a:fld id="{4FAB73BC-B049-4115-A692-8D63A059BFB8}" type="slidenum">
               <a:rPr lang="fr-FR" noProof="0" smtClean="0"/>
-              <a:t>6</a:t>
+              <a:t>7</a:t>
             </a:fld>
             <a:endParaRPr lang="fr-FR" noProof="0"/>
           </a:p>
@@ -19492,7 +21497,7 @@
 </p:sld>
 </file>
 
-<file path=ppt/slides/slide7.xml><?xml version="1.0" encoding="utf-8"?>
+<file path=ppt/slides/slide8.xml><?xml version="1.0" encoding="utf-8"?>
 <p:sld xmlns:a="http://schemas.openxmlformats.org/drawingml/2006/main" xmlns:r="http://schemas.openxmlformats.org/officeDocument/2006/relationships" xmlns:p="http://schemas.openxmlformats.org/presentationml/2006/main">
   <p:cSld>
     <p:spTree>
@@ -19566,7 +21571,7 @@
             <a:pPr rtl="0"/>
             <a:fld id="{4FAB73BC-B049-4115-A692-8D63A059BFB8}" type="slidenum">
               <a:rPr lang="fr-FR" noProof="0" smtClean="0"/>
-              <a:t>7</a:t>
+              <a:t>8</a:t>
             </a:fld>
             <a:endParaRPr lang="fr-FR" noProof="0"/>
           </a:p>
@@ -19615,7 +21620,7 @@
 </p:sld>
 </file>
 
-<file path=ppt/slides/slide8.xml><?xml version="1.0" encoding="utf-8"?>
+<file path=ppt/slides/slide9.xml><?xml version="1.0" encoding="utf-8"?>
 <p:sld xmlns:a="http://schemas.openxmlformats.org/drawingml/2006/main" xmlns:r="http://schemas.openxmlformats.org/officeDocument/2006/relationships" xmlns:p="http://schemas.openxmlformats.org/presentationml/2006/main">
   <p:cSld>
     <p:spTree>
@@ -19689,7 +21694,7 @@
             <a:pPr rtl="0"/>
             <a:fld id="{4FAB73BC-B049-4115-A692-8D63A059BFB8}" type="slidenum">
               <a:rPr lang="fr-FR" noProof="0" smtClean="0"/>
-              <a:t>8</a:t>
+              <a:t>9</a:t>
             </a:fld>
             <a:endParaRPr lang="fr-FR" noProof="0"/>
           </a:p>
@@ -19729,129 +21734,6 @@
     <p:extLst>
       <p:ext uri="{BB962C8B-B14F-4D97-AF65-F5344CB8AC3E}">
         <p14:creationId xmlns:p14="http://schemas.microsoft.com/office/powerpoint/2010/main" val="2797768001"/>
-      </p:ext>
-    </p:extLst>
-  </p:cSld>
-  <p:clrMapOvr>
-    <a:masterClrMapping/>
-  </p:clrMapOvr>
-</p:sld>
-</file>
-
-<file path=ppt/slides/slide9.xml><?xml version="1.0" encoding="utf-8"?>
-<p:sld xmlns:a="http://schemas.openxmlformats.org/drawingml/2006/main" xmlns:r="http://schemas.openxmlformats.org/officeDocument/2006/relationships" xmlns:p="http://schemas.openxmlformats.org/presentationml/2006/main">
-  <p:cSld>
-    <p:spTree>
-      <p:nvGrpSpPr>
-        <p:cNvPr id="1" name=""/>
-        <p:cNvGrpSpPr/>
-        <p:nvPr/>
-      </p:nvGrpSpPr>
-      <p:grpSpPr>
-        <a:xfrm>
-          <a:off x="0" y="0"/>
-          <a:ext cx="0" cy="0"/>
-          <a:chOff x="0" y="0"/>
-          <a:chExt cx="0" cy="0"/>
-        </a:xfrm>
-      </p:grpSpPr>
-      <p:sp>
-        <p:nvSpPr>
-          <p:cNvPr id="2" name="Titre 1">
-            <a:extLst>
-              <a:ext uri="{FF2B5EF4-FFF2-40B4-BE49-F238E27FC236}">
-                <a16:creationId xmlns:a16="http://schemas.microsoft.com/office/drawing/2014/main" id="{239187CC-2B35-158C-087E-865C0C88DC06}"/>
-              </a:ext>
-            </a:extLst>
-          </p:cNvPr>
-          <p:cNvSpPr>
-            <a:spLocks noGrp="1"/>
-          </p:cNvSpPr>
-          <p:nvPr>
-            <p:ph type="title"/>
-          </p:nvPr>
-        </p:nvSpPr>
-        <p:spPr>
-          <a:xfrm>
-            <a:off x="224118" y="0"/>
-            <a:ext cx="10058400" cy="1609344"/>
-          </a:xfrm>
-        </p:spPr>
-        <p:txBody>
-          <a:bodyPr/>
-          <a:lstStyle/>
-          <a:p>
-            <a:r>
-              <a:rPr lang="fr-FR" dirty="0"/>
-              <a:t>Explication src/page/about.js</a:t>
-            </a:r>
-          </a:p>
-        </p:txBody>
-      </p:sp>
-      <p:sp>
-        <p:nvSpPr>
-          <p:cNvPr id="4" name="Espace réservé du numéro de diapositive 3">
-            <a:extLst>
-              <a:ext uri="{FF2B5EF4-FFF2-40B4-BE49-F238E27FC236}">
-                <a16:creationId xmlns:a16="http://schemas.microsoft.com/office/drawing/2014/main" id="{28B4F1E4-2710-D55E-9BCA-03EFA978AC94}"/>
-              </a:ext>
-            </a:extLst>
-          </p:cNvPr>
-          <p:cNvSpPr>
-            <a:spLocks noGrp="1"/>
-          </p:cNvSpPr>
-          <p:nvPr>
-            <p:ph type="sldNum" sz="quarter" idx="12"/>
-          </p:nvPr>
-        </p:nvSpPr>
-        <p:spPr/>
-        <p:txBody>
-          <a:bodyPr/>
-          <a:lstStyle/>
-          <a:p>
-            <a:pPr rtl="0"/>
-            <a:fld id="{4FAB73BC-B049-4115-A692-8D63A059BFB8}" type="slidenum">
-              <a:rPr lang="fr-FR" noProof="0" smtClean="0"/>
-              <a:t>9</a:t>
-            </a:fld>
-            <a:endParaRPr lang="fr-FR" noProof="0"/>
-          </a:p>
-        </p:txBody>
-      </p:sp>
-      <p:pic>
-        <p:nvPicPr>
-          <p:cNvPr id="5" name="Image 4">
-            <a:extLst>
-              <a:ext uri="{FF2B5EF4-FFF2-40B4-BE49-F238E27FC236}">
-                <a16:creationId xmlns:a16="http://schemas.microsoft.com/office/drawing/2014/main" id="{79FE4741-E30A-8775-3086-0CC9C14474E7}"/>
-              </a:ext>
-            </a:extLst>
-          </p:cNvPr>
-          <p:cNvPicPr>
-            <a:picLocks noChangeAspect="1"/>
-          </p:cNvPicPr>
-          <p:nvPr/>
-        </p:nvPicPr>
-        <p:blipFill>
-          <a:blip r:embed="rId3"/>
-          <a:stretch>
-            <a:fillRect/>
-          </a:stretch>
-        </p:blipFill>
-        <p:spPr>
-          <a:xfrm>
-            <a:off x="3090862" y="1538287"/>
-            <a:ext cx="6010275" cy="4391025"/>
-          </a:xfrm>
-          <a:prstGeom prst="rect">
-            <a:avLst/>
-          </a:prstGeom>
-        </p:spPr>
-      </p:pic>
-    </p:spTree>
-    <p:extLst>
-      <p:ext uri="{BB962C8B-B14F-4D97-AF65-F5344CB8AC3E}">
-        <p14:creationId xmlns:p14="http://schemas.microsoft.com/office/powerpoint/2010/main" val="625295816"/>
       </p:ext>
     </p:extLst>
   </p:cSld>

--- a/Projet kasa.pptx
+++ b/Projet kasa.pptx
@@ -5,17 +5,17 @@
     <p:sldMasterId id="2147483852" r:id="rId4"/>
   </p:sldMasterIdLst>
   <p:notesMasterIdLst>
-    <p:notesMasterId r:id="rId19"/>
+    <p:notesMasterId r:id="rId20"/>
   </p:notesMasterIdLst>
   <p:handoutMasterIdLst>
-    <p:handoutMasterId r:id="rId20"/>
+    <p:handoutMasterId r:id="rId21"/>
   </p:handoutMasterIdLst>
   <p:sldIdLst>
     <p:sldId id="256" r:id="rId5"/>
     <p:sldId id="261" r:id="rId6"/>
     <p:sldId id="266" r:id="rId7"/>
-    <p:sldId id="274" r:id="rId8"/>
-    <p:sldId id="283" r:id="rId9"/>
+    <p:sldId id="283" r:id="rId8"/>
+    <p:sldId id="274" r:id="rId9"/>
     <p:sldId id="275" r:id="rId10"/>
     <p:sldId id="276" r:id="rId11"/>
     <p:sldId id="277" r:id="rId12"/>
@@ -23,8 +23,9 @@
     <p:sldId id="279" r:id="rId14"/>
     <p:sldId id="280" r:id="rId15"/>
     <p:sldId id="282" r:id="rId16"/>
-    <p:sldId id="281" r:id="rId17"/>
-    <p:sldId id="273" r:id="rId18"/>
+    <p:sldId id="284" r:id="rId17"/>
+    <p:sldId id="281" r:id="rId18"/>
+    <p:sldId id="273" r:id="rId19"/>
   </p:sldIdLst>
   <p:sldSz cx="12192000" cy="6858000"/>
   <p:notesSz cx="6858000" cy="9144000"/>
@@ -150,7 +151,7 @@
   <pc:docChgLst>
     <pc:chgData name="Romain Roguet" userId="7f6897c862d2ccb3" providerId="LiveId" clId="{A64FCBA7-90F5-47EC-A932-D6CE830A1D7E}"/>
     <pc:docChg chg="undo custSel addSld delSld modSld sldOrd">
-      <pc:chgData name="Romain Roguet" userId="7f6897c862d2ccb3" providerId="LiveId" clId="{A64FCBA7-90F5-47EC-A932-D6CE830A1D7E}" dt="2022-11-24T10:49:05.750" v="2207"/>
+      <pc:chgData name="Romain Roguet" userId="7f6897c862d2ccb3" providerId="LiveId" clId="{A64FCBA7-90F5-47EC-A932-D6CE830A1D7E}" dt="2022-11-28T20:46:06.870" v="2442" actId="20577"/>
       <pc:docMkLst>
         <pc:docMk/>
       </pc:docMkLst>
@@ -169,8 +170,8 @@
           </ac:picMkLst>
         </pc:picChg>
       </pc:sldChg>
-      <pc:sldChg chg="addSp delSp modSp mod">
-        <pc:chgData name="Romain Roguet" userId="7f6897c862d2ccb3" providerId="LiveId" clId="{A64FCBA7-90F5-47EC-A932-D6CE830A1D7E}" dt="2022-11-24T07:32:26.183" v="965" actId="478"/>
+      <pc:sldChg chg="addSp delSp modSp mod modNotesTx">
+        <pc:chgData name="Romain Roguet" userId="7f6897c862d2ccb3" providerId="LiveId" clId="{A64FCBA7-90F5-47EC-A932-D6CE830A1D7E}" dt="2022-11-28T20:42:06.993" v="2438" actId="20577"/>
         <pc:sldMkLst>
           <pc:docMk/>
           <pc:sldMk cId="4233814536" sldId="266"/>
@@ -308,7 +309,7 @@
         </pc:sldMkLst>
       </pc:sldChg>
       <pc:sldChg chg="addSp delSp modSp new mod modNotesTx">
-        <pc:chgData name="Romain Roguet" userId="7f6897c862d2ccb3" providerId="LiveId" clId="{A64FCBA7-90F5-47EC-A932-D6CE830A1D7E}" dt="2022-11-24T08:35:06.688" v="1009" actId="11529"/>
+        <pc:chgData name="Romain Roguet" userId="7f6897c862d2ccb3" providerId="LiveId" clId="{A64FCBA7-90F5-47EC-A932-D6CE830A1D7E}" dt="2022-11-28T20:35:51.083" v="2262" actId="1582"/>
         <pc:sldMkLst>
           <pc:docMk/>
           <pc:sldMk cId="2628974930" sldId="274"/>
@@ -425,32 +426,32 @@
             <ac:picMk id="4100" creationId="{094977B2-A196-1E28-A7F0-20BCB7F240B5}"/>
           </ac:picMkLst>
         </pc:picChg>
-        <pc:cxnChg chg="add">
-          <ac:chgData name="Romain Roguet" userId="7f6897c862d2ccb3" providerId="LiveId" clId="{A64FCBA7-90F5-47EC-A932-D6CE830A1D7E}" dt="2022-11-24T08:34:38.752" v="1006" actId="11529"/>
+        <pc:cxnChg chg="add mod">
+          <ac:chgData name="Romain Roguet" userId="7f6897c862d2ccb3" providerId="LiveId" clId="{A64FCBA7-90F5-47EC-A932-D6CE830A1D7E}" dt="2022-11-28T20:35:33.783" v="2259" actId="1582"/>
           <ac:cxnSpMkLst>
             <pc:docMk/>
             <pc:sldMk cId="2628974930" sldId="274"/>
             <ac:cxnSpMk id="10" creationId="{6268C6FD-371A-0730-B8B6-9FA4BC668F48}"/>
           </ac:cxnSpMkLst>
         </pc:cxnChg>
-        <pc:cxnChg chg="add">
-          <ac:chgData name="Romain Roguet" userId="7f6897c862d2ccb3" providerId="LiveId" clId="{A64FCBA7-90F5-47EC-A932-D6CE830A1D7E}" dt="2022-11-24T08:34:51.559" v="1007" actId="11529"/>
+        <pc:cxnChg chg="add mod">
+          <ac:chgData name="Romain Roguet" userId="7f6897c862d2ccb3" providerId="LiveId" clId="{A64FCBA7-90F5-47EC-A932-D6CE830A1D7E}" dt="2022-11-28T20:35:41.843" v="2260" actId="1582"/>
           <ac:cxnSpMkLst>
             <pc:docMk/>
             <pc:sldMk cId="2628974930" sldId="274"/>
             <ac:cxnSpMk id="13" creationId="{B96DD56A-8E26-0D00-4294-2E787145AF63}"/>
           </ac:cxnSpMkLst>
         </pc:cxnChg>
-        <pc:cxnChg chg="add">
-          <ac:chgData name="Romain Roguet" userId="7f6897c862d2ccb3" providerId="LiveId" clId="{A64FCBA7-90F5-47EC-A932-D6CE830A1D7E}" dt="2022-11-24T08:34:59.471" v="1008" actId="11529"/>
+        <pc:cxnChg chg="add mod">
+          <ac:chgData name="Romain Roguet" userId="7f6897c862d2ccb3" providerId="LiveId" clId="{A64FCBA7-90F5-47EC-A932-D6CE830A1D7E}" dt="2022-11-28T20:35:46.906" v="2261" actId="1582"/>
           <ac:cxnSpMkLst>
             <pc:docMk/>
             <pc:sldMk cId="2628974930" sldId="274"/>
             <ac:cxnSpMk id="15" creationId="{BC04E35F-F2D1-9F52-E91C-C498169640B4}"/>
           </ac:cxnSpMkLst>
         </pc:cxnChg>
-        <pc:cxnChg chg="add">
-          <ac:chgData name="Romain Roguet" userId="7f6897c862d2ccb3" providerId="LiveId" clId="{A64FCBA7-90F5-47EC-A932-D6CE830A1D7E}" dt="2022-11-24T08:35:06.688" v="1009" actId="11529"/>
+        <pc:cxnChg chg="add mod">
+          <ac:chgData name="Romain Roguet" userId="7f6897c862d2ccb3" providerId="LiveId" clId="{A64FCBA7-90F5-47EC-A932-D6CE830A1D7E}" dt="2022-11-28T20:35:51.083" v="2262" actId="1582"/>
           <ac:cxnSpMkLst>
             <pc:docMk/>
             <pc:sldMk cId="2628974930" sldId="274"/>
@@ -642,8 +643,8 @@
           </ac:picMkLst>
         </pc:picChg>
       </pc:sldChg>
-      <pc:sldChg chg="addSp delSp modSp add mod">
-        <pc:chgData name="Romain Roguet" userId="7f6897c862d2ccb3" providerId="LiveId" clId="{A64FCBA7-90F5-47EC-A932-D6CE830A1D7E}" dt="2022-11-03T09:28:36.481" v="963" actId="1076"/>
+      <pc:sldChg chg="addSp delSp modSp add mod modNotesTx">
+        <pc:chgData name="Romain Roguet" userId="7f6897c862d2ccb3" providerId="LiveId" clId="{A64FCBA7-90F5-47EC-A932-D6CE830A1D7E}" dt="2022-11-28T20:45:56.541" v="2441" actId="20577"/>
         <pc:sldMkLst>
           <pc:docMk/>
           <pc:sldMk cId="14306512" sldId="277"/>
@@ -757,8 +758,8 @@
           </ac:picMkLst>
         </pc:picChg>
       </pc:sldChg>
-      <pc:sldChg chg="addSp delSp modSp add mod">
-        <pc:chgData name="Romain Roguet" userId="7f6897c862d2ccb3" providerId="LiveId" clId="{A64FCBA7-90F5-47EC-A932-D6CE830A1D7E}" dt="2022-11-24T10:16:33.080" v="1095" actId="1076"/>
+      <pc:sldChg chg="addSp delSp modSp add mod modNotesTx">
+        <pc:chgData name="Romain Roguet" userId="7f6897c862d2ccb3" providerId="LiveId" clId="{A64FCBA7-90F5-47EC-A932-D6CE830A1D7E}" dt="2022-11-28T20:46:06.870" v="2442" actId="20577"/>
         <pc:sldMkLst>
           <pc:docMk/>
           <pc:sldMk cId="1780866632" sldId="281"/>
@@ -788,8 +789,8 @@
           </ac:picMkLst>
         </pc:picChg>
       </pc:sldChg>
-      <pc:sldChg chg="addSp delSp modSp add mod modNotesTx">
-        <pc:chgData name="Romain Roguet" userId="7f6897c862d2ccb3" providerId="LiveId" clId="{A64FCBA7-90F5-47EC-A932-D6CE830A1D7E}" dt="2022-11-24T10:16:14.360" v="1092" actId="1076"/>
+      <pc:sldChg chg="addSp delSp modSp add mod ord modNotesTx">
+        <pc:chgData name="Romain Roguet" userId="7f6897c862d2ccb3" providerId="LiveId" clId="{A64FCBA7-90F5-47EC-A932-D6CE830A1D7E}" dt="2022-11-28T20:42:51.628" v="2440"/>
         <pc:sldMkLst>
           <pc:docMk/>
           <pc:sldMk cId="2234992036" sldId="282"/>
@@ -833,8 +834,8 @@
           <pc:sldMk cId="1085544171" sldId="283"/>
         </pc:sldMkLst>
       </pc:sldChg>
-      <pc:sldChg chg="addSp delSp modSp new mod modAnim modNotesTx">
-        <pc:chgData name="Romain Roguet" userId="7f6897c862d2ccb3" providerId="LiveId" clId="{A64FCBA7-90F5-47EC-A932-D6CE830A1D7E}" dt="2022-11-24T10:49:05.750" v="2207"/>
+      <pc:sldChg chg="addSp delSp modSp new mod ord modAnim modNotesTx">
+        <pc:chgData name="Romain Roguet" userId="7f6897c862d2ccb3" providerId="LiveId" clId="{A64FCBA7-90F5-47EC-A932-D6CE830A1D7E}" dt="2022-11-28T20:34:11.104" v="2256" actId="20577"/>
         <pc:sldMkLst>
           <pc:docMk/>
           <pc:sldMk cId="2009757191" sldId="283"/>
@@ -949,6 +950,37 @@
             <pc:docMk/>
             <pc:sldMk cId="2009757191" sldId="283"/>
             <ac:picMk id="16" creationId="{318CDABD-B71F-2BFA-A43E-93BE3FDE646E}"/>
+          </ac:picMkLst>
+        </pc:picChg>
+      </pc:sldChg>
+      <pc:sldChg chg="addSp delSp modSp add mod">
+        <pc:chgData name="Romain Roguet" userId="7f6897c862d2ccb3" providerId="LiveId" clId="{A64FCBA7-90F5-47EC-A932-D6CE830A1D7E}" dt="2022-11-28T20:37:49.182" v="2345" actId="20577"/>
+        <pc:sldMkLst>
+          <pc:docMk/>
+          <pc:sldMk cId="3639721747" sldId="284"/>
+        </pc:sldMkLst>
+        <pc:spChg chg="mod">
+          <ac:chgData name="Romain Roguet" userId="7f6897c862d2ccb3" providerId="LiveId" clId="{A64FCBA7-90F5-47EC-A932-D6CE830A1D7E}" dt="2022-11-28T20:37:49.182" v="2345" actId="20577"/>
+          <ac:spMkLst>
+            <pc:docMk/>
+            <pc:sldMk cId="3639721747" sldId="284"/>
+            <ac:spMk id="2" creationId="{239187CC-2B35-158C-087E-865C0C88DC06}"/>
+          </ac:spMkLst>
+        </pc:spChg>
+        <pc:picChg chg="add mod">
+          <ac:chgData name="Romain Roguet" userId="7f6897c862d2ccb3" providerId="LiveId" clId="{A64FCBA7-90F5-47EC-A932-D6CE830A1D7E}" dt="2022-11-28T20:37:26.787" v="2271" actId="1076"/>
+          <ac:picMkLst>
+            <pc:docMk/>
+            <pc:sldMk cId="3639721747" sldId="284"/>
+            <ac:picMk id="5" creationId="{3A9D5457-E1D5-4DD7-662F-915A7F2654F2}"/>
+          </ac:picMkLst>
+        </pc:picChg>
+        <pc:picChg chg="del">
+          <ac:chgData name="Romain Roguet" userId="7f6897c862d2ccb3" providerId="LiveId" clId="{A64FCBA7-90F5-47EC-A932-D6CE830A1D7E}" dt="2022-11-28T20:37:12.839" v="2264" actId="478"/>
+          <ac:picMkLst>
+            <pc:docMk/>
+            <pc:sldMk cId="3639721747" sldId="284"/>
+            <ac:picMk id="6" creationId="{EF4C6DBF-FD12-D41A-6F76-AE80E975AEB8}"/>
           </ac:picMkLst>
         </pc:picChg>
       </pc:sldChg>
@@ -11311,7 +11343,7 @@
           <a:p>
             <a:fld id="{466DFA7E-443A-491A-A640-8C4DDCE0247A}" type="datetime1">
               <a:rPr lang="fr-FR" smtClean="0"/>
-              <a:t>24/11/2022</a:t>
+              <a:t>28/11/2022</a:t>
             </a:fld>
             <a:endParaRPr lang="fr-FR"/>
           </a:p>
@@ -11491,7 +11523,7 @@
             <a:pPr rtl="0"/>
             <a:fld id="{0BA29FF0-33D4-40EA-B065-6E756912E795}" type="datetime1">
               <a:rPr lang="fr-FR" noProof="0" smtClean="0"/>
-              <a:t>24/11/2022</a:t>
+              <a:t>28/11/2022</a:t>
             </a:fld>
             <a:endParaRPr lang="fr-FR" noProof="0"/>
           </a:p>
@@ -12146,48 +12178,7 @@
           <a:bodyPr/>
           <a:lstStyle/>
           <a:p>
-            <a:r>
-              <a:rPr lang="fr-FR" b="0" i="0" dirty="0">
-                <a:solidFill>
-                  <a:srgbClr val="000000"/>
-                </a:solidFill>
-                <a:effectLst/>
-                <a:latin typeface="Nunito" pitchFamily="2" charset="0"/>
-              </a:rPr>
-              <a:t>Le fichier </a:t>
-            </a:r>
-            <a:r>
-              <a:rPr lang="fr-FR" dirty="0"/>
-              <a:t>src/index.js</a:t>
-            </a:r>
-            <a:r>
-              <a:rPr lang="fr-FR" b="0" i="0" dirty="0">
-                <a:solidFill>
-                  <a:srgbClr val="000000"/>
-                </a:solidFill>
-                <a:effectLst/>
-                <a:latin typeface="Nunito" pitchFamily="2" charset="0"/>
-              </a:rPr>
-              <a:t> va permettre de récupérer nos composants et les afficher dans la </a:t>
-            </a:r>
-            <a:r>
-              <a:rPr lang="fr-FR" b="1" dirty="0"/>
-              <a:t>div root</a:t>
-            </a:r>
-            <a:r>
-              <a:rPr lang="fr-FR" b="1" i="0" dirty="0">
-                <a:solidFill>
-                  <a:srgbClr val="000000"/>
-                </a:solidFill>
-                <a:effectLst/>
-                <a:latin typeface="Nunito" pitchFamily="2" charset="0"/>
-              </a:rPr>
-              <a:t> de </a:t>
-            </a:r>
-            <a:r>
-              <a:rPr lang="fr-FR" b="1" dirty="0"/>
-              <a:t>public/index.html</a:t>
-            </a:r>
+            <a:endParaRPr lang="fr-FR" b="1" dirty="0"/>
           </a:p>
         </p:txBody>
       </p:sp>
@@ -12218,6 +12209,91 @@
     </p:spTree>
     <p:extLst>
       <p:ext uri="{BB962C8B-B14F-4D97-AF65-F5344CB8AC3E}">
+        <p14:creationId xmlns:p14="http://schemas.microsoft.com/office/powerpoint/2010/main" val="4028188015"/>
+      </p:ext>
+    </p:extLst>
+  </p:cSld>
+  <p:clrMapOvr>
+    <a:masterClrMapping/>
+  </p:clrMapOvr>
+</p:notes>
+</file>
+
+<file path=ppt/notesSlides/notesSlide14.xml><?xml version="1.0" encoding="utf-8"?>
+<p:notes xmlns:a="http://schemas.openxmlformats.org/drawingml/2006/main" xmlns:r="http://schemas.openxmlformats.org/officeDocument/2006/relationships" xmlns:p="http://schemas.openxmlformats.org/presentationml/2006/main">
+  <p:cSld>
+    <p:spTree>
+      <p:nvGrpSpPr>
+        <p:cNvPr id="1" name=""/>
+        <p:cNvGrpSpPr/>
+        <p:nvPr/>
+      </p:nvGrpSpPr>
+      <p:grpSpPr>
+        <a:xfrm>
+          <a:off x="0" y="0"/>
+          <a:ext cx="0" cy="0"/>
+          <a:chOff x="0" y="0"/>
+          <a:chExt cx="0" cy="0"/>
+        </a:xfrm>
+      </p:grpSpPr>
+      <p:sp>
+        <p:nvSpPr>
+          <p:cNvPr id="2" name="Espace réservé de l'image des diapositives 1"/>
+          <p:cNvSpPr>
+            <a:spLocks noGrp="1" noRot="1" noChangeAspect="1"/>
+          </p:cNvSpPr>
+          <p:nvPr>
+            <p:ph type="sldImg"/>
+          </p:nvPr>
+        </p:nvSpPr>
+        <p:spPr/>
+      </p:sp>
+      <p:sp>
+        <p:nvSpPr>
+          <p:cNvPr id="3" name="Espace réservé des notes 2"/>
+          <p:cNvSpPr>
+            <a:spLocks noGrp="1"/>
+          </p:cNvSpPr>
+          <p:nvPr>
+            <p:ph type="body" idx="1"/>
+          </p:nvPr>
+        </p:nvSpPr>
+        <p:spPr/>
+        <p:txBody>
+          <a:bodyPr/>
+          <a:lstStyle/>
+          <a:p>
+            <a:endParaRPr lang="fr-FR" b="1" dirty="0"/>
+          </a:p>
+        </p:txBody>
+      </p:sp>
+      <p:sp>
+        <p:nvSpPr>
+          <p:cNvPr id="4" name="Espace réservé du numéro de diapositive 3"/>
+          <p:cNvSpPr>
+            <a:spLocks noGrp="1"/>
+          </p:cNvSpPr>
+          <p:nvPr>
+            <p:ph type="sldNum" sz="quarter" idx="5"/>
+          </p:nvPr>
+        </p:nvSpPr>
+        <p:spPr/>
+        <p:txBody>
+          <a:bodyPr/>
+          <a:lstStyle/>
+          <a:p>
+            <a:pPr rtl="0"/>
+            <a:fld id="{D2D76E09-41B7-FE4E-B099-04DFD58B8CF1}" type="slidenum">
+              <a:rPr lang="fr-FR" noProof="0" smtClean="0"/>
+              <a:t>14</a:t>
+            </a:fld>
+            <a:endParaRPr lang="fr-FR" noProof="0"/>
+          </a:p>
+        </p:txBody>
+      </p:sp>
+    </p:spTree>
+    <p:extLst>
+      <p:ext uri="{BB962C8B-B14F-4D97-AF65-F5344CB8AC3E}">
         <p14:creationId xmlns:p14="http://schemas.microsoft.com/office/powerpoint/2010/main" val="2035526828"/>
       </p:ext>
     </p:extLst>
@@ -12228,7 +12304,7 @@
 </p:notes>
 </file>
 
-<file path=ppt/notesSlides/notesSlide14.xml><?xml version="1.0" encoding="utf-8"?>
+<file path=ppt/notesSlides/notesSlide15.xml><?xml version="1.0" encoding="utf-8"?>
 <p:notes xmlns:a="http://schemas.openxmlformats.org/drawingml/2006/main" xmlns:r="http://schemas.openxmlformats.org/officeDocument/2006/relationships" xmlns:p="http://schemas.openxmlformats.org/presentationml/2006/main">
   <p:cSld>
     <p:spTree>
@@ -12294,7 +12370,7 @@
             <a:pPr rtl="0"/>
             <a:fld id="{D2D76E09-41B7-FE4E-B099-04DFD58B8CF1}" type="slidenum">
               <a:rPr lang="fr-FR" noProof="0" smtClean="0"/>
-              <a:t>14</a:t>
+              <a:t>15</a:t>
             </a:fld>
             <a:endParaRPr lang="fr-FR" noProof="0"/>
           </a:p>
@@ -12442,7 +12518,307 @@
           <a:bodyPr/>
           <a:lstStyle/>
           <a:p>
-            <a:endParaRPr lang="fr-FR"/>
+            <a:r>
+              <a:rPr lang="fr-FR" dirty="0"/>
+              <a:t>1- </a:t>
+            </a:r>
+            <a:r>
+              <a:rPr lang="fr-FR" b="0" i="0" dirty="0" err="1">
+                <a:solidFill>
+                  <a:srgbClr val="271A38"/>
+                </a:solidFill>
+                <a:effectLst/>
+                <a:latin typeface="Inter"/>
+              </a:rPr>
+              <a:t>Kasa</a:t>
+            </a:r>
+            <a:r>
+              <a:rPr lang="fr-FR" b="0" i="0" dirty="0">
+                <a:solidFill>
+                  <a:srgbClr val="271A38"/>
+                </a:solidFill>
+                <a:effectLst/>
+                <a:latin typeface="Inter"/>
+              </a:rPr>
+              <a:t> est dans le métier de la location d’appartements entre particuliers depuis près de 10 ans maintenant</a:t>
+            </a:r>
+          </a:p>
+          <a:p>
+            <a:endParaRPr lang="fr-FR" b="0" i="0" dirty="0">
+              <a:solidFill>
+                <a:srgbClr val="271A38"/>
+              </a:solidFill>
+              <a:effectLst/>
+              <a:latin typeface="Inter"/>
+            </a:endParaRPr>
+          </a:p>
+          <a:p>
+            <a:r>
+              <a:rPr lang="fr-FR" b="0" i="0" dirty="0">
+                <a:solidFill>
+                  <a:srgbClr val="271A38"/>
+                </a:solidFill>
+                <a:effectLst/>
+                <a:latin typeface="Inter"/>
+              </a:rPr>
+              <a:t>2- Démarrer le projet </a:t>
+            </a:r>
+            <a:r>
+              <a:rPr lang="fr-FR" b="0" i="0" dirty="0" err="1">
+                <a:solidFill>
+                  <a:srgbClr val="271A38"/>
+                </a:solidFill>
+                <a:effectLst/>
+                <a:latin typeface="Inter"/>
+              </a:rPr>
+              <a:t>React</a:t>
+            </a:r>
+            <a:r>
+              <a:rPr lang="fr-FR" b="0" i="0" dirty="0">
+                <a:solidFill>
+                  <a:srgbClr val="271A38"/>
+                </a:solidFill>
+                <a:effectLst/>
+                <a:latin typeface="Inter"/>
+              </a:rPr>
+              <a:t> et développer l’ensemble de l’application, les composants </a:t>
+            </a:r>
+            <a:r>
+              <a:rPr lang="fr-FR" b="0" i="0" dirty="0" err="1">
+                <a:solidFill>
+                  <a:srgbClr val="271A38"/>
+                </a:solidFill>
+                <a:effectLst/>
+                <a:latin typeface="Inter"/>
+              </a:rPr>
+              <a:t>React</a:t>
+            </a:r>
+            <a:r>
+              <a:rPr lang="fr-FR" b="0" i="0" dirty="0">
+                <a:solidFill>
+                  <a:srgbClr val="271A38"/>
+                </a:solidFill>
+                <a:effectLst/>
+                <a:latin typeface="Inter"/>
+              </a:rPr>
+              <a:t>, les routes </a:t>
+            </a:r>
+            <a:r>
+              <a:rPr lang="fr-FR" b="0" i="0" dirty="0" err="1">
+                <a:solidFill>
+                  <a:srgbClr val="271A38"/>
+                </a:solidFill>
+                <a:effectLst/>
+                <a:latin typeface="Inter"/>
+              </a:rPr>
+              <a:t>React</a:t>
+            </a:r>
+            <a:r>
+              <a:rPr lang="fr-FR" b="0" i="0" dirty="0">
+                <a:solidFill>
+                  <a:srgbClr val="271A38"/>
+                </a:solidFill>
+                <a:effectLst/>
+                <a:latin typeface="Inter"/>
+              </a:rPr>
+              <a:t> Router, en suivant les maquettes </a:t>
+            </a:r>
+            <a:r>
+              <a:rPr lang="fr-FR" b="0" i="0" dirty="0" err="1">
+                <a:solidFill>
+                  <a:srgbClr val="271A38"/>
+                </a:solidFill>
+                <a:effectLst/>
+                <a:latin typeface="Inter"/>
+              </a:rPr>
+              <a:t>Figma</a:t>
+            </a:r>
+            <a:r>
+              <a:rPr lang="fr-FR" b="0" i="0" dirty="0">
+                <a:solidFill>
+                  <a:srgbClr val="271A38"/>
+                </a:solidFill>
+                <a:effectLst/>
+                <a:latin typeface="Inter"/>
+              </a:rPr>
+              <a:t> (responsives !)</a:t>
+            </a:r>
+          </a:p>
+          <a:p>
+            <a:endParaRPr lang="fr-FR" b="0" i="0" dirty="0">
+              <a:solidFill>
+                <a:srgbClr val="271A38"/>
+              </a:solidFill>
+              <a:effectLst/>
+              <a:latin typeface="Inter"/>
+            </a:endParaRPr>
+          </a:p>
+          <a:p>
+            <a:pPr algn="l">
+              <a:buFont typeface="Arial" panose="020B0604020202020204" pitchFamily="34" charset="0"/>
+              <a:buChar char="•"/>
+            </a:pPr>
+            <a:r>
+              <a:rPr lang="fr-FR" b="0" i="0" dirty="0">
+                <a:solidFill>
+                  <a:srgbClr val="271A38"/>
+                </a:solidFill>
+                <a:effectLst/>
+                <a:latin typeface="Inter"/>
+              </a:rPr>
+              <a:t>3-des photos </a:t>
+            </a:r>
+          </a:p>
+          <a:p>
+            <a:pPr lvl="1" algn="l">
+              <a:buFont typeface="Arial" panose="020B0604020202020204" pitchFamily="34" charset="0"/>
+              <a:buChar char="•"/>
+            </a:pPr>
+            <a:r>
+              <a:rPr lang="fr-FR" b="0" i="0" dirty="0">
+                <a:solidFill>
+                  <a:srgbClr val="271A38"/>
+                </a:solidFill>
+                <a:effectLst/>
+                <a:latin typeface="Inter"/>
+              </a:rPr>
+              <a:t>      Si l'utilisateur se trouve à la première image et qu'il clique sur "Image précédente", la galerie affiche la dernière image. </a:t>
+            </a:r>
+          </a:p>
+          <a:p>
+            <a:pPr marL="742950" lvl="1" indent="-285750" algn="l">
+              <a:buFont typeface="Arial" panose="020B0604020202020204" pitchFamily="34" charset="0"/>
+              <a:buChar char="•"/>
+            </a:pPr>
+            <a:r>
+              <a:rPr lang="fr-FR" b="0" i="0" dirty="0">
+                <a:solidFill>
+                  <a:srgbClr val="271A38"/>
+                </a:solidFill>
+                <a:effectLst/>
+                <a:latin typeface="Inter"/>
+              </a:rPr>
+              <a:t>Inversement, quand l'image affichée est la dernière de la galerie, si l'utilisateur clique sur "Image suivante", la galerie affiche la première image. </a:t>
+            </a:r>
+          </a:p>
+          <a:p>
+            <a:pPr marL="742950" lvl="1" indent="-285750" algn="l">
+              <a:buFont typeface="Arial" panose="020B0604020202020204" pitchFamily="34" charset="0"/>
+              <a:buChar char="•"/>
+            </a:pPr>
+            <a:r>
+              <a:rPr lang="fr-FR" b="0" i="0" dirty="0">
+                <a:solidFill>
+                  <a:srgbClr val="271A38"/>
+                </a:solidFill>
+                <a:effectLst/>
+                <a:latin typeface="Inter"/>
+              </a:rPr>
+              <a:t>S'il n'y a qu'une seule image, les boutons "Suivant" et "Précédent" n'apparaissent pas.</a:t>
+            </a:r>
+          </a:p>
+          <a:p>
+            <a:pPr marL="742950" lvl="1" indent="-285750" algn="l">
+              <a:buFont typeface="Arial" panose="020B0604020202020204" pitchFamily="34" charset="0"/>
+              <a:buChar char="•"/>
+            </a:pPr>
+            <a:r>
+              <a:rPr lang="fr-FR" b="0" i="0" dirty="0" err="1">
+                <a:solidFill>
+                  <a:srgbClr val="271A38"/>
+                </a:solidFill>
+                <a:effectLst/>
+                <a:latin typeface="Inter"/>
+              </a:rPr>
+              <a:t>Meme</a:t>
+            </a:r>
+            <a:r>
+              <a:rPr lang="fr-FR" b="0" i="0" dirty="0">
+                <a:solidFill>
+                  <a:srgbClr val="271A38"/>
+                </a:solidFill>
+                <a:effectLst/>
+                <a:latin typeface="Inter"/>
+              </a:rPr>
+              <a:t> hauteur coupées et centrées</a:t>
+            </a:r>
+          </a:p>
+          <a:p>
+            <a:pPr marL="742950" lvl="1" indent="-285750" algn="l">
+              <a:buFont typeface="Arial" panose="020B0604020202020204" pitchFamily="34" charset="0"/>
+              <a:buChar char="•"/>
+            </a:pPr>
+            <a:endParaRPr lang="fr-FR" b="0" i="0" dirty="0">
+              <a:solidFill>
+                <a:srgbClr val="271A38"/>
+              </a:solidFill>
+              <a:effectLst/>
+              <a:latin typeface="Inter"/>
+            </a:endParaRPr>
+          </a:p>
+          <a:p>
+            <a:pPr algn="l">
+              <a:buFont typeface="Arial" panose="020B0604020202020204" pitchFamily="34" charset="0"/>
+              <a:buChar char="•"/>
+            </a:pPr>
+            <a:r>
+              <a:rPr lang="fr-FR" b="0" i="0" dirty="0">
+                <a:solidFill>
+                  <a:srgbClr val="271A38"/>
+                </a:solidFill>
+                <a:effectLst/>
+                <a:latin typeface="Inter"/>
+              </a:rPr>
+              <a:t>Collapse : Par défaut, les Collapses sont fermés à l'initialisation de la page. </a:t>
+            </a:r>
+          </a:p>
+          <a:p>
+            <a:pPr algn="l">
+              <a:buFont typeface="Arial" panose="020B0604020202020204" pitchFamily="34" charset="0"/>
+              <a:buChar char="•"/>
+            </a:pPr>
+            <a:r>
+              <a:rPr lang="fr-FR" b="0" i="0" dirty="0">
+                <a:solidFill>
+                  <a:srgbClr val="271A38"/>
+                </a:solidFill>
+                <a:effectLst/>
+                <a:latin typeface="Inter"/>
+              </a:rPr>
+              <a:t>Si le Collapse est ouvert, le clic de l'utilisateur permet de le fermer.</a:t>
+            </a:r>
+          </a:p>
+          <a:p>
+            <a:pPr marL="742950" lvl="1" indent="-285750" algn="l">
+              <a:buFont typeface="Arial" panose="020B0604020202020204" pitchFamily="34" charset="0"/>
+              <a:buChar char="•"/>
+            </a:pPr>
+            <a:r>
+              <a:rPr lang="fr-FR" b="0" i="0" dirty="0">
+                <a:solidFill>
+                  <a:srgbClr val="271A38"/>
+                </a:solidFill>
+                <a:effectLst/>
+                <a:latin typeface="Inter"/>
+              </a:rPr>
+              <a:t>Inversement, si le Collapse est fermé, un clic permet de l'ouvrir.</a:t>
+            </a:r>
+          </a:p>
+          <a:p>
+            <a:pPr marL="457200" lvl="1" indent="0" algn="l">
+              <a:buFont typeface="Arial" panose="020B0604020202020204" pitchFamily="34" charset="0"/>
+              <a:buNone/>
+            </a:pPr>
+            <a:endParaRPr lang="fr-FR" b="0" i="0" dirty="0">
+              <a:solidFill>
+                <a:srgbClr val="271A38"/>
+              </a:solidFill>
+              <a:effectLst/>
+              <a:latin typeface="Inter"/>
+            </a:endParaRPr>
+          </a:p>
+          <a:p>
+            <a:endParaRPr lang="fr-FR" dirty="0"/>
           </a:p>
         </p:txBody>
       </p:sp>
@@ -12484,6 +12860,309 @@
 </file>
 
 <file path=ppt/notesSlides/notesSlide4.xml><?xml version="1.0" encoding="utf-8"?>
+<p:notes xmlns:a="http://schemas.openxmlformats.org/drawingml/2006/main" xmlns:r="http://schemas.openxmlformats.org/officeDocument/2006/relationships" xmlns:p="http://schemas.openxmlformats.org/presentationml/2006/main">
+  <p:cSld>
+    <p:spTree>
+      <p:nvGrpSpPr>
+        <p:cNvPr id="1" name=""/>
+        <p:cNvGrpSpPr/>
+        <p:nvPr/>
+      </p:nvGrpSpPr>
+      <p:grpSpPr>
+        <a:xfrm>
+          <a:off x="0" y="0"/>
+          <a:ext cx="0" cy="0"/>
+          <a:chOff x="0" y="0"/>
+          <a:chExt cx="0" cy="0"/>
+        </a:xfrm>
+      </p:grpSpPr>
+      <p:sp>
+        <p:nvSpPr>
+          <p:cNvPr id="2" name="Espace réservé de l'image des diapositives 1"/>
+          <p:cNvSpPr>
+            <a:spLocks noGrp="1" noRot="1" noChangeAspect="1"/>
+          </p:cNvSpPr>
+          <p:nvPr>
+            <p:ph type="sldImg"/>
+          </p:nvPr>
+        </p:nvSpPr>
+        <p:spPr/>
+      </p:sp>
+      <p:sp>
+        <p:nvSpPr>
+          <p:cNvPr id="3" name="Espace réservé des notes 2"/>
+          <p:cNvSpPr>
+            <a:spLocks noGrp="1"/>
+          </p:cNvSpPr>
+          <p:nvPr>
+            <p:ph type="body" idx="1"/>
+          </p:nvPr>
+        </p:nvSpPr>
+        <p:spPr/>
+        <p:txBody>
+          <a:bodyPr/>
+          <a:lstStyle/>
+          <a:p>
+            <a:pPr marL="171450" indent="-171450">
+              <a:buFontTx/>
+              <a:buChar char="-"/>
+            </a:pPr>
+            <a:r>
+              <a:rPr lang="fr-FR" b="0" i="0" dirty="0" err="1">
+                <a:solidFill>
+                  <a:srgbClr val="000000"/>
+                </a:solidFill>
+                <a:effectLst/>
+                <a:latin typeface="TisaPro"/>
+              </a:rPr>
+              <a:t>React</a:t>
+            </a:r>
+            <a:r>
+              <a:rPr lang="fr-FR" b="0" i="0" dirty="0">
+                <a:solidFill>
+                  <a:srgbClr val="000000"/>
+                </a:solidFill>
+                <a:effectLst/>
+                <a:latin typeface="TisaPro"/>
+              </a:rPr>
+              <a:t> JS est une librairie Javascript</a:t>
+            </a:r>
+          </a:p>
+          <a:p>
+            <a:pPr marL="171450" indent="-171450">
+              <a:buFontTx/>
+              <a:buChar char="-"/>
+            </a:pPr>
+            <a:r>
+              <a:rPr lang="fr-FR" b="0" i="0" dirty="0">
+                <a:solidFill>
+                  <a:srgbClr val="000000"/>
+                </a:solidFill>
+                <a:effectLst/>
+                <a:latin typeface="TisaPro"/>
+              </a:rPr>
+              <a:t>Facilite le développement de web applications</a:t>
+            </a:r>
+          </a:p>
+          <a:p>
+            <a:pPr marL="171450" indent="-171450">
+              <a:buFontTx/>
+              <a:buChar char="-"/>
+            </a:pPr>
+            <a:endParaRPr lang="fr-FR" b="0" i="0" dirty="0">
+              <a:solidFill>
+                <a:srgbClr val="000000"/>
+              </a:solidFill>
+              <a:effectLst/>
+              <a:latin typeface="TisaPro"/>
+            </a:endParaRPr>
+          </a:p>
+          <a:p>
+            <a:pPr marL="171450" marR="0" lvl="0" indent="-171450" algn="l" defTabSz="914400" rtl="0" eaLnBrk="1" fontAlgn="auto" latinLnBrk="0" hangingPunct="1">
+              <a:lnSpc>
+                <a:spcPct val="100000"/>
+              </a:lnSpc>
+              <a:spcBef>
+                <a:spcPts val="0"/>
+              </a:spcBef>
+              <a:spcAft>
+                <a:spcPts val="0"/>
+              </a:spcAft>
+              <a:buClrTx/>
+              <a:buSzTx/>
+              <a:buFontTx/>
+              <a:buChar char="-"/>
+              <a:tabLst/>
+              <a:defRPr/>
+            </a:pPr>
+            <a:r>
+              <a:rPr lang="fr-FR" b="1" i="0" dirty="0">
+                <a:solidFill>
+                  <a:srgbClr val="000000"/>
+                </a:solidFill>
+                <a:effectLst/>
+                <a:latin typeface="TisaPro"/>
+              </a:rPr>
+              <a:t>Avantage : </a:t>
+            </a:r>
+            <a:r>
+              <a:rPr lang="fr-FR" b="0" i="0" dirty="0">
+                <a:solidFill>
+                  <a:srgbClr val="000000"/>
+                </a:solidFill>
+                <a:effectLst/>
+                <a:latin typeface="inherit"/>
+              </a:rPr>
+              <a:t>Un développement plus rapide et plus facile; Un outil performant; Une communauté très présente, Un langage simple, Une technologie adaptée à toutes les applications,</a:t>
+            </a:r>
+            <a:endParaRPr lang="fr-FR" b="1" i="0" dirty="0">
+              <a:solidFill>
+                <a:srgbClr val="000000"/>
+              </a:solidFill>
+              <a:effectLst/>
+              <a:latin typeface="Circular Std"/>
+            </a:endParaRPr>
+          </a:p>
+          <a:p>
+            <a:pPr marL="171450" marR="0" lvl="0" indent="-171450" algn="l" defTabSz="914400" rtl="0" eaLnBrk="1" fontAlgn="auto" latinLnBrk="0" hangingPunct="1">
+              <a:lnSpc>
+                <a:spcPct val="100000"/>
+              </a:lnSpc>
+              <a:spcBef>
+                <a:spcPts val="0"/>
+              </a:spcBef>
+              <a:spcAft>
+                <a:spcPts val="0"/>
+              </a:spcAft>
+              <a:buClrTx/>
+              <a:buSzTx/>
+              <a:buFontTx/>
+              <a:buChar char="-"/>
+              <a:tabLst/>
+              <a:defRPr/>
+            </a:pPr>
+            <a:endParaRPr lang="fr-FR" b="1" i="0" dirty="0">
+              <a:solidFill>
+                <a:srgbClr val="000000"/>
+              </a:solidFill>
+              <a:effectLst/>
+              <a:latin typeface="Circular Std"/>
+            </a:endParaRPr>
+          </a:p>
+          <a:p>
+            <a:pPr marL="171450" marR="0" lvl="0" indent="-171450" algn="l" defTabSz="914400" rtl="0" eaLnBrk="1" fontAlgn="auto" latinLnBrk="0" hangingPunct="1">
+              <a:lnSpc>
+                <a:spcPct val="100000"/>
+              </a:lnSpc>
+              <a:spcBef>
+                <a:spcPts val="0"/>
+              </a:spcBef>
+              <a:spcAft>
+                <a:spcPts val="0"/>
+              </a:spcAft>
+              <a:buClrTx/>
+              <a:buSzTx/>
+              <a:buFontTx/>
+              <a:buChar char="-"/>
+              <a:tabLst/>
+              <a:defRPr/>
+            </a:pPr>
+            <a:endParaRPr lang="fr-FR" b="1" i="0" dirty="0">
+              <a:solidFill>
+                <a:srgbClr val="000000"/>
+              </a:solidFill>
+              <a:effectLst/>
+              <a:latin typeface="Circular Std"/>
+            </a:endParaRPr>
+          </a:p>
+          <a:p>
+            <a:pPr marL="171450" marR="0" lvl="0" indent="-171450" algn="l" defTabSz="914400" rtl="0" eaLnBrk="1" fontAlgn="auto" latinLnBrk="0" hangingPunct="1">
+              <a:lnSpc>
+                <a:spcPct val="100000"/>
+              </a:lnSpc>
+              <a:spcBef>
+                <a:spcPts val="0"/>
+              </a:spcBef>
+              <a:spcAft>
+                <a:spcPts val="0"/>
+              </a:spcAft>
+              <a:buClrTx/>
+              <a:buSzTx/>
+              <a:buFontTx/>
+              <a:buChar char="-"/>
+              <a:tabLst/>
+              <a:defRPr/>
+            </a:pPr>
+            <a:endParaRPr lang="fr-FR" b="1" i="0" dirty="0">
+              <a:solidFill>
+                <a:srgbClr val="000000"/>
+              </a:solidFill>
+              <a:effectLst/>
+              <a:latin typeface="Circular Std"/>
+            </a:endParaRPr>
+          </a:p>
+          <a:p>
+            <a:pPr marL="171450" marR="0" lvl="0" indent="-171450" algn="l" defTabSz="914400" rtl="0" eaLnBrk="1" fontAlgn="auto" latinLnBrk="0" hangingPunct="1">
+              <a:lnSpc>
+                <a:spcPct val="100000"/>
+              </a:lnSpc>
+              <a:spcBef>
+                <a:spcPts val="0"/>
+              </a:spcBef>
+              <a:spcAft>
+                <a:spcPts val="0"/>
+              </a:spcAft>
+              <a:buClrTx/>
+              <a:buSzTx/>
+              <a:buFontTx/>
+              <a:buChar char="-"/>
+              <a:tabLst/>
+              <a:defRPr/>
+            </a:pPr>
+            <a:endParaRPr lang="fr-FR" b="1" i="0" dirty="0">
+              <a:solidFill>
+                <a:srgbClr val="000000"/>
+              </a:solidFill>
+              <a:effectLst/>
+              <a:latin typeface="Circular Std"/>
+            </a:endParaRPr>
+          </a:p>
+          <a:p>
+            <a:pPr marL="171450" indent="-171450">
+              <a:buFontTx/>
+              <a:buChar char="-"/>
+            </a:pPr>
+            <a:endParaRPr lang="fr-FR" b="1" i="0" dirty="0">
+              <a:solidFill>
+                <a:srgbClr val="000000"/>
+              </a:solidFill>
+              <a:effectLst/>
+              <a:latin typeface="TisaPro"/>
+            </a:endParaRPr>
+          </a:p>
+          <a:p>
+            <a:endParaRPr lang="fr-FR" dirty="0"/>
+          </a:p>
+        </p:txBody>
+      </p:sp>
+      <p:sp>
+        <p:nvSpPr>
+          <p:cNvPr id="4" name="Espace réservé du numéro de diapositive 3"/>
+          <p:cNvSpPr>
+            <a:spLocks noGrp="1"/>
+          </p:cNvSpPr>
+          <p:nvPr>
+            <p:ph type="sldNum" sz="quarter" idx="5"/>
+          </p:nvPr>
+        </p:nvSpPr>
+        <p:spPr/>
+        <p:txBody>
+          <a:bodyPr/>
+          <a:lstStyle/>
+          <a:p>
+            <a:pPr rtl="0"/>
+            <a:fld id="{D2D76E09-41B7-FE4E-B099-04DFD58B8CF1}" type="slidenum">
+              <a:rPr lang="fr-FR" noProof="0" smtClean="0"/>
+              <a:t>4</a:t>
+            </a:fld>
+            <a:endParaRPr lang="fr-FR" noProof="0"/>
+          </a:p>
+        </p:txBody>
+      </p:sp>
+    </p:spTree>
+    <p:extLst>
+      <p:ext uri="{BB962C8B-B14F-4D97-AF65-F5344CB8AC3E}">
+        <p14:creationId xmlns:p14="http://schemas.microsoft.com/office/powerpoint/2010/main" val="346837858"/>
+      </p:ext>
+    </p:extLst>
+  </p:cSld>
+  <p:clrMapOvr>
+    <a:masterClrMapping/>
+  </p:clrMapOvr>
+</p:notes>
+</file>
+
+<file path=ppt/notesSlides/notesSlide5.xml><?xml version="1.0" encoding="utf-8"?>
 <p:notes xmlns:a="http://schemas.openxmlformats.org/drawingml/2006/main" xmlns:r="http://schemas.openxmlformats.org/officeDocument/2006/relationships" xmlns:p="http://schemas.openxmlformats.org/presentationml/2006/main">
   <p:cSld>
     <p:spTree>
@@ -12665,7 +13344,7 @@
             <a:pPr rtl="0"/>
             <a:fld id="{D2D76E09-41B7-FE4E-B099-04DFD58B8CF1}" type="slidenum">
               <a:rPr lang="fr-FR" noProof="0" smtClean="0"/>
-              <a:t>4</a:t>
+              <a:t>5</a:t>
             </a:fld>
             <a:endParaRPr lang="fr-FR" noProof="0"/>
           </a:p>
@@ -12675,389 +13354,6 @@
     <p:extLst>
       <p:ext uri="{BB962C8B-B14F-4D97-AF65-F5344CB8AC3E}">
         <p14:creationId xmlns:p14="http://schemas.microsoft.com/office/powerpoint/2010/main" val="1451586609"/>
-      </p:ext>
-    </p:extLst>
-  </p:cSld>
-  <p:clrMapOvr>
-    <a:masterClrMapping/>
-  </p:clrMapOvr>
-</p:notes>
-</file>
-
-<file path=ppt/notesSlides/notesSlide5.xml><?xml version="1.0" encoding="utf-8"?>
-<p:notes xmlns:a="http://schemas.openxmlformats.org/drawingml/2006/main" xmlns:r="http://schemas.openxmlformats.org/officeDocument/2006/relationships" xmlns:p="http://schemas.openxmlformats.org/presentationml/2006/main">
-  <p:cSld>
-    <p:spTree>
-      <p:nvGrpSpPr>
-        <p:cNvPr id="1" name=""/>
-        <p:cNvGrpSpPr/>
-        <p:nvPr/>
-      </p:nvGrpSpPr>
-      <p:grpSpPr>
-        <a:xfrm>
-          <a:off x="0" y="0"/>
-          <a:ext cx="0" cy="0"/>
-          <a:chOff x="0" y="0"/>
-          <a:chExt cx="0" cy="0"/>
-        </a:xfrm>
-      </p:grpSpPr>
-      <p:sp>
-        <p:nvSpPr>
-          <p:cNvPr id="2" name="Espace réservé de l'image des diapositives 1"/>
-          <p:cNvSpPr>
-            <a:spLocks noGrp="1" noRot="1" noChangeAspect="1"/>
-          </p:cNvSpPr>
-          <p:nvPr>
-            <p:ph type="sldImg"/>
-          </p:nvPr>
-        </p:nvSpPr>
-        <p:spPr/>
-      </p:sp>
-      <p:sp>
-        <p:nvSpPr>
-          <p:cNvPr id="3" name="Espace réservé des notes 2"/>
-          <p:cNvSpPr>
-            <a:spLocks noGrp="1"/>
-          </p:cNvSpPr>
-          <p:nvPr>
-            <p:ph type="body" idx="1"/>
-          </p:nvPr>
-        </p:nvSpPr>
-        <p:spPr/>
-        <p:txBody>
-          <a:bodyPr/>
-          <a:lstStyle/>
-          <a:p>
-            <a:r>
-              <a:rPr lang="fr-FR" b="0" i="0" dirty="0" err="1">
-                <a:solidFill>
-                  <a:srgbClr val="333333"/>
-                </a:solidFill>
-                <a:effectLst/>
-                <a:latin typeface="proxima-nova"/>
-              </a:rPr>
-              <a:t>React</a:t>
-            </a:r>
-            <a:r>
-              <a:rPr lang="fr-FR" b="0" i="0" dirty="0">
-                <a:solidFill>
-                  <a:srgbClr val="333333"/>
-                </a:solidFill>
-                <a:effectLst/>
-                <a:latin typeface="proxima-nova"/>
-              </a:rPr>
-              <a:t> est une bibliothèque JavaScript </a:t>
-            </a:r>
-            <a:r>
-              <a:rPr lang="fr-FR" b="0" i="0" u="none" strike="noStrike" dirty="0">
-                <a:solidFill>
-                  <a:srgbClr val="0099CC"/>
-                </a:solidFill>
-                <a:effectLst/>
-                <a:latin typeface="proxima-nova"/>
-              </a:rPr>
-              <a:t>open-source </a:t>
-            </a:r>
-            <a:r>
-              <a:rPr lang="fr-FR" b="0" i="0" dirty="0">
-                <a:solidFill>
-                  <a:srgbClr val="333333"/>
-                </a:solidFill>
-                <a:effectLst/>
-                <a:latin typeface="proxima-nova"/>
-              </a:rPr>
-              <a:t>qui est utilisée pour construire des interfaces utilisateur spécifiquement pour des applications d'une seule page. Elle est utilisée pour gérer la couche d'affichage des applications web et mobiles. </a:t>
-            </a:r>
-            <a:r>
-              <a:rPr lang="fr-FR" b="0" i="0" dirty="0" err="1">
-                <a:solidFill>
-                  <a:srgbClr val="333333"/>
-                </a:solidFill>
-                <a:effectLst/>
-                <a:latin typeface="proxima-nova"/>
-              </a:rPr>
-              <a:t>React</a:t>
-            </a:r>
-            <a:r>
-              <a:rPr lang="fr-FR" b="0" i="0" dirty="0">
-                <a:solidFill>
-                  <a:srgbClr val="333333"/>
-                </a:solidFill>
-                <a:effectLst/>
-                <a:latin typeface="proxima-nova"/>
-              </a:rPr>
-              <a:t> nous permet également de créer des composants d'interface utilisateur réutilisables.</a:t>
-            </a:r>
-          </a:p>
-          <a:p>
-            <a:endParaRPr lang="fr-FR" b="0" i="0" dirty="0">
-              <a:solidFill>
-                <a:srgbClr val="333333"/>
-              </a:solidFill>
-              <a:effectLst/>
-              <a:latin typeface="proxima-nova"/>
-            </a:endParaRPr>
-          </a:p>
-          <a:p>
-            <a:r>
-              <a:rPr lang="fr-FR" b="0" i="0" dirty="0">
-                <a:solidFill>
-                  <a:srgbClr val="FFFFFF"/>
-                </a:solidFill>
-                <a:effectLst/>
-                <a:latin typeface="proxima-nova"/>
-              </a:rPr>
-              <a:t>Utilise le DOM virtuel qui est un objet JavaScript. Cela améliorera les performances des applications, puisque le DOM virtuel JavaScript est plus rapide que le DOM normal.</a:t>
-            </a:r>
-          </a:p>
-          <a:p>
-            <a:endParaRPr lang="fr-FR" b="0" i="0" dirty="0">
-              <a:solidFill>
-                <a:srgbClr val="FFFFFF"/>
-              </a:solidFill>
-              <a:effectLst/>
-              <a:latin typeface="proxima-nova"/>
-            </a:endParaRPr>
-          </a:p>
-          <a:p>
-            <a:r>
-              <a:rPr lang="fr-FR" b="0" i="0" dirty="0">
-                <a:solidFill>
-                  <a:srgbClr val="333333"/>
-                </a:solidFill>
-                <a:effectLst/>
-                <a:latin typeface="proxima-nova"/>
-              </a:rPr>
-              <a:t>L'objectif principal de </a:t>
-            </a:r>
-            <a:r>
-              <a:rPr lang="fr-FR" b="0" i="0" dirty="0" err="1">
-                <a:solidFill>
-                  <a:srgbClr val="333333"/>
-                </a:solidFill>
-                <a:effectLst/>
-                <a:latin typeface="proxima-nova"/>
-              </a:rPr>
-              <a:t>React</a:t>
-            </a:r>
-            <a:r>
-              <a:rPr lang="fr-FR" b="0" i="0" dirty="0">
-                <a:solidFill>
-                  <a:srgbClr val="333333"/>
-                </a:solidFill>
-                <a:effectLst/>
-                <a:latin typeface="proxima-nova"/>
-              </a:rPr>
-              <a:t> est d'être rapide, évolutif et simple.</a:t>
-            </a:r>
-          </a:p>
-          <a:p>
-            <a:endParaRPr lang="fr-FR" b="0" i="0" dirty="0">
-              <a:solidFill>
-                <a:srgbClr val="333333"/>
-              </a:solidFill>
-              <a:effectLst/>
-              <a:latin typeface="proxima-nova"/>
-            </a:endParaRPr>
-          </a:p>
-          <a:p>
-            <a:r>
-              <a:rPr lang="fr-FR" b="1" i="0" dirty="0">
-                <a:solidFill>
-                  <a:srgbClr val="333333"/>
-                </a:solidFill>
-                <a:effectLst/>
-                <a:latin typeface="proxima-nova"/>
-              </a:rPr>
-              <a:t>Création : </a:t>
-            </a:r>
-            <a:r>
-              <a:rPr lang="fr-FR" b="0" i="0" u="none" strike="noStrike" dirty="0" err="1">
-                <a:solidFill>
-                  <a:srgbClr val="1A1A1A"/>
-                </a:solidFill>
-                <a:effectLst/>
-                <a:latin typeface="-apple-system"/>
-                <a:hlinkClick r:id="rId3"/>
-              </a:rPr>
-              <a:t>Create</a:t>
-            </a:r>
-            <a:r>
-              <a:rPr lang="fr-FR" b="0" i="0" u="none" strike="noStrike" dirty="0">
-                <a:solidFill>
-                  <a:srgbClr val="1A1A1A"/>
-                </a:solidFill>
-                <a:effectLst/>
-                <a:latin typeface="-apple-system"/>
-                <a:hlinkClick r:id="rId3"/>
-              </a:rPr>
-              <a:t> </a:t>
-            </a:r>
-            <a:r>
-              <a:rPr lang="fr-FR" b="0" i="0" u="none" strike="noStrike" dirty="0" err="1">
-                <a:solidFill>
-                  <a:srgbClr val="1A1A1A"/>
-                </a:solidFill>
-                <a:effectLst/>
-                <a:latin typeface="-apple-system"/>
-                <a:hlinkClick r:id="rId3"/>
-              </a:rPr>
-              <a:t>React</a:t>
-            </a:r>
-            <a:r>
-              <a:rPr lang="fr-FR" b="0" i="0" u="none" strike="noStrike" dirty="0">
-                <a:solidFill>
-                  <a:srgbClr val="1A1A1A"/>
-                </a:solidFill>
-                <a:effectLst/>
-                <a:latin typeface="-apple-system"/>
-                <a:hlinkClick r:id="rId3"/>
-              </a:rPr>
-              <a:t> App</a:t>
-            </a:r>
-            <a:r>
-              <a:rPr lang="fr-FR" b="0" i="0" dirty="0">
-                <a:solidFill>
-                  <a:srgbClr val="000000"/>
-                </a:solidFill>
-                <a:effectLst/>
-                <a:latin typeface="-apple-system"/>
-              </a:rPr>
-              <a:t> est un environnement confortable pour </a:t>
-            </a:r>
-            <a:r>
-              <a:rPr lang="fr-FR" b="1" i="0" dirty="0">
-                <a:solidFill>
-                  <a:srgbClr val="000000"/>
-                </a:solidFill>
-                <a:effectLst/>
-                <a:latin typeface="-apple-system"/>
-              </a:rPr>
-              <a:t>apprendre </a:t>
-            </a:r>
-            <a:r>
-              <a:rPr lang="fr-FR" b="1" i="0" dirty="0" err="1">
-                <a:solidFill>
-                  <a:srgbClr val="000000"/>
-                </a:solidFill>
-                <a:effectLst/>
-                <a:latin typeface="-apple-system"/>
-              </a:rPr>
-              <a:t>React</a:t>
-            </a:r>
-            <a:r>
-              <a:rPr lang="fr-FR" b="0" i="0" dirty="0">
-                <a:solidFill>
-                  <a:srgbClr val="000000"/>
-                </a:solidFill>
-                <a:effectLst/>
-                <a:latin typeface="-apple-system"/>
-              </a:rPr>
-              <a:t>, et constitue la meilleure option pour démarrer </a:t>
-            </a:r>
-            <a:r>
-              <a:rPr lang="fr-FR" b="1" i="0" dirty="0">
-                <a:solidFill>
-                  <a:srgbClr val="000000"/>
-                </a:solidFill>
-                <a:effectLst/>
-                <a:latin typeface="-apple-system"/>
-              </a:rPr>
-              <a:t>une nouvelle </a:t>
-            </a:r>
-            <a:r>
-              <a:rPr lang="fr-FR" b="1" i="0" u="none" strike="noStrike" dirty="0">
-                <a:solidFill>
-                  <a:srgbClr val="1A1A1A"/>
-                </a:solidFill>
-                <a:effectLst/>
-                <a:latin typeface="-apple-system"/>
-                <a:hlinkClick r:id="rId4"/>
-              </a:rPr>
-              <a:t>application web </a:t>
-            </a:r>
-            <a:r>
-              <a:rPr lang="fr-FR" b="1" i="0" u="none" strike="noStrike" dirty="0" err="1">
-                <a:solidFill>
-                  <a:srgbClr val="1A1A1A"/>
-                </a:solidFill>
-                <a:effectLst/>
-                <a:latin typeface="-apple-system"/>
-                <a:hlinkClick r:id="rId4"/>
-              </a:rPr>
-              <a:t>monopage</a:t>
-            </a:r>
-            <a:r>
-              <a:rPr lang="fr-FR" b="0" i="0" dirty="0">
-                <a:solidFill>
-                  <a:srgbClr val="000000"/>
-                </a:solidFill>
-                <a:effectLst/>
-                <a:latin typeface="-apple-system"/>
-              </a:rPr>
-              <a:t> en </a:t>
-            </a:r>
-            <a:r>
-              <a:rPr lang="fr-FR" b="0" i="0" dirty="0" err="1">
-                <a:solidFill>
-                  <a:srgbClr val="000000"/>
-                </a:solidFill>
-                <a:effectLst/>
-                <a:latin typeface="-apple-system"/>
-              </a:rPr>
-              <a:t>React</a:t>
-            </a:r>
-            <a:r>
-              <a:rPr lang="fr-FR" b="0" i="0" dirty="0">
-                <a:solidFill>
-                  <a:srgbClr val="000000"/>
-                </a:solidFill>
-                <a:effectLst/>
-                <a:latin typeface="-apple-system"/>
-              </a:rPr>
-              <a:t>.</a:t>
-            </a:r>
-            <a:endParaRPr lang="fr-FR" b="1" i="0" dirty="0">
-              <a:solidFill>
-                <a:srgbClr val="333333"/>
-              </a:solidFill>
-              <a:effectLst/>
-              <a:latin typeface="proxima-nova"/>
-            </a:endParaRPr>
-          </a:p>
-          <a:p>
-            <a:endParaRPr lang="fr-FR" dirty="0"/>
-          </a:p>
-        </p:txBody>
-      </p:sp>
-      <p:sp>
-        <p:nvSpPr>
-          <p:cNvPr id="4" name="Espace réservé du numéro de diapositive 3"/>
-          <p:cNvSpPr>
-            <a:spLocks noGrp="1"/>
-          </p:cNvSpPr>
-          <p:nvPr>
-            <p:ph type="sldNum" sz="quarter" idx="5"/>
-          </p:nvPr>
-        </p:nvSpPr>
-        <p:spPr/>
-        <p:txBody>
-          <a:bodyPr/>
-          <a:lstStyle/>
-          <a:p>
-            <a:pPr rtl="0"/>
-            <a:fld id="{D2D76E09-41B7-FE4E-B099-04DFD58B8CF1}" type="slidenum">
-              <a:rPr lang="fr-FR" noProof="0" smtClean="0"/>
-              <a:t>5</a:t>
-            </a:fld>
-            <a:endParaRPr lang="fr-FR" noProof="0"/>
-          </a:p>
-        </p:txBody>
-      </p:sp>
-    </p:spTree>
-    <p:extLst>
-      <p:ext uri="{BB962C8B-B14F-4D97-AF65-F5344CB8AC3E}">
-        <p14:creationId xmlns:p14="http://schemas.microsoft.com/office/powerpoint/2010/main" val="346837858"/>
       </p:ext>
     </p:extLst>
   </p:cSld>
@@ -13396,48 +13692,7 @@
           <a:bodyPr/>
           <a:lstStyle/>
           <a:p>
-            <a:r>
-              <a:rPr lang="fr-FR" b="0" i="0" dirty="0">
-                <a:solidFill>
-                  <a:srgbClr val="000000"/>
-                </a:solidFill>
-                <a:effectLst/>
-                <a:latin typeface="Nunito" pitchFamily="2" charset="0"/>
-              </a:rPr>
-              <a:t>Le fichier </a:t>
-            </a:r>
-            <a:r>
-              <a:rPr lang="fr-FR" dirty="0"/>
-              <a:t>src/index.js</a:t>
-            </a:r>
-            <a:r>
-              <a:rPr lang="fr-FR" b="0" i="0" dirty="0">
-                <a:solidFill>
-                  <a:srgbClr val="000000"/>
-                </a:solidFill>
-                <a:effectLst/>
-                <a:latin typeface="Nunito" pitchFamily="2" charset="0"/>
-              </a:rPr>
-              <a:t> va permettre de récupérer nos composants et les afficher dans la </a:t>
-            </a:r>
-            <a:r>
-              <a:rPr lang="fr-FR" b="1" dirty="0"/>
-              <a:t>div root</a:t>
-            </a:r>
-            <a:r>
-              <a:rPr lang="fr-FR" b="1" i="0" dirty="0">
-                <a:solidFill>
-                  <a:srgbClr val="000000"/>
-                </a:solidFill>
-                <a:effectLst/>
-                <a:latin typeface="Nunito" pitchFamily="2" charset="0"/>
-              </a:rPr>
-              <a:t> de </a:t>
-            </a:r>
-            <a:r>
-              <a:rPr lang="fr-FR" b="1" dirty="0"/>
-              <a:t>public/index.html</a:t>
-            </a:r>
+            <a:endParaRPr lang="fr-FR" b="1" dirty="0"/>
           </a:p>
         </p:txBody>
       </p:sp>
@@ -13967,7 +14222,7 @@
             <a:pPr rtl="0"/>
             <a:fld id="{30E8CDFA-B6C5-430C-8049-C960D5587F9E}" type="datetime1">
               <a:rPr lang="fr-FR" noProof="0" smtClean="0"/>
-              <a:t>24/11/2022</a:t>
+              <a:t>28/11/2022</a:t>
             </a:fld>
             <a:endParaRPr lang="fr-FR" noProof="0"/>
           </a:p>
@@ -14149,7 +14404,7 @@
             <a:pPr rtl="0"/>
             <a:fld id="{A48AD5BE-4846-4E65-9E43-3104B01DFF13}" type="datetime1">
               <a:rPr lang="fr-FR" noProof="0" smtClean="0"/>
-              <a:t>24/11/2022</a:t>
+              <a:t>28/11/2022</a:t>
             </a:fld>
             <a:endParaRPr lang="fr-FR" noProof="0"/>
           </a:p>
@@ -14331,7 +14586,7 @@
             <a:pPr rtl="0"/>
             <a:fld id="{ED8A8EF7-2A71-4AA3-8ECB-8BB64F1C9580}" type="datetime1">
               <a:rPr lang="fr-FR" noProof="0" smtClean="0"/>
-              <a:t>24/11/2022</a:t>
+              <a:t>28/11/2022</a:t>
             </a:fld>
             <a:endParaRPr lang="fr-FR" noProof="0"/>
           </a:p>
@@ -14503,7 +14758,7 @@
             <a:pPr rtl="0"/>
             <a:fld id="{AD78B19D-B010-49CB-8E8B-9A0B22D4BF0A}" type="datetime1">
               <a:rPr lang="fr-FR" noProof="0" smtClean="0"/>
-              <a:t>24/11/2022</a:t>
+              <a:t>28/11/2022</a:t>
             </a:fld>
             <a:endParaRPr lang="fr-FR" noProof="0"/>
           </a:p>
@@ -14819,7 +15074,7 @@
             <a:pPr rtl="0"/>
             <a:fld id="{F6EC8566-2F30-4981-A653-CA8DE5CA399F}" type="datetime1">
               <a:rPr lang="fr-FR" noProof="0" smtClean="0"/>
-              <a:t>24/11/2022</a:t>
+              <a:t>28/11/2022</a:t>
             </a:fld>
             <a:endParaRPr lang="fr-FR" noProof="0"/>
           </a:p>
@@ -15207,7 +15462,7 @@
             <a:pPr rtl="0"/>
             <a:fld id="{01046C02-4351-45D4-878E-F8128DA6182B}" type="datetime1">
               <a:rPr lang="fr-FR" noProof="0" smtClean="0"/>
-              <a:t>24/11/2022</a:t>
+              <a:t>28/11/2022</a:t>
             </a:fld>
             <a:endParaRPr lang="fr-FR" noProof="0"/>
           </a:p>
@@ -15642,7 +15897,7 @@
             <a:pPr rtl="0"/>
             <a:fld id="{C1EB43B8-F7BD-499E-BA8C-5DB2035AA36E}" type="datetime1">
               <a:rPr lang="fr-FR" noProof="0" smtClean="0"/>
-              <a:t>24/11/2022</a:t>
+              <a:t>28/11/2022</a:t>
             </a:fld>
             <a:endParaRPr lang="fr-FR" noProof="0"/>
           </a:p>
@@ -15763,7 +16018,7 @@
             <a:pPr rtl="0"/>
             <a:fld id="{E4E539BE-F72B-4132-981F-162B41DD2C20}" type="datetime1">
               <a:rPr lang="fr-FR" noProof="0" smtClean="0"/>
-              <a:t>24/11/2022</a:t>
+              <a:t>28/11/2022</a:t>
             </a:fld>
             <a:endParaRPr lang="fr-FR" noProof="0"/>
           </a:p>
@@ -15861,7 +16116,7 @@
             <a:pPr rtl="0"/>
             <a:fld id="{0AB1491A-67B9-4AD7-AD1B-054B207CEF91}" type="datetime1">
               <a:rPr lang="fr-FR" noProof="0" smtClean="0"/>
-              <a:t>24/11/2022</a:t>
+              <a:t>28/11/2022</a:t>
             </a:fld>
             <a:endParaRPr lang="fr-FR" noProof="0"/>
           </a:p>
@@ -16213,7 +16468,7 @@
             <a:pPr rtl="0"/>
             <a:fld id="{F6AA93E7-EC1E-43FA-812E-1F41EC4B5B61}" type="datetime1">
               <a:rPr lang="fr-FR" noProof="0" smtClean="0"/>
-              <a:t>24/11/2022</a:t>
+              <a:t>28/11/2022</a:t>
             </a:fld>
             <a:endParaRPr lang="fr-FR" noProof="0"/>
           </a:p>
@@ -16641,7 +16896,7 @@
             <a:pPr rtl="0"/>
             <a:fld id="{058F7BBA-1C54-40D3-AA7B-48B3B61F0C04}" type="datetime1">
               <a:rPr lang="fr-FR" noProof="0" smtClean="0"/>
-              <a:t>24/11/2022</a:t>
+              <a:t>28/11/2022</a:t>
             </a:fld>
             <a:endParaRPr lang="fr-FR" noProof="0"/>
           </a:p>
@@ -16923,7 +17178,7 @@
             <a:pPr rtl="0"/>
             <a:fld id="{073D7D4F-CE7A-4783-BA27-C049E135ED1F}" type="datetime1">
               <a:rPr lang="fr-FR" noProof="0" smtClean="0"/>
-              <a:t>24/11/2022</a:t>
+              <a:t>28/11/2022</a:t>
             </a:fld>
             <a:endParaRPr lang="fr-FR" noProof="0"/>
           </a:p>
@@ -18292,6 +18547,129 @@
           <a:p>
             <a:r>
               <a:rPr lang="fr-FR" dirty="0"/>
+              <a:t>Logement / photos et flèches</a:t>
+            </a:r>
+          </a:p>
+        </p:txBody>
+      </p:sp>
+      <p:sp>
+        <p:nvSpPr>
+          <p:cNvPr id="4" name="Espace réservé du numéro de diapositive 3">
+            <a:extLst>
+              <a:ext uri="{FF2B5EF4-FFF2-40B4-BE49-F238E27FC236}">
+                <a16:creationId xmlns:a16="http://schemas.microsoft.com/office/drawing/2014/main" id="{28B4F1E4-2710-D55E-9BCA-03EFA978AC94}"/>
+              </a:ext>
+            </a:extLst>
+          </p:cNvPr>
+          <p:cNvSpPr>
+            <a:spLocks noGrp="1"/>
+          </p:cNvSpPr>
+          <p:nvPr>
+            <p:ph type="sldNum" sz="quarter" idx="12"/>
+          </p:nvPr>
+        </p:nvSpPr>
+        <p:spPr/>
+        <p:txBody>
+          <a:bodyPr/>
+          <a:lstStyle/>
+          <a:p>
+            <a:pPr rtl="0"/>
+            <a:fld id="{4FAB73BC-B049-4115-A692-8D63A059BFB8}" type="slidenum">
+              <a:rPr lang="fr-FR" noProof="0" smtClean="0"/>
+              <a:t>13</a:t>
+            </a:fld>
+            <a:endParaRPr lang="fr-FR" noProof="0"/>
+          </a:p>
+        </p:txBody>
+      </p:sp>
+      <p:pic>
+        <p:nvPicPr>
+          <p:cNvPr id="5" name="Image 4">
+            <a:extLst>
+              <a:ext uri="{FF2B5EF4-FFF2-40B4-BE49-F238E27FC236}">
+                <a16:creationId xmlns:a16="http://schemas.microsoft.com/office/drawing/2014/main" id="{3A9D5457-E1D5-4DD7-662F-915A7F2654F2}"/>
+              </a:ext>
+            </a:extLst>
+          </p:cNvPr>
+          <p:cNvPicPr>
+            <a:picLocks noChangeAspect="1"/>
+          </p:cNvPicPr>
+          <p:nvPr/>
+        </p:nvPicPr>
+        <p:blipFill>
+          <a:blip r:embed="rId3"/>
+          <a:stretch>
+            <a:fillRect/>
+          </a:stretch>
+        </p:blipFill>
+        <p:spPr>
+          <a:xfrm>
+            <a:off x="1249318" y="1214132"/>
+            <a:ext cx="9693363" cy="5530834"/>
+          </a:xfrm>
+          <a:prstGeom prst="rect">
+            <a:avLst/>
+          </a:prstGeom>
+        </p:spPr>
+      </p:pic>
+    </p:spTree>
+    <p:extLst>
+      <p:ext uri="{BB962C8B-B14F-4D97-AF65-F5344CB8AC3E}">
+        <p14:creationId xmlns:p14="http://schemas.microsoft.com/office/powerpoint/2010/main" val="3639721747"/>
+      </p:ext>
+    </p:extLst>
+  </p:cSld>
+  <p:clrMapOvr>
+    <a:masterClrMapping/>
+  </p:clrMapOvr>
+</p:sld>
+</file>
+
+<file path=ppt/slides/slide14.xml><?xml version="1.0" encoding="utf-8"?>
+<p:sld xmlns:a="http://schemas.openxmlformats.org/drawingml/2006/main" xmlns:r="http://schemas.openxmlformats.org/officeDocument/2006/relationships" xmlns:p="http://schemas.openxmlformats.org/presentationml/2006/main">
+  <p:cSld>
+    <p:spTree>
+      <p:nvGrpSpPr>
+        <p:cNvPr id="1" name=""/>
+        <p:cNvGrpSpPr/>
+        <p:nvPr/>
+      </p:nvGrpSpPr>
+      <p:grpSpPr>
+        <a:xfrm>
+          <a:off x="0" y="0"/>
+          <a:ext cx="0" cy="0"/>
+          <a:chOff x="0" y="0"/>
+          <a:chExt cx="0" cy="0"/>
+        </a:xfrm>
+      </p:grpSpPr>
+      <p:sp>
+        <p:nvSpPr>
+          <p:cNvPr id="2" name="Titre 1">
+            <a:extLst>
+              <a:ext uri="{FF2B5EF4-FFF2-40B4-BE49-F238E27FC236}">
+                <a16:creationId xmlns:a16="http://schemas.microsoft.com/office/drawing/2014/main" id="{239187CC-2B35-158C-087E-865C0C88DC06}"/>
+              </a:ext>
+            </a:extLst>
+          </p:cNvPr>
+          <p:cNvSpPr>
+            <a:spLocks noGrp="1"/>
+          </p:cNvSpPr>
+          <p:nvPr>
+            <p:ph type="title"/>
+          </p:nvPr>
+        </p:nvSpPr>
+        <p:spPr>
+          <a:xfrm>
+            <a:off x="224118" y="0"/>
+            <a:ext cx="11483788" cy="1609344"/>
+          </a:xfrm>
+        </p:spPr>
+        <p:txBody>
+          <a:bodyPr/>
+          <a:lstStyle/>
+          <a:p>
+            <a:r>
+              <a:rPr lang="fr-FR" dirty="0"/>
               <a:t>Explication src/page/Notfound.js</a:t>
             </a:r>
           </a:p>
@@ -18321,7 +18699,7 @@
             <a:pPr rtl="0"/>
             <a:fld id="{4FAB73BC-B049-4115-A692-8D63A059BFB8}" type="slidenum">
               <a:rPr lang="fr-FR" noProof="0" smtClean="0"/>
-              <a:t>13</a:t>
+              <a:t>14</a:t>
             </a:fld>
             <a:endParaRPr lang="fr-FR" noProof="0"/>
           </a:p>
@@ -18370,7 +18748,7 @@
 </p:sld>
 </file>
 
-<file path=ppt/slides/slide14.xml><?xml version="1.0" encoding="utf-8"?>
+<file path=ppt/slides/slide15.xml><?xml version="1.0" encoding="utf-8"?>
 <p:sld xmlns:a="http://schemas.openxmlformats.org/drawingml/2006/main" xmlns:r="http://schemas.openxmlformats.org/officeDocument/2006/relationships" xmlns:p="http://schemas.openxmlformats.org/presentationml/2006/main">
   <p:cSld>
     <p:bg>
@@ -19807,563 +20185,6 @@
           <a:chExt cx="0" cy="0"/>
         </a:xfrm>
       </p:grpSpPr>
-      <p:sp>
-        <p:nvSpPr>
-          <p:cNvPr id="2" name="Titre 1">
-            <a:extLst>
-              <a:ext uri="{FF2B5EF4-FFF2-40B4-BE49-F238E27FC236}">
-                <a16:creationId xmlns:a16="http://schemas.microsoft.com/office/drawing/2014/main" id="{A9B97DA2-6962-A841-39E0-50AC0D32D8FE}"/>
-              </a:ext>
-            </a:extLst>
-          </p:cNvPr>
-          <p:cNvSpPr>
-            <a:spLocks noGrp="1"/>
-          </p:cNvSpPr>
-          <p:nvPr>
-            <p:ph type="title"/>
-          </p:nvPr>
-        </p:nvSpPr>
-        <p:spPr>
-          <a:xfrm>
-            <a:off x="8262945" y="228480"/>
-            <a:ext cx="4001759" cy="593641"/>
-          </a:xfrm>
-        </p:spPr>
-        <p:txBody>
-          <a:bodyPr/>
-          <a:lstStyle/>
-          <a:p>
-            <a:pPr algn="ctr"/>
-            <a:r>
-              <a:rPr lang="fr-FR" dirty="0"/>
-              <a:t>Structure du code</a:t>
-            </a:r>
-          </a:p>
-        </p:txBody>
-      </p:sp>
-      <p:sp>
-        <p:nvSpPr>
-          <p:cNvPr id="4" name="Espace réservé du texte 3">
-            <a:extLst>
-              <a:ext uri="{FF2B5EF4-FFF2-40B4-BE49-F238E27FC236}">
-                <a16:creationId xmlns:a16="http://schemas.microsoft.com/office/drawing/2014/main" id="{EF54925B-4F9C-1B24-6794-F46D0A26F415}"/>
-              </a:ext>
-            </a:extLst>
-          </p:cNvPr>
-          <p:cNvSpPr>
-            <a:spLocks noGrp="1"/>
-          </p:cNvSpPr>
-          <p:nvPr>
-            <p:ph type="body" sz="half" idx="2"/>
-          </p:nvPr>
-        </p:nvSpPr>
-        <p:spPr>
-          <a:xfrm>
-            <a:off x="8338657" y="1064144"/>
-            <a:ext cx="3853343" cy="755512"/>
-          </a:xfrm>
-        </p:spPr>
-        <p:txBody>
-          <a:bodyPr>
-            <a:normAutofit/>
-          </a:bodyPr>
-          <a:lstStyle/>
-          <a:p>
-            <a:pPr algn="ctr"/>
-            <a:r>
-              <a:rPr lang="fr-FR" sz="1800" dirty="0"/>
-              <a:t>Organisation générale de mes fichiers FRONT-END</a:t>
-            </a:r>
-          </a:p>
-        </p:txBody>
-      </p:sp>
-      <p:sp>
-        <p:nvSpPr>
-          <p:cNvPr id="5" name="Espace réservé du numéro de diapositive 4">
-            <a:extLst>
-              <a:ext uri="{FF2B5EF4-FFF2-40B4-BE49-F238E27FC236}">
-                <a16:creationId xmlns:a16="http://schemas.microsoft.com/office/drawing/2014/main" id="{979AAEA8-A0D1-7BBB-0D5D-0E32E426A4EF}"/>
-              </a:ext>
-            </a:extLst>
-          </p:cNvPr>
-          <p:cNvSpPr>
-            <a:spLocks noGrp="1"/>
-          </p:cNvSpPr>
-          <p:nvPr>
-            <p:ph type="sldNum" sz="quarter" idx="12"/>
-          </p:nvPr>
-        </p:nvSpPr>
-        <p:spPr/>
-        <p:txBody>
-          <a:bodyPr/>
-          <a:lstStyle/>
-          <a:p>
-            <a:pPr rtl="0"/>
-            <a:fld id="{4FAB73BC-B049-4115-A692-8D63A059BFB8}" type="slidenum">
-              <a:rPr lang="fr-FR" noProof="0" smtClean="0"/>
-              <a:t>4</a:t>
-            </a:fld>
-            <a:endParaRPr lang="fr-FR" noProof="0"/>
-          </a:p>
-        </p:txBody>
-      </p:sp>
-      <p:graphicFrame>
-        <p:nvGraphicFramePr>
-          <p:cNvPr id="12" name="Espace réservé du contenu 11">
-            <a:extLst>
-              <a:ext uri="{FF2B5EF4-FFF2-40B4-BE49-F238E27FC236}">
-                <a16:creationId xmlns:a16="http://schemas.microsoft.com/office/drawing/2014/main" id="{880CDAFD-1FC9-8E1F-9DC1-A0E8EC67E108}"/>
-              </a:ext>
-            </a:extLst>
-          </p:cNvPr>
-          <p:cNvGraphicFramePr>
-            <a:graphicFrameLocks noGrp="1"/>
-          </p:cNvGraphicFramePr>
-          <p:nvPr>
-            <p:ph idx="1"/>
-            <p:extLst>
-              <p:ext uri="{D42A27DB-BD31-4B8C-83A1-F6EECF244321}">
-                <p14:modId xmlns:p14="http://schemas.microsoft.com/office/powerpoint/2010/main" val="799842828"/>
-              </p:ext>
-            </p:extLst>
-          </p:nvPr>
-        </p:nvGraphicFramePr>
-        <p:xfrm>
-          <a:off x="110835" y="426027"/>
-          <a:ext cx="8046027" cy="5705475"/>
-        </p:xfrm>
-        <a:graphic>
-          <a:graphicData uri="http://schemas.openxmlformats.org/drawingml/2006/diagram">
-            <dgm:relIds xmlns:dgm="http://schemas.openxmlformats.org/drawingml/2006/diagram" xmlns:r="http://schemas.openxmlformats.org/officeDocument/2006/relationships" r:dm="rId3" r:lo="rId4" r:qs="rId5" r:cs="rId6"/>
-          </a:graphicData>
-        </a:graphic>
-      </p:graphicFrame>
-      <p:pic>
-        <p:nvPicPr>
-          <p:cNvPr id="4100" name="Picture 4">
-            <a:extLst>
-              <a:ext uri="{FF2B5EF4-FFF2-40B4-BE49-F238E27FC236}">
-                <a16:creationId xmlns:a16="http://schemas.microsoft.com/office/drawing/2014/main" id="{094977B2-A196-1E28-A7F0-20BCB7F240B5}"/>
-              </a:ext>
-            </a:extLst>
-          </p:cNvPr>
-          <p:cNvPicPr>
-            <a:picLocks noChangeAspect="1" noChangeArrowheads="1"/>
-          </p:cNvPicPr>
-          <p:nvPr/>
-        </p:nvPicPr>
-        <p:blipFill>
-          <a:blip r:embed="rId8">
-            <a:extLst>
-              <a:ext uri="{28A0092B-C50C-407E-A947-70E740481C1C}">
-                <a14:useLocalDpi xmlns:a14="http://schemas.microsoft.com/office/drawing/2010/main" val="0"/>
-              </a:ext>
-            </a:extLst>
-          </a:blip>
-          <a:srcRect/>
-          <a:stretch>
-            <a:fillRect/>
-          </a:stretch>
-        </p:blipFill>
-        <p:spPr bwMode="auto">
-          <a:xfrm>
-            <a:off x="3319132" y="2492458"/>
-            <a:ext cx="500494" cy="435212"/>
-          </a:xfrm>
-          <a:prstGeom prst="rect">
-            <a:avLst/>
-          </a:prstGeom>
-          <a:noFill/>
-          <a:extLst>
-            <a:ext uri="{909E8E84-426E-40DD-AFC4-6F175D3DCCD1}">
-              <a14:hiddenFill xmlns:a14="http://schemas.microsoft.com/office/drawing/2010/main">
-                <a:solidFill>
-                  <a:srgbClr val="FFFFFF"/>
-                </a:solidFill>
-              </a14:hiddenFill>
-            </a:ext>
-          </a:extLst>
-        </p:spPr>
-      </p:pic>
-      <p:sp>
-        <p:nvSpPr>
-          <p:cNvPr id="3" name="Rectangle : coins arrondis 2">
-            <a:extLst>
-              <a:ext uri="{FF2B5EF4-FFF2-40B4-BE49-F238E27FC236}">
-                <a16:creationId xmlns:a16="http://schemas.microsoft.com/office/drawing/2014/main" id="{D68015E8-BDF8-8F9A-A21B-44BCC6EFFBC8}"/>
-              </a:ext>
-            </a:extLst>
-          </p:cNvPr>
-          <p:cNvSpPr/>
-          <p:nvPr/>
-        </p:nvSpPr>
-        <p:spPr>
-          <a:xfrm>
-            <a:off x="9223248" y="2816352"/>
-            <a:ext cx="1408176" cy="612648"/>
-          </a:xfrm>
-          <a:prstGeom prst="roundRect">
-            <a:avLst/>
-          </a:prstGeom>
-        </p:spPr>
-        <p:style>
-          <a:lnRef idx="2">
-            <a:schemeClr val="accent1">
-              <a:shade val="50000"/>
-            </a:schemeClr>
-          </a:lnRef>
-          <a:fillRef idx="1">
-            <a:schemeClr val="accent1"/>
-          </a:fillRef>
-          <a:effectRef idx="0">
-            <a:schemeClr val="accent1"/>
-          </a:effectRef>
-          <a:fontRef idx="minor">
-            <a:schemeClr val="lt1"/>
-          </a:fontRef>
-        </p:style>
-        <p:txBody>
-          <a:bodyPr rtlCol="0" anchor="ctr"/>
-          <a:lstStyle/>
-          <a:p>
-            <a:pPr algn="ctr"/>
-            <a:r>
-              <a:rPr lang="fr-FR" dirty="0"/>
-              <a:t>Home</a:t>
-            </a:r>
-          </a:p>
-        </p:txBody>
-      </p:sp>
-      <p:sp>
-        <p:nvSpPr>
-          <p:cNvPr id="6" name="Rectangle : coins arrondis 5">
-            <a:extLst>
-              <a:ext uri="{FF2B5EF4-FFF2-40B4-BE49-F238E27FC236}">
-                <a16:creationId xmlns:a16="http://schemas.microsoft.com/office/drawing/2014/main" id="{46DE18E8-3450-5D38-4E36-286D9BFE245B}"/>
-              </a:ext>
-            </a:extLst>
-          </p:cNvPr>
-          <p:cNvSpPr/>
-          <p:nvPr/>
-        </p:nvSpPr>
-        <p:spPr>
-          <a:xfrm>
-            <a:off x="9223248" y="3502595"/>
-            <a:ext cx="1408176" cy="612648"/>
-          </a:xfrm>
-          <a:prstGeom prst="roundRect">
-            <a:avLst/>
-          </a:prstGeom>
-        </p:spPr>
-        <p:style>
-          <a:lnRef idx="2">
-            <a:schemeClr val="accent1">
-              <a:shade val="50000"/>
-            </a:schemeClr>
-          </a:lnRef>
-          <a:fillRef idx="1">
-            <a:schemeClr val="accent1"/>
-          </a:fillRef>
-          <a:effectRef idx="0">
-            <a:schemeClr val="accent1"/>
-          </a:effectRef>
-          <a:fontRef idx="minor">
-            <a:schemeClr val="lt1"/>
-          </a:fontRef>
-        </p:style>
-        <p:txBody>
-          <a:bodyPr rtlCol="0" anchor="ctr"/>
-          <a:lstStyle/>
-          <a:p>
-            <a:pPr algn="ctr"/>
-            <a:r>
-              <a:rPr lang="fr-FR" dirty="0"/>
-              <a:t>About</a:t>
-            </a:r>
-          </a:p>
-        </p:txBody>
-      </p:sp>
-      <p:sp>
-        <p:nvSpPr>
-          <p:cNvPr id="7" name="Rectangle : coins arrondis 6">
-            <a:extLst>
-              <a:ext uri="{FF2B5EF4-FFF2-40B4-BE49-F238E27FC236}">
-                <a16:creationId xmlns:a16="http://schemas.microsoft.com/office/drawing/2014/main" id="{4143A376-A8DE-96D8-5EFF-C2D25F4320CD}"/>
-              </a:ext>
-            </a:extLst>
-          </p:cNvPr>
-          <p:cNvSpPr/>
-          <p:nvPr/>
-        </p:nvSpPr>
-        <p:spPr>
-          <a:xfrm>
-            <a:off x="9223248" y="4188838"/>
-            <a:ext cx="1408176" cy="612648"/>
-          </a:xfrm>
-          <a:prstGeom prst="roundRect">
-            <a:avLst/>
-          </a:prstGeom>
-        </p:spPr>
-        <p:style>
-          <a:lnRef idx="2">
-            <a:schemeClr val="accent1">
-              <a:shade val="50000"/>
-            </a:schemeClr>
-          </a:lnRef>
-          <a:fillRef idx="1">
-            <a:schemeClr val="accent1"/>
-          </a:fillRef>
-          <a:effectRef idx="0">
-            <a:schemeClr val="accent1"/>
-          </a:effectRef>
-          <a:fontRef idx="minor">
-            <a:schemeClr val="lt1"/>
-          </a:fontRef>
-        </p:style>
-        <p:txBody>
-          <a:bodyPr rtlCol="0" anchor="ctr"/>
-          <a:lstStyle/>
-          <a:p>
-            <a:pPr algn="ctr"/>
-            <a:r>
-              <a:rPr lang="fr-FR" dirty="0"/>
-              <a:t>Logement</a:t>
-            </a:r>
-          </a:p>
-        </p:txBody>
-      </p:sp>
-      <p:sp>
-        <p:nvSpPr>
-          <p:cNvPr id="8" name="Rectangle : coins arrondis 7">
-            <a:extLst>
-              <a:ext uri="{FF2B5EF4-FFF2-40B4-BE49-F238E27FC236}">
-                <a16:creationId xmlns:a16="http://schemas.microsoft.com/office/drawing/2014/main" id="{224BFD0A-E721-D199-7EC9-44D89A50463F}"/>
-              </a:ext>
-            </a:extLst>
-          </p:cNvPr>
-          <p:cNvSpPr/>
-          <p:nvPr/>
-        </p:nvSpPr>
-        <p:spPr>
-          <a:xfrm>
-            <a:off x="9223248" y="4882257"/>
-            <a:ext cx="1408176" cy="612648"/>
-          </a:xfrm>
-          <a:prstGeom prst="roundRect">
-            <a:avLst/>
-          </a:prstGeom>
-        </p:spPr>
-        <p:style>
-          <a:lnRef idx="2">
-            <a:schemeClr val="accent1">
-              <a:shade val="50000"/>
-            </a:schemeClr>
-          </a:lnRef>
-          <a:fillRef idx="1">
-            <a:schemeClr val="accent1"/>
-          </a:fillRef>
-          <a:effectRef idx="0">
-            <a:schemeClr val="accent1"/>
-          </a:effectRef>
-          <a:fontRef idx="minor">
-            <a:schemeClr val="lt1"/>
-          </a:fontRef>
-        </p:style>
-        <p:txBody>
-          <a:bodyPr rtlCol="0" anchor="ctr"/>
-          <a:lstStyle/>
-          <a:p>
-            <a:pPr algn="ctr"/>
-            <a:r>
-              <a:rPr lang="fr-FR" dirty="0" err="1"/>
-              <a:t>Notfound</a:t>
-            </a:r>
-            <a:endParaRPr lang="fr-FR" dirty="0"/>
-          </a:p>
-        </p:txBody>
-      </p:sp>
-      <p:cxnSp>
-        <p:nvCxnSpPr>
-          <p:cNvPr id="10" name="Connecteur droit 9">
-            <a:extLst>
-              <a:ext uri="{FF2B5EF4-FFF2-40B4-BE49-F238E27FC236}">
-                <a16:creationId xmlns:a16="http://schemas.microsoft.com/office/drawing/2014/main" id="{6268C6FD-371A-0730-B8B6-9FA4BC668F48}"/>
-              </a:ext>
-            </a:extLst>
-          </p:cNvPr>
-          <p:cNvCxnSpPr>
-            <a:endCxn id="3" idx="1"/>
-          </p:cNvCxnSpPr>
-          <p:nvPr/>
-        </p:nvCxnSpPr>
-        <p:spPr>
-          <a:xfrm flipV="1">
-            <a:off x="8156862" y="3122676"/>
-            <a:ext cx="1066386" cy="918972"/>
-          </a:xfrm>
-          <a:prstGeom prst="line">
-            <a:avLst/>
-          </a:prstGeom>
-        </p:spPr>
-        <p:style>
-          <a:lnRef idx="1">
-            <a:schemeClr val="accent1"/>
-          </a:lnRef>
-          <a:fillRef idx="0">
-            <a:schemeClr val="accent1"/>
-          </a:fillRef>
-          <a:effectRef idx="0">
-            <a:schemeClr val="accent1"/>
-          </a:effectRef>
-          <a:fontRef idx="minor">
-            <a:schemeClr val="tx1"/>
-          </a:fontRef>
-        </p:style>
-      </p:cxnSp>
-      <p:cxnSp>
-        <p:nvCxnSpPr>
-          <p:cNvPr id="13" name="Connecteur droit 12">
-            <a:extLst>
-              <a:ext uri="{FF2B5EF4-FFF2-40B4-BE49-F238E27FC236}">
-                <a16:creationId xmlns:a16="http://schemas.microsoft.com/office/drawing/2014/main" id="{B96DD56A-8E26-0D00-4294-2E787145AF63}"/>
-              </a:ext>
-            </a:extLst>
-          </p:cNvPr>
-          <p:cNvCxnSpPr>
-            <a:endCxn id="6" idx="1"/>
-          </p:cNvCxnSpPr>
-          <p:nvPr/>
-        </p:nvCxnSpPr>
-        <p:spPr>
-          <a:xfrm flipV="1">
-            <a:off x="8156862" y="3808919"/>
-            <a:ext cx="1066386" cy="232729"/>
-          </a:xfrm>
-          <a:prstGeom prst="line">
-            <a:avLst/>
-          </a:prstGeom>
-        </p:spPr>
-        <p:style>
-          <a:lnRef idx="1">
-            <a:schemeClr val="accent1"/>
-          </a:lnRef>
-          <a:fillRef idx="0">
-            <a:schemeClr val="accent1"/>
-          </a:fillRef>
-          <a:effectRef idx="0">
-            <a:schemeClr val="accent1"/>
-          </a:effectRef>
-          <a:fontRef idx="minor">
-            <a:schemeClr val="tx1"/>
-          </a:fontRef>
-        </p:style>
-      </p:cxnSp>
-      <p:cxnSp>
-        <p:nvCxnSpPr>
-          <p:cNvPr id="15" name="Connecteur droit 14">
-            <a:extLst>
-              <a:ext uri="{FF2B5EF4-FFF2-40B4-BE49-F238E27FC236}">
-                <a16:creationId xmlns:a16="http://schemas.microsoft.com/office/drawing/2014/main" id="{BC04E35F-F2D1-9F52-E91C-C498169640B4}"/>
-              </a:ext>
-            </a:extLst>
-          </p:cNvPr>
-          <p:cNvCxnSpPr>
-            <a:endCxn id="7" idx="1"/>
-          </p:cNvCxnSpPr>
-          <p:nvPr/>
-        </p:nvCxnSpPr>
-        <p:spPr>
-          <a:xfrm>
-            <a:off x="8156862" y="4041648"/>
-            <a:ext cx="1066386" cy="453514"/>
-          </a:xfrm>
-          <a:prstGeom prst="line">
-            <a:avLst/>
-          </a:prstGeom>
-        </p:spPr>
-        <p:style>
-          <a:lnRef idx="1">
-            <a:schemeClr val="accent1"/>
-          </a:lnRef>
-          <a:fillRef idx="0">
-            <a:schemeClr val="accent1"/>
-          </a:fillRef>
-          <a:effectRef idx="0">
-            <a:schemeClr val="accent1"/>
-          </a:effectRef>
-          <a:fontRef idx="minor">
-            <a:schemeClr val="tx1"/>
-          </a:fontRef>
-        </p:style>
-      </p:cxnSp>
-      <p:cxnSp>
-        <p:nvCxnSpPr>
-          <p:cNvPr id="17" name="Connecteur droit 16">
-            <a:extLst>
-              <a:ext uri="{FF2B5EF4-FFF2-40B4-BE49-F238E27FC236}">
-                <a16:creationId xmlns:a16="http://schemas.microsoft.com/office/drawing/2014/main" id="{768E9A5E-CC9C-FFB0-4F16-2D4656BCC758}"/>
-              </a:ext>
-            </a:extLst>
-          </p:cNvPr>
-          <p:cNvCxnSpPr>
-            <a:endCxn id="8" idx="1"/>
-          </p:cNvCxnSpPr>
-          <p:nvPr/>
-        </p:nvCxnSpPr>
-        <p:spPr>
-          <a:xfrm>
-            <a:off x="8156862" y="4041648"/>
-            <a:ext cx="1066386" cy="1146933"/>
-          </a:xfrm>
-          <a:prstGeom prst="line">
-            <a:avLst/>
-          </a:prstGeom>
-        </p:spPr>
-        <p:style>
-          <a:lnRef idx="1">
-            <a:schemeClr val="accent1"/>
-          </a:lnRef>
-          <a:fillRef idx="0">
-            <a:schemeClr val="accent1"/>
-          </a:fillRef>
-          <a:effectRef idx="0">
-            <a:schemeClr val="accent1"/>
-          </a:effectRef>
-          <a:fontRef idx="minor">
-            <a:schemeClr val="tx1"/>
-          </a:fontRef>
-        </p:style>
-      </p:cxnSp>
-    </p:spTree>
-    <p:extLst>
-      <p:ext uri="{BB962C8B-B14F-4D97-AF65-F5344CB8AC3E}">
-        <p14:creationId xmlns:p14="http://schemas.microsoft.com/office/powerpoint/2010/main" val="2628974930"/>
-      </p:ext>
-    </p:extLst>
-  </p:cSld>
-  <p:clrMapOvr>
-    <a:masterClrMapping/>
-  </p:clrMapOvr>
-</p:sld>
-</file>
-
-<file path=ppt/slides/slide5.xml><?xml version="1.0" encoding="utf-8"?>
-<p:sld xmlns:a="http://schemas.openxmlformats.org/drawingml/2006/main" xmlns:r="http://schemas.openxmlformats.org/officeDocument/2006/relationships" xmlns:p="http://schemas.openxmlformats.org/presentationml/2006/main">
-  <p:cSld>
-    <p:spTree>
-      <p:nvGrpSpPr>
-        <p:cNvPr id="1" name=""/>
-        <p:cNvGrpSpPr/>
-        <p:nvPr/>
-      </p:nvGrpSpPr>
-      <p:grpSpPr>
-        <a:xfrm>
-          <a:off x="0" y="0"/>
-          <a:ext cx="0" cy="0"/>
-          <a:chOff x="0" y="0"/>
-          <a:chExt cx="0" cy="0"/>
-        </a:xfrm>
-      </p:grpSpPr>
       <p:pic>
         <p:nvPicPr>
           <p:cNvPr id="8" name="Image 7">
@@ -20418,7 +20239,7 @@
             <a:pPr rtl="0"/>
             <a:fld id="{4FAB73BC-B049-4115-A692-8D63A059BFB8}" type="slidenum">
               <a:rPr lang="fr-FR" noProof="0" smtClean="0"/>
-              <a:t>5</a:t>
+              <a:t>4</a:t>
             </a:fld>
             <a:endParaRPr lang="fr-FR" noProof="0"/>
           </a:p>
@@ -21249,6 +21070,567 @@
       <p:bldP spid="15" grpId="0"/>
     </p:bldLst>
   </p:timing>
+</p:sld>
+</file>
+
+<file path=ppt/slides/slide5.xml><?xml version="1.0" encoding="utf-8"?>
+<p:sld xmlns:a="http://schemas.openxmlformats.org/drawingml/2006/main" xmlns:r="http://schemas.openxmlformats.org/officeDocument/2006/relationships" xmlns:p="http://schemas.openxmlformats.org/presentationml/2006/main">
+  <p:cSld>
+    <p:spTree>
+      <p:nvGrpSpPr>
+        <p:cNvPr id="1" name=""/>
+        <p:cNvGrpSpPr/>
+        <p:nvPr/>
+      </p:nvGrpSpPr>
+      <p:grpSpPr>
+        <a:xfrm>
+          <a:off x="0" y="0"/>
+          <a:ext cx="0" cy="0"/>
+          <a:chOff x="0" y="0"/>
+          <a:chExt cx="0" cy="0"/>
+        </a:xfrm>
+      </p:grpSpPr>
+      <p:sp>
+        <p:nvSpPr>
+          <p:cNvPr id="2" name="Titre 1">
+            <a:extLst>
+              <a:ext uri="{FF2B5EF4-FFF2-40B4-BE49-F238E27FC236}">
+                <a16:creationId xmlns:a16="http://schemas.microsoft.com/office/drawing/2014/main" id="{A9B97DA2-6962-A841-39E0-50AC0D32D8FE}"/>
+              </a:ext>
+            </a:extLst>
+          </p:cNvPr>
+          <p:cNvSpPr>
+            <a:spLocks noGrp="1"/>
+          </p:cNvSpPr>
+          <p:nvPr>
+            <p:ph type="title"/>
+          </p:nvPr>
+        </p:nvSpPr>
+        <p:spPr>
+          <a:xfrm>
+            <a:off x="8262945" y="228480"/>
+            <a:ext cx="4001759" cy="593641"/>
+          </a:xfrm>
+        </p:spPr>
+        <p:txBody>
+          <a:bodyPr/>
+          <a:lstStyle/>
+          <a:p>
+            <a:pPr algn="ctr"/>
+            <a:r>
+              <a:rPr lang="fr-FR" dirty="0"/>
+              <a:t>Structure du code</a:t>
+            </a:r>
+          </a:p>
+        </p:txBody>
+      </p:sp>
+      <p:sp>
+        <p:nvSpPr>
+          <p:cNvPr id="4" name="Espace réservé du texte 3">
+            <a:extLst>
+              <a:ext uri="{FF2B5EF4-FFF2-40B4-BE49-F238E27FC236}">
+                <a16:creationId xmlns:a16="http://schemas.microsoft.com/office/drawing/2014/main" id="{EF54925B-4F9C-1B24-6794-F46D0A26F415}"/>
+              </a:ext>
+            </a:extLst>
+          </p:cNvPr>
+          <p:cNvSpPr>
+            <a:spLocks noGrp="1"/>
+          </p:cNvSpPr>
+          <p:nvPr>
+            <p:ph type="body" sz="half" idx="2"/>
+          </p:nvPr>
+        </p:nvSpPr>
+        <p:spPr>
+          <a:xfrm>
+            <a:off x="8338657" y="1064144"/>
+            <a:ext cx="3853343" cy="755512"/>
+          </a:xfrm>
+        </p:spPr>
+        <p:txBody>
+          <a:bodyPr>
+            <a:normAutofit/>
+          </a:bodyPr>
+          <a:lstStyle/>
+          <a:p>
+            <a:pPr algn="ctr"/>
+            <a:r>
+              <a:rPr lang="fr-FR" sz="1800" dirty="0"/>
+              <a:t>Organisation générale de mes fichiers FRONT-END</a:t>
+            </a:r>
+          </a:p>
+        </p:txBody>
+      </p:sp>
+      <p:sp>
+        <p:nvSpPr>
+          <p:cNvPr id="5" name="Espace réservé du numéro de diapositive 4">
+            <a:extLst>
+              <a:ext uri="{FF2B5EF4-FFF2-40B4-BE49-F238E27FC236}">
+                <a16:creationId xmlns:a16="http://schemas.microsoft.com/office/drawing/2014/main" id="{979AAEA8-A0D1-7BBB-0D5D-0E32E426A4EF}"/>
+              </a:ext>
+            </a:extLst>
+          </p:cNvPr>
+          <p:cNvSpPr>
+            <a:spLocks noGrp="1"/>
+          </p:cNvSpPr>
+          <p:nvPr>
+            <p:ph type="sldNum" sz="quarter" idx="12"/>
+          </p:nvPr>
+        </p:nvSpPr>
+        <p:spPr/>
+        <p:txBody>
+          <a:bodyPr/>
+          <a:lstStyle/>
+          <a:p>
+            <a:pPr rtl="0"/>
+            <a:fld id="{4FAB73BC-B049-4115-A692-8D63A059BFB8}" type="slidenum">
+              <a:rPr lang="fr-FR" noProof="0" smtClean="0"/>
+              <a:t>5</a:t>
+            </a:fld>
+            <a:endParaRPr lang="fr-FR" noProof="0"/>
+          </a:p>
+        </p:txBody>
+      </p:sp>
+      <p:graphicFrame>
+        <p:nvGraphicFramePr>
+          <p:cNvPr id="12" name="Espace réservé du contenu 11">
+            <a:extLst>
+              <a:ext uri="{FF2B5EF4-FFF2-40B4-BE49-F238E27FC236}">
+                <a16:creationId xmlns:a16="http://schemas.microsoft.com/office/drawing/2014/main" id="{880CDAFD-1FC9-8E1F-9DC1-A0E8EC67E108}"/>
+              </a:ext>
+            </a:extLst>
+          </p:cNvPr>
+          <p:cNvGraphicFramePr>
+            <a:graphicFrameLocks noGrp="1"/>
+          </p:cNvGraphicFramePr>
+          <p:nvPr>
+            <p:ph idx="1"/>
+            <p:extLst>
+              <p:ext uri="{D42A27DB-BD31-4B8C-83A1-F6EECF244321}">
+                <p14:modId xmlns:p14="http://schemas.microsoft.com/office/powerpoint/2010/main" val="799842828"/>
+              </p:ext>
+            </p:extLst>
+          </p:nvPr>
+        </p:nvGraphicFramePr>
+        <p:xfrm>
+          <a:off x="110835" y="426027"/>
+          <a:ext cx="8046027" cy="5705475"/>
+        </p:xfrm>
+        <a:graphic>
+          <a:graphicData uri="http://schemas.openxmlformats.org/drawingml/2006/diagram">
+            <dgm:relIds xmlns:dgm="http://schemas.openxmlformats.org/drawingml/2006/diagram" xmlns:r="http://schemas.openxmlformats.org/officeDocument/2006/relationships" r:dm="rId3" r:lo="rId4" r:qs="rId5" r:cs="rId6"/>
+          </a:graphicData>
+        </a:graphic>
+      </p:graphicFrame>
+      <p:pic>
+        <p:nvPicPr>
+          <p:cNvPr id="4100" name="Picture 4">
+            <a:extLst>
+              <a:ext uri="{FF2B5EF4-FFF2-40B4-BE49-F238E27FC236}">
+                <a16:creationId xmlns:a16="http://schemas.microsoft.com/office/drawing/2014/main" id="{094977B2-A196-1E28-A7F0-20BCB7F240B5}"/>
+              </a:ext>
+            </a:extLst>
+          </p:cNvPr>
+          <p:cNvPicPr>
+            <a:picLocks noChangeAspect="1" noChangeArrowheads="1"/>
+          </p:cNvPicPr>
+          <p:nvPr/>
+        </p:nvPicPr>
+        <p:blipFill>
+          <a:blip r:embed="rId8">
+            <a:extLst>
+              <a:ext uri="{28A0092B-C50C-407E-A947-70E740481C1C}">
+                <a14:useLocalDpi xmlns:a14="http://schemas.microsoft.com/office/drawing/2010/main" val="0"/>
+              </a:ext>
+            </a:extLst>
+          </a:blip>
+          <a:srcRect/>
+          <a:stretch>
+            <a:fillRect/>
+          </a:stretch>
+        </p:blipFill>
+        <p:spPr bwMode="auto">
+          <a:xfrm>
+            <a:off x="3319132" y="2492458"/>
+            <a:ext cx="500494" cy="435212"/>
+          </a:xfrm>
+          <a:prstGeom prst="rect">
+            <a:avLst/>
+          </a:prstGeom>
+          <a:noFill/>
+          <a:extLst>
+            <a:ext uri="{909E8E84-426E-40DD-AFC4-6F175D3DCCD1}">
+              <a14:hiddenFill xmlns:a14="http://schemas.microsoft.com/office/drawing/2010/main">
+                <a:solidFill>
+                  <a:srgbClr val="FFFFFF"/>
+                </a:solidFill>
+              </a14:hiddenFill>
+            </a:ext>
+          </a:extLst>
+        </p:spPr>
+      </p:pic>
+      <p:sp>
+        <p:nvSpPr>
+          <p:cNvPr id="3" name="Rectangle : coins arrondis 2">
+            <a:extLst>
+              <a:ext uri="{FF2B5EF4-FFF2-40B4-BE49-F238E27FC236}">
+                <a16:creationId xmlns:a16="http://schemas.microsoft.com/office/drawing/2014/main" id="{D68015E8-BDF8-8F9A-A21B-44BCC6EFFBC8}"/>
+              </a:ext>
+            </a:extLst>
+          </p:cNvPr>
+          <p:cNvSpPr/>
+          <p:nvPr/>
+        </p:nvSpPr>
+        <p:spPr>
+          <a:xfrm>
+            <a:off x="9223248" y="2816352"/>
+            <a:ext cx="1408176" cy="612648"/>
+          </a:xfrm>
+          <a:prstGeom prst="roundRect">
+            <a:avLst/>
+          </a:prstGeom>
+        </p:spPr>
+        <p:style>
+          <a:lnRef idx="2">
+            <a:schemeClr val="accent1">
+              <a:shade val="50000"/>
+            </a:schemeClr>
+          </a:lnRef>
+          <a:fillRef idx="1">
+            <a:schemeClr val="accent1"/>
+          </a:fillRef>
+          <a:effectRef idx="0">
+            <a:schemeClr val="accent1"/>
+          </a:effectRef>
+          <a:fontRef idx="minor">
+            <a:schemeClr val="lt1"/>
+          </a:fontRef>
+        </p:style>
+        <p:txBody>
+          <a:bodyPr rtlCol="0" anchor="ctr"/>
+          <a:lstStyle/>
+          <a:p>
+            <a:pPr algn="ctr"/>
+            <a:r>
+              <a:rPr lang="fr-FR" dirty="0"/>
+              <a:t>Home</a:t>
+            </a:r>
+          </a:p>
+        </p:txBody>
+      </p:sp>
+      <p:sp>
+        <p:nvSpPr>
+          <p:cNvPr id="6" name="Rectangle : coins arrondis 5">
+            <a:extLst>
+              <a:ext uri="{FF2B5EF4-FFF2-40B4-BE49-F238E27FC236}">
+                <a16:creationId xmlns:a16="http://schemas.microsoft.com/office/drawing/2014/main" id="{46DE18E8-3450-5D38-4E36-286D9BFE245B}"/>
+              </a:ext>
+            </a:extLst>
+          </p:cNvPr>
+          <p:cNvSpPr/>
+          <p:nvPr/>
+        </p:nvSpPr>
+        <p:spPr>
+          <a:xfrm>
+            <a:off x="9223248" y="3502595"/>
+            <a:ext cx="1408176" cy="612648"/>
+          </a:xfrm>
+          <a:prstGeom prst="roundRect">
+            <a:avLst/>
+          </a:prstGeom>
+        </p:spPr>
+        <p:style>
+          <a:lnRef idx="2">
+            <a:schemeClr val="accent1">
+              <a:shade val="50000"/>
+            </a:schemeClr>
+          </a:lnRef>
+          <a:fillRef idx="1">
+            <a:schemeClr val="accent1"/>
+          </a:fillRef>
+          <a:effectRef idx="0">
+            <a:schemeClr val="accent1"/>
+          </a:effectRef>
+          <a:fontRef idx="minor">
+            <a:schemeClr val="lt1"/>
+          </a:fontRef>
+        </p:style>
+        <p:txBody>
+          <a:bodyPr rtlCol="0" anchor="ctr"/>
+          <a:lstStyle/>
+          <a:p>
+            <a:pPr algn="ctr"/>
+            <a:r>
+              <a:rPr lang="fr-FR" dirty="0"/>
+              <a:t>About</a:t>
+            </a:r>
+          </a:p>
+        </p:txBody>
+      </p:sp>
+      <p:sp>
+        <p:nvSpPr>
+          <p:cNvPr id="7" name="Rectangle : coins arrondis 6">
+            <a:extLst>
+              <a:ext uri="{FF2B5EF4-FFF2-40B4-BE49-F238E27FC236}">
+                <a16:creationId xmlns:a16="http://schemas.microsoft.com/office/drawing/2014/main" id="{4143A376-A8DE-96D8-5EFF-C2D25F4320CD}"/>
+              </a:ext>
+            </a:extLst>
+          </p:cNvPr>
+          <p:cNvSpPr/>
+          <p:nvPr/>
+        </p:nvSpPr>
+        <p:spPr>
+          <a:xfrm>
+            <a:off x="9223248" y="4188838"/>
+            <a:ext cx="1408176" cy="612648"/>
+          </a:xfrm>
+          <a:prstGeom prst="roundRect">
+            <a:avLst/>
+          </a:prstGeom>
+        </p:spPr>
+        <p:style>
+          <a:lnRef idx="2">
+            <a:schemeClr val="accent1">
+              <a:shade val="50000"/>
+            </a:schemeClr>
+          </a:lnRef>
+          <a:fillRef idx="1">
+            <a:schemeClr val="accent1"/>
+          </a:fillRef>
+          <a:effectRef idx="0">
+            <a:schemeClr val="accent1"/>
+          </a:effectRef>
+          <a:fontRef idx="minor">
+            <a:schemeClr val="lt1"/>
+          </a:fontRef>
+        </p:style>
+        <p:txBody>
+          <a:bodyPr rtlCol="0" anchor="ctr"/>
+          <a:lstStyle/>
+          <a:p>
+            <a:pPr algn="ctr"/>
+            <a:r>
+              <a:rPr lang="fr-FR" dirty="0"/>
+              <a:t>Logement</a:t>
+            </a:r>
+          </a:p>
+        </p:txBody>
+      </p:sp>
+      <p:sp>
+        <p:nvSpPr>
+          <p:cNvPr id="8" name="Rectangle : coins arrondis 7">
+            <a:extLst>
+              <a:ext uri="{FF2B5EF4-FFF2-40B4-BE49-F238E27FC236}">
+                <a16:creationId xmlns:a16="http://schemas.microsoft.com/office/drawing/2014/main" id="{224BFD0A-E721-D199-7EC9-44D89A50463F}"/>
+              </a:ext>
+            </a:extLst>
+          </p:cNvPr>
+          <p:cNvSpPr/>
+          <p:nvPr/>
+        </p:nvSpPr>
+        <p:spPr>
+          <a:xfrm>
+            <a:off x="9223248" y="4882257"/>
+            <a:ext cx="1408176" cy="612648"/>
+          </a:xfrm>
+          <a:prstGeom prst="roundRect">
+            <a:avLst/>
+          </a:prstGeom>
+        </p:spPr>
+        <p:style>
+          <a:lnRef idx="2">
+            <a:schemeClr val="accent1">
+              <a:shade val="50000"/>
+            </a:schemeClr>
+          </a:lnRef>
+          <a:fillRef idx="1">
+            <a:schemeClr val="accent1"/>
+          </a:fillRef>
+          <a:effectRef idx="0">
+            <a:schemeClr val="accent1"/>
+          </a:effectRef>
+          <a:fontRef idx="minor">
+            <a:schemeClr val="lt1"/>
+          </a:fontRef>
+        </p:style>
+        <p:txBody>
+          <a:bodyPr rtlCol="0" anchor="ctr"/>
+          <a:lstStyle/>
+          <a:p>
+            <a:pPr algn="ctr"/>
+            <a:r>
+              <a:rPr lang="fr-FR" dirty="0" err="1"/>
+              <a:t>Notfound</a:t>
+            </a:r>
+            <a:endParaRPr lang="fr-FR" dirty="0"/>
+          </a:p>
+        </p:txBody>
+      </p:sp>
+      <p:cxnSp>
+        <p:nvCxnSpPr>
+          <p:cNvPr id="10" name="Connecteur droit 9">
+            <a:extLst>
+              <a:ext uri="{FF2B5EF4-FFF2-40B4-BE49-F238E27FC236}">
+                <a16:creationId xmlns:a16="http://schemas.microsoft.com/office/drawing/2014/main" id="{6268C6FD-371A-0730-B8B6-9FA4BC668F48}"/>
+              </a:ext>
+            </a:extLst>
+          </p:cNvPr>
+          <p:cNvCxnSpPr>
+            <a:endCxn id="3" idx="1"/>
+          </p:cNvCxnSpPr>
+          <p:nvPr/>
+        </p:nvCxnSpPr>
+        <p:spPr>
+          <a:xfrm flipV="1">
+            <a:off x="8156862" y="3122676"/>
+            <a:ext cx="1066386" cy="918972"/>
+          </a:xfrm>
+          <a:prstGeom prst="line">
+            <a:avLst/>
+          </a:prstGeom>
+          <a:ln w="12700"/>
+        </p:spPr>
+        <p:style>
+          <a:lnRef idx="1">
+            <a:schemeClr val="accent1"/>
+          </a:lnRef>
+          <a:fillRef idx="0">
+            <a:schemeClr val="accent1"/>
+          </a:fillRef>
+          <a:effectRef idx="0">
+            <a:schemeClr val="accent1"/>
+          </a:effectRef>
+          <a:fontRef idx="minor">
+            <a:schemeClr val="tx1"/>
+          </a:fontRef>
+        </p:style>
+      </p:cxnSp>
+      <p:cxnSp>
+        <p:nvCxnSpPr>
+          <p:cNvPr id="13" name="Connecteur droit 12">
+            <a:extLst>
+              <a:ext uri="{FF2B5EF4-FFF2-40B4-BE49-F238E27FC236}">
+                <a16:creationId xmlns:a16="http://schemas.microsoft.com/office/drawing/2014/main" id="{B96DD56A-8E26-0D00-4294-2E787145AF63}"/>
+              </a:ext>
+            </a:extLst>
+          </p:cNvPr>
+          <p:cNvCxnSpPr>
+            <a:endCxn id="6" idx="1"/>
+          </p:cNvCxnSpPr>
+          <p:nvPr/>
+        </p:nvCxnSpPr>
+        <p:spPr>
+          <a:xfrm flipV="1">
+            <a:off x="8156862" y="3808919"/>
+            <a:ext cx="1066386" cy="232729"/>
+          </a:xfrm>
+          <a:prstGeom prst="line">
+            <a:avLst/>
+          </a:prstGeom>
+          <a:ln w="12700"/>
+        </p:spPr>
+        <p:style>
+          <a:lnRef idx="1">
+            <a:schemeClr val="accent1"/>
+          </a:lnRef>
+          <a:fillRef idx="0">
+            <a:schemeClr val="accent1"/>
+          </a:fillRef>
+          <a:effectRef idx="0">
+            <a:schemeClr val="accent1"/>
+          </a:effectRef>
+          <a:fontRef idx="minor">
+            <a:schemeClr val="tx1"/>
+          </a:fontRef>
+        </p:style>
+      </p:cxnSp>
+      <p:cxnSp>
+        <p:nvCxnSpPr>
+          <p:cNvPr id="15" name="Connecteur droit 14">
+            <a:extLst>
+              <a:ext uri="{FF2B5EF4-FFF2-40B4-BE49-F238E27FC236}">
+                <a16:creationId xmlns:a16="http://schemas.microsoft.com/office/drawing/2014/main" id="{BC04E35F-F2D1-9F52-E91C-C498169640B4}"/>
+              </a:ext>
+            </a:extLst>
+          </p:cNvPr>
+          <p:cNvCxnSpPr>
+            <a:endCxn id="7" idx="1"/>
+          </p:cNvCxnSpPr>
+          <p:nvPr/>
+        </p:nvCxnSpPr>
+        <p:spPr>
+          <a:xfrm>
+            <a:off x="8156862" y="4041648"/>
+            <a:ext cx="1066386" cy="453514"/>
+          </a:xfrm>
+          <a:prstGeom prst="line">
+            <a:avLst/>
+          </a:prstGeom>
+          <a:ln w="12700"/>
+        </p:spPr>
+        <p:style>
+          <a:lnRef idx="1">
+            <a:schemeClr val="accent1"/>
+          </a:lnRef>
+          <a:fillRef idx="0">
+            <a:schemeClr val="accent1"/>
+          </a:fillRef>
+          <a:effectRef idx="0">
+            <a:schemeClr val="accent1"/>
+          </a:effectRef>
+          <a:fontRef idx="minor">
+            <a:schemeClr val="tx1"/>
+          </a:fontRef>
+        </p:style>
+      </p:cxnSp>
+      <p:cxnSp>
+        <p:nvCxnSpPr>
+          <p:cNvPr id="17" name="Connecteur droit 16">
+            <a:extLst>
+              <a:ext uri="{FF2B5EF4-FFF2-40B4-BE49-F238E27FC236}">
+                <a16:creationId xmlns:a16="http://schemas.microsoft.com/office/drawing/2014/main" id="{768E9A5E-CC9C-FFB0-4F16-2D4656BCC758}"/>
+              </a:ext>
+            </a:extLst>
+          </p:cNvPr>
+          <p:cNvCxnSpPr>
+            <a:endCxn id="8" idx="1"/>
+          </p:cNvCxnSpPr>
+          <p:nvPr/>
+        </p:nvCxnSpPr>
+        <p:spPr>
+          <a:xfrm>
+            <a:off x="8156862" y="4041648"/>
+            <a:ext cx="1066386" cy="1146933"/>
+          </a:xfrm>
+          <a:prstGeom prst="line">
+            <a:avLst/>
+          </a:prstGeom>
+          <a:ln w="12700"/>
+        </p:spPr>
+        <p:style>
+          <a:lnRef idx="1">
+            <a:schemeClr val="accent1"/>
+          </a:lnRef>
+          <a:fillRef idx="0">
+            <a:schemeClr val="accent1"/>
+          </a:fillRef>
+          <a:effectRef idx="0">
+            <a:schemeClr val="accent1"/>
+          </a:effectRef>
+          <a:fontRef idx="minor">
+            <a:schemeClr val="tx1"/>
+          </a:fontRef>
+        </p:style>
+      </p:cxnSp>
+    </p:spTree>
+    <p:extLst>
+      <p:ext uri="{BB962C8B-B14F-4D97-AF65-F5344CB8AC3E}">
+        <p14:creationId xmlns:p14="http://schemas.microsoft.com/office/powerpoint/2010/main" val="2628974930"/>
+      </p:ext>
+    </p:extLst>
+  </p:cSld>
+  <p:clrMapOvr>
+    <a:masterClrMapping/>
+  </p:clrMapOvr>
 </p:sld>
 </file>
 
@@ -22563,20 +22945,20 @@
 </file>
 
 <file path=customXml/item1.xml><?xml version="1.0" encoding="utf-8"?>
+<p:properties xmlns:p="http://schemas.microsoft.com/office/2006/metadata/properties" xmlns:xsi="http://www.w3.org/2001/XMLSchema-instance" xmlns:pc="http://schemas.microsoft.com/office/infopath/2007/PartnerControls">
+  <documentManagement>
+    <MediaServiceKeyPoints xmlns="71af3243-3dd4-4a8d-8c0d-dd76da1f02a5" xsi:nil="true"/>
+  </documentManagement>
+</p:properties>
+</file>
+
+<file path=customXml/item2.xml><?xml version="1.0" encoding="utf-8"?>
 <?mso-contentType ?>
 <FormTemplates xmlns="http://schemas.microsoft.com/sharepoint/v3/contenttype/forms">
   <Display>DocumentLibraryForm</Display>
   <Edit>DocumentLibraryForm</Edit>
   <New>DocumentLibraryForm</New>
 </FormTemplates>
-</file>
-
-<file path=customXml/item2.xml><?xml version="1.0" encoding="utf-8"?>
-<p:properties xmlns:p="http://schemas.microsoft.com/office/2006/metadata/properties" xmlns:xsi="http://www.w3.org/2001/XMLSchema-instance" xmlns:pc="http://schemas.microsoft.com/office/infopath/2007/PartnerControls">
-  <documentManagement>
-    <MediaServiceKeyPoints xmlns="71af3243-3dd4-4a8d-8c0d-dd76da1f02a5" xsi:nil="true"/>
-  </documentManagement>
-</p:properties>
 </file>
 
 <file path=customXml/item3.xml><?xml version="1.0" encoding="utf-8"?>
@@ -22791,19 +23173,19 @@
 </file>
 
 <file path=customXml/itemProps1.xml><?xml version="1.0" encoding="utf-8"?>
-<ds:datastoreItem xmlns:ds="http://schemas.openxmlformats.org/officeDocument/2006/customXml" ds:itemID="{D8D68FF4-BAD0-4642-AF13-8C81E6DA6F2D}">
+<ds:datastoreItem xmlns:ds="http://schemas.openxmlformats.org/officeDocument/2006/customXml" ds:itemID="{3E5F63BB-8299-4DC6-BEF4-D74C2867262F}">
   <ds:schemaRefs>
-    <ds:schemaRef ds:uri="http://schemas.microsoft.com/sharepoint/v3/contenttype/forms"/>
+    <ds:schemaRef ds:uri="http://schemas.microsoft.com/office/2006/metadata/properties"/>
+    <ds:schemaRef ds:uri="http://schemas.microsoft.com/office/infopath/2007/PartnerControls"/>
+    <ds:schemaRef ds:uri="71af3243-3dd4-4a8d-8c0d-dd76da1f02a5"/>
   </ds:schemaRefs>
 </ds:datastoreItem>
 </file>
 
 <file path=customXml/itemProps2.xml><?xml version="1.0" encoding="utf-8"?>
-<ds:datastoreItem xmlns:ds="http://schemas.openxmlformats.org/officeDocument/2006/customXml" ds:itemID="{3E5F63BB-8299-4DC6-BEF4-D74C2867262F}">
+<ds:datastoreItem xmlns:ds="http://schemas.openxmlformats.org/officeDocument/2006/customXml" ds:itemID="{D8D68FF4-BAD0-4642-AF13-8C81E6DA6F2D}">
   <ds:schemaRefs>
-    <ds:schemaRef ds:uri="http://schemas.microsoft.com/office/2006/metadata/properties"/>
-    <ds:schemaRef ds:uri="http://schemas.microsoft.com/office/infopath/2007/PartnerControls"/>
-    <ds:schemaRef ds:uri="71af3243-3dd4-4a8d-8c0d-dd76da1f02a5"/>
+    <ds:schemaRef ds:uri="http://schemas.microsoft.com/sharepoint/v3/contenttype/forms"/>
   </ds:schemaRefs>
 </ds:datastoreItem>
 </file>
